--- a/DDS Project1 - Reed_Miller.pptx
+++ b/DDS Project1 - Reed_Miller.pptx
@@ -7,9 +7,10 @@
   <p:sldIdLst>
     <p:sldId id="256" r:id="rId2"/>
     <p:sldId id="258" r:id="rId3"/>
-    <p:sldId id="257" r:id="rId4"/>
-    <p:sldId id="259" r:id="rId5"/>
-    <p:sldId id="260" r:id="rId6"/>
+    <p:sldId id="261" r:id="rId4"/>
+    <p:sldId id="257" r:id="rId5"/>
+    <p:sldId id="263" r:id="rId6"/>
+    <p:sldId id="262" r:id="rId7"/>
   </p:sldIdLst>
   <p:sldSz cx="12192000" cy="6858000"/>
   <p:notesSz cx="6858000" cy="9144000"/>
@@ -120,8 +121,8 @@
 <pc:chgInfo xmlns:a="http://schemas.openxmlformats.org/drawingml/2006/main" xmlns:r="http://schemas.openxmlformats.org/officeDocument/2006/relationships" xmlns:ac="http://schemas.microsoft.com/office/drawing/2013/main/command" xmlns:pc="http://schemas.microsoft.com/office/powerpoint/2013/main/command">
   <pc:docChgLst>
     <pc:chgData name="Jeffrey Reed" userId="fcb1cda2969150a1" providerId="LiveId" clId="{72CF6D7D-40D6-4B9A-A7D6-9D2698FBC7A2}"/>
-    <pc:docChg chg="modSld">
-      <pc:chgData name="Jeffrey Reed" userId="fcb1cda2969150a1" providerId="LiveId" clId="{72CF6D7D-40D6-4B9A-A7D6-9D2698FBC7A2}" dt="2021-06-10T00:09:14.094" v="105" actId="255"/>
+    <pc:docChg chg="undo custSel addSld delSld modSld">
+      <pc:chgData name="Jeffrey Reed" userId="fcb1cda2969150a1" providerId="LiveId" clId="{72CF6D7D-40D6-4B9A-A7D6-9D2698FBC7A2}" dt="2021-06-12T19:37:38.151" v="868" actId="6549"/>
       <pc:docMkLst>
         <pc:docMk/>
       </pc:docMkLst>
@@ -148,6 +149,37 @@
           </ac:spMkLst>
         </pc:spChg>
       </pc:sldChg>
+      <pc:sldChg chg="addSp delSp modSp mod">
+        <pc:chgData name="Jeffrey Reed" userId="fcb1cda2969150a1" providerId="LiveId" clId="{72CF6D7D-40D6-4B9A-A7D6-9D2698FBC7A2}" dt="2021-06-12T19:34:29.322" v="723" actId="14100"/>
+        <pc:sldMkLst>
+          <pc:docMk/>
+          <pc:sldMk cId="2059971362" sldId="257"/>
+        </pc:sldMkLst>
+        <pc:spChg chg="mod">
+          <ac:chgData name="Jeffrey Reed" userId="fcb1cda2969150a1" providerId="LiveId" clId="{72CF6D7D-40D6-4B9A-A7D6-9D2698FBC7A2}" dt="2021-06-12T19:32:36.865" v="681" actId="20577"/>
+          <ac:spMkLst>
+            <pc:docMk/>
+            <pc:sldMk cId="2059971362" sldId="257"/>
+            <ac:spMk id="2" creationId="{00000000-0000-0000-0000-000000000000}"/>
+          </ac:spMkLst>
+        </pc:spChg>
+        <pc:spChg chg="del">
+          <ac:chgData name="Jeffrey Reed" userId="fcb1cda2969150a1" providerId="LiveId" clId="{72CF6D7D-40D6-4B9A-A7D6-9D2698FBC7A2}" dt="2021-06-12T19:31:28.862" v="610" actId="22"/>
+          <ac:spMkLst>
+            <pc:docMk/>
+            <pc:sldMk cId="2059971362" sldId="257"/>
+            <ac:spMk id="3" creationId="{00000000-0000-0000-0000-000000000000}"/>
+          </ac:spMkLst>
+        </pc:spChg>
+        <pc:picChg chg="add mod ord">
+          <ac:chgData name="Jeffrey Reed" userId="fcb1cda2969150a1" providerId="LiveId" clId="{72CF6D7D-40D6-4B9A-A7D6-9D2698FBC7A2}" dt="2021-06-12T19:34:29.322" v="723" actId="14100"/>
+          <ac:picMkLst>
+            <pc:docMk/>
+            <pc:sldMk cId="2059971362" sldId="257"/>
+            <ac:picMk id="5" creationId="{75A89B1B-F0EC-4FC6-A317-A40DCC8C59B5}"/>
+          </ac:picMkLst>
+        </pc:picChg>
+      </pc:sldChg>
       <pc:sldChg chg="modSp mod">
         <pc:chgData name="Jeffrey Reed" userId="fcb1cda2969150a1" providerId="LiveId" clId="{72CF6D7D-40D6-4B9A-A7D6-9D2698FBC7A2}" dt="2021-06-07T20:16:56.583" v="8" actId="14100"/>
         <pc:sldMkLst>
@@ -162,6 +194,113 @@
             <ac:spMk id="8" creationId="{DF1A2F41-4522-46D2-9E51-F1F2B57ADD57}"/>
           </ac:spMkLst>
         </pc:spChg>
+      </pc:sldChg>
+      <pc:sldChg chg="del">
+        <pc:chgData name="Jeffrey Reed" userId="fcb1cda2969150a1" providerId="LiveId" clId="{72CF6D7D-40D6-4B9A-A7D6-9D2698FBC7A2}" dt="2021-06-12T19:28:02.467" v="570" actId="47"/>
+        <pc:sldMkLst>
+          <pc:docMk/>
+          <pc:sldMk cId="961183414" sldId="259"/>
+        </pc:sldMkLst>
+      </pc:sldChg>
+      <pc:sldChg chg="del">
+        <pc:chgData name="Jeffrey Reed" userId="fcb1cda2969150a1" providerId="LiveId" clId="{72CF6D7D-40D6-4B9A-A7D6-9D2698FBC7A2}" dt="2021-06-12T19:28:03.368" v="571" actId="47"/>
+        <pc:sldMkLst>
+          <pc:docMk/>
+          <pc:sldMk cId="1261448384" sldId="260"/>
+        </pc:sldMkLst>
+      </pc:sldChg>
+      <pc:sldChg chg="delSp modSp add mod">
+        <pc:chgData name="Jeffrey Reed" userId="fcb1cda2969150a1" providerId="LiveId" clId="{72CF6D7D-40D6-4B9A-A7D6-9D2698FBC7A2}" dt="2021-06-12T19:37:03.689" v="867" actId="20577"/>
+        <pc:sldMkLst>
+          <pc:docMk/>
+          <pc:sldMk cId="3119265288" sldId="261"/>
+        </pc:sldMkLst>
+        <pc:spChg chg="mod">
+          <ac:chgData name="Jeffrey Reed" userId="fcb1cda2969150a1" providerId="LiveId" clId="{72CF6D7D-40D6-4B9A-A7D6-9D2698FBC7A2}" dt="2021-06-12T19:19:59.247" v="137" actId="20577"/>
+          <ac:spMkLst>
+            <pc:docMk/>
+            <pc:sldMk cId="3119265288" sldId="261"/>
+            <ac:spMk id="2" creationId="{00000000-0000-0000-0000-000000000000}"/>
+          </ac:spMkLst>
+        </pc:spChg>
+        <pc:spChg chg="mod">
+          <ac:chgData name="Jeffrey Reed" userId="fcb1cda2969150a1" providerId="LiveId" clId="{72CF6D7D-40D6-4B9A-A7D6-9D2698FBC7A2}" dt="2021-06-12T19:37:03.689" v="867" actId="20577"/>
+          <ac:spMkLst>
+            <pc:docMk/>
+            <pc:sldMk cId="3119265288" sldId="261"/>
+            <ac:spMk id="8" creationId="{DF1A2F41-4522-46D2-9E51-F1F2B57ADD57}"/>
+          </ac:spMkLst>
+        </pc:spChg>
+        <pc:picChg chg="del">
+          <ac:chgData name="Jeffrey Reed" userId="fcb1cda2969150a1" providerId="LiveId" clId="{72CF6D7D-40D6-4B9A-A7D6-9D2698FBC7A2}" dt="2021-06-12T19:20:03.825" v="138" actId="478"/>
+          <ac:picMkLst>
+            <pc:docMk/>
+            <pc:sldMk cId="3119265288" sldId="261"/>
+            <ac:picMk id="6" creationId="{CB29E262-77B0-4B8F-AB79-052077B6450A}"/>
+          </ac:picMkLst>
+        </pc:picChg>
+        <pc:picChg chg="del">
+          <ac:chgData name="Jeffrey Reed" userId="fcb1cda2969150a1" providerId="LiveId" clId="{72CF6D7D-40D6-4B9A-A7D6-9D2698FBC7A2}" dt="2021-06-12T19:20:06.550" v="139" actId="478"/>
+          <ac:picMkLst>
+            <pc:docMk/>
+            <pc:sldMk cId="3119265288" sldId="261"/>
+            <ac:picMk id="7" creationId="{A7D8B69B-C874-4ACF-85BF-AACDABE5B7A2}"/>
+          </ac:picMkLst>
+        </pc:picChg>
+      </pc:sldChg>
+      <pc:sldChg chg="modSp add mod">
+        <pc:chgData name="Jeffrey Reed" userId="fcb1cda2969150a1" providerId="LiveId" clId="{72CF6D7D-40D6-4B9A-A7D6-9D2698FBC7A2}" dt="2021-06-12T19:37:38.151" v="868" actId="6549"/>
+        <pc:sldMkLst>
+          <pc:docMk/>
+          <pc:sldMk cId="2208917884" sldId="262"/>
+        </pc:sldMkLst>
+        <pc:spChg chg="mod">
+          <ac:chgData name="Jeffrey Reed" userId="fcb1cda2969150a1" providerId="LiveId" clId="{72CF6D7D-40D6-4B9A-A7D6-9D2698FBC7A2}" dt="2021-06-12T19:37:38.151" v="868" actId="6549"/>
+          <ac:spMkLst>
+            <pc:docMk/>
+            <pc:sldMk cId="2208917884" sldId="262"/>
+            <ac:spMk id="2" creationId="{00000000-0000-0000-0000-000000000000}"/>
+          </ac:spMkLst>
+        </pc:spChg>
+      </pc:sldChg>
+      <pc:sldChg chg="addSp delSp modSp add mod">
+        <pc:chgData name="Jeffrey Reed" userId="fcb1cda2969150a1" providerId="LiveId" clId="{72CF6D7D-40D6-4B9A-A7D6-9D2698FBC7A2}" dt="2021-06-12T19:34:59.656" v="734" actId="255"/>
+        <pc:sldMkLst>
+          <pc:docMk/>
+          <pc:sldMk cId="1832703892" sldId="263"/>
+        </pc:sldMkLst>
+        <pc:spChg chg="mod">
+          <ac:chgData name="Jeffrey Reed" userId="fcb1cda2969150a1" providerId="LiveId" clId="{72CF6D7D-40D6-4B9A-A7D6-9D2698FBC7A2}" dt="2021-06-12T19:34:59.656" v="734" actId="255"/>
+          <ac:spMkLst>
+            <pc:docMk/>
+            <pc:sldMk cId="1832703892" sldId="263"/>
+            <ac:spMk id="2" creationId="{00000000-0000-0000-0000-000000000000}"/>
+          </ac:spMkLst>
+        </pc:spChg>
+        <pc:spChg chg="add del mod">
+          <ac:chgData name="Jeffrey Reed" userId="fcb1cda2969150a1" providerId="LiveId" clId="{72CF6D7D-40D6-4B9A-A7D6-9D2698FBC7A2}" dt="2021-06-12T19:33:59.379" v="715" actId="478"/>
+          <ac:spMkLst>
+            <pc:docMk/>
+            <pc:sldMk cId="1832703892" sldId="263"/>
+            <ac:spMk id="4" creationId="{C5D4951D-FFD9-4EDE-B610-9BF8B3FFAB93}"/>
+          </ac:spMkLst>
+        </pc:spChg>
+        <pc:picChg chg="del">
+          <ac:chgData name="Jeffrey Reed" userId="fcb1cda2969150a1" providerId="LiveId" clId="{72CF6D7D-40D6-4B9A-A7D6-9D2698FBC7A2}" dt="2021-06-12T19:32:49.618" v="683" actId="478"/>
+          <ac:picMkLst>
+            <pc:docMk/>
+            <pc:sldMk cId="1832703892" sldId="263"/>
+            <ac:picMk id="5" creationId="{75A89B1B-F0EC-4FC6-A317-A40DCC8C59B5}"/>
+          </ac:picMkLst>
+        </pc:picChg>
+        <pc:picChg chg="add mod">
+          <ac:chgData name="Jeffrey Reed" userId="fcb1cda2969150a1" providerId="LiveId" clId="{72CF6D7D-40D6-4B9A-A7D6-9D2698FBC7A2}" dt="2021-06-12T19:34:02.071" v="716" actId="1076"/>
+          <ac:picMkLst>
+            <pc:docMk/>
+            <pc:sldMk cId="1832703892" sldId="263"/>
+            <ac:picMk id="7" creationId="{5F79DE46-13BD-492F-AFF9-57244368DC35}"/>
+          </ac:picMkLst>
+        </pc:picChg>
       </pc:sldChg>
     </pc:docChg>
   </pc:docChgLst>
@@ -326,7 +465,7 @@
             <a:fld id="{276D79ED-3FA7-4EF8-964B-EB8BCFAB02F8}" type="datetimeFigureOut">
               <a:rPr lang="en-US" smtClean="0"/>
               <a:pPr/>
-              <a:t>6/9/2021</a:t>
+              <a:t>6/12/2021</a:t>
             </a:fld>
             <a:endParaRPr lang="en-US"/>
           </a:p>
@@ -511,7 +650,7 @@
           <a:p>
             <a:fld id="{276D79ED-3FA7-4EF8-964B-EB8BCFAB02F8}" type="datetimeFigureOut">
               <a:rPr lang="en-US" smtClean="0"/>
-              <a:t>6/9/2021</a:t>
+              <a:t>6/12/2021</a:t>
             </a:fld>
             <a:endParaRPr lang="en-US"/>
           </a:p>
@@ -757,7 +896,7 @@
           <a:p>
             <a:fld id="{276D79ED-3FA7-4EF8-964B-EB8BCFAB02F8}" type="datetimeFigureOut">
               <a:rPr lang="en-US" smtClean="0"/>
-              <a:t>6/9/2021</a:t>
+              <a:t>6/12/2021</a:t>
             </a:fld>
             <a:endParaRPr lang="en-US"/>
           </a:p>
@@ -988,7 +1127,7 @@
           <a:p>
             <a:fld id="{276D79ED-3FA7-4EF8-964B-EB8BCFAB02F8}" type="datetimeFigureOut">
               <a:rPr lang="en-US" smtClean="0"/>
-              <a:t>6/9/2021</a:t>
+              <a:t>6/12/2021</a:t>
             </a:fld>
             <a:endParaRPr lang="en-US"/>
           </a:p>
@@ -1352,7 +1491,7 @@
           <a:p>
             <a:fld id="{276D79ED-3FA7-4EF8-964B-EB8BCFAB02F8}" type="datetimeFigureOut">
               <a:rPr lang="en-US" smtClean="0"/>
-              <a:t>6/9/2021</a:t>
+              <a:t>6/12/2021</a:t>
             </a:fld>
             <a:endParaRPr lang="en-US"/>
           </a:p>
@@ -1469,7 +1608,7 @@
           <a:p>
             <a:fld id="{276D79ED-3FA7-4EF8-964B-EB8BCFAB02F8}" type="datetimeFigureOut">
               <a:rPr lang="en-US" smtClean="0"/>
-              <a:t>6/9/2021</a:t>
+              <a:t>6/12/2021</a:t>
             </a:fld>
             <a:endParaRPr lang="en-US"/>
           </a:p>
@@ -1564,7 +1703,7 @@
           <a:p>
             <a:fld id="{276D79ED-3FA7-4EF8-964B-EB8BCFAB02F8}" type="datetimeFigureOut">
               <a:rPr lang="en-US" smtClean="0"/>
-              <a:t>6/9/2021</a:t>
+              <a:t>6/12/2021</a:t>
             </a:fld>
             <a:endParaRPr lang="en-US"/>
           </a:p>
@@ -1840,7 +1979,7 @@
           <a:p>
             <a:fld id="{276D79ED-3FA7-4EF8-964B-EB8BCFAB02F8}" type="datetimeFigureOut">
               <a:rPr lang="en-US" smtClean="0"/>
-              <a:t>6/9/2021</a:t>
+              <a:t>6/12/2021</a:t>
             </a:fld>
             <a:endParaRPr lang="en-US"/>
           </a:p>
@@ -2096,7 +2235,7 @@
           <a:p>
             <a:fld id="{276D79ED-3FA7-4EF8-964B-EB8BCFAB02F8}" type="datetimeFigureOut">
               <a:rPr lang="en-US" smtClean="0"/>
-              <a:t>6/9/2021</a:t>
+              <a:t>6/12/2021</a:t>
             </a:fld>
             <a:endParaRPr lang="en-US"/>
           </a:p>
@@ -2316,7 +2455,7 @@
           <a:p>
             <a:fld id="{276D79ED-3FA7-4EF8-964B-EB8BCFAB02F8}" type="datetimeFigureOut">
               <a:rPr lang="en-US" smtClean="0"/>
-              <a:t>6/9/2021</a:t>
+              <a:t>6/12/2021</a:t>
             </a:fld>
             <a:endParaRPr lang="en-US"/>
           </a:p>
@@ -3123,25 +3262,137 @@
           <a:bodyPr/>
           <a:lstStyle/>
           <a:p>
+            <a:r>
+              <a:rPr lang="en-US" dirty="0"/>
+              <a:t>Addressing Missing Data / NA’s</a:t>
+            </a:r>
+          </a:p>
+        </p:txBody>
+      </p:sp>
+      <p:sp>
+        <p:nvSpPr>
+          <p:cNvPr id="8" name="TextBox 7">
+            <a:extLst>
+              <a:ext uri="{FF2B5EF4-FFF2-40B4-BE49-F238E27FC236}">
+                <a16:creationId xmlns:a16="http://schemas.microsoft.com/office/drawing/2014/main" id="{DF1A2F41-4522-46D2-9E51-F1F2B57ADD57}"/>
+              </a:ext>
+            </a:extLst>
+          </p:cNvPr>
+          <p:cNvSpPr txBox="1"/>
+          <p:nvPr/>
+        </p:nvSpPr>
+        <p:spPr>
+          <a:xfrm>
+            <a:off x="657726" y="1676400"/>
+            <a:ext cx="9214243" cy="5078313"/>
+          </a:xfrm>
+          <a:prstGeom prst="rect">
+            <a:avLst/>
+          </a:prstGeom>
+          <a:noFill/>
+        </p:spPr>
+        <p:txBody>
+          <a:bodyPr wrap="square" rtlCol="0">
+            <a:spAutoFit/>
+          </a:bodyPr>
+          <a:lstStyle/>
+          <a:p>
+            <a:pPr marL="285750" indent="-285750">
+              <a:buFont typeface="Arial" panose="020B0604020202020204" pitchFamily="34" charset="0"/>
+              <a:buChar char="•"/>
+            </a:pPr>
+            <a:r>
+              <a:rPr lang="en-US" sz="2400" dirty="0"/>
+              <a:t>Only 2 of 10 categories evidenced missing data / NA’s.</a:t>
+            </a:r>
+          </a:p>
+          <a:p>
+            <a:pPr marL="742950" lvl="1" indent="-285750">
+              <a:buFont typeface="Arial" panose="020B0604020202020204" pitchFamily="34" charset="0"/>
+              <a:buChar char="•"/>
+            </a:pPr>
+            <a:r>
+              <a:rPr lang="en-US" sz="2400" dirty="0"/>
+              <a:t>Alcohol by volume of the beer (ABV) = </a:t>
+            </a:r>
+            <a:r>
+              <a:rPr lang="en-US" sz="2400" u="sng" dirty="0"/>
+              <a:t>62 missing values (3% of total)</a:t>
+            </a:r>
+          </a:p>
+          <a:p>
+            <a:pPr marL="742950" lvl="1" indent="-285750">
+              <a:buFont typeface="Arial" panose="020B0604020202020204" pitchFamily="34" charset="0"/>
+              <a:buChar char="•"/>
+            </a:pPr>
+            <a:r>
+              <a:rPr lang="en-US" sz="2400" dirty="0"/>
+              <a:t>International Bitterness Units of the beer (IBU) = </a:t>
+            </a:r>
+            <a:r>
+              <a:rPr lang="en-US" sz="2400" u="sng" dirty="0"/>
+              <a:t>1005 missing values (42% of total)</a:t>
+            </a:r>
+          </a:p>
+          <a:p>
+            <a:pPr marL="285750" indent="-285750">
+              <a:buFont typeface="Arial" panose="020B0604020202020204" pitchFamily="34" charset="0"/>
+              <a:buChar char="•"/>
+            </a:pPr>
+            <a:endParaRPr lang="en-US" sz="2400" dirty="0"/>
+          </a:p>
+          <a:p>
+            <a:pPr marL="285750" indent="-285750">
+              <a:buFont typeface="Arial" panose="020B0604020202020204" pitchFamily="34" charset="0"/>
+              <a:buChar char="•"/>
+            </a:pPr>
+            <a:r>
+              <a:rPr lang="en-US" sz="2400" dirty="0"/>
+              <a:t>What will be done with this data?</a:t>
+            </a:r>
+          </a:p>
+          <a:p>
+            <a:pPr marL="742950" lvl="1" indent="-285750">
+              <a:buFont typeface="Arial" panose="020B0604020202020204" pitchFamily="34" charset="0"/>
+              <a:buChar char="•"/>
+            </a:pPr>
+            <a:r>
+              <a:rPr lang="en-US" sz="2400" dirty="0"/>
+              <a:t>For now we will keep them in the analysis but:</a:t>
+            </a:r>
+          </a:p>
+          <a:p>
+            <a:pPr marL="1200150" lvl="2" indent="-285750">
+              <a:buFont typeface="Arial" panose="020B0604020202020204" pitchFamily="34" charset="0"/>
+              <a:buChar char="•"/>
+            </a:pPr>
+            <a:r>
+              <a:rPr lang="en-US" sz="2400" dirty="0"/>
+              <a:t>May need to be filtered out later to avoid misleading results.</a:t>
+            </a:r>
+          </a:p>
+          <a:p>
+            <a:pPr marL="1200150" lvl="2" indent="-285750">
+              <a:buFont typeface="Arial" panose="020B0604020202020204" pitchFamily="34" charset="0"/>
+              <a:buChar char="•"/>
+            </a:pPr>
+            <a:r>
+              <a:rPr lang="en-US" sz="2400" dirty="0"/>
+              <a:t>May be removed if we can determine whether the data is missing at random or not</a:t>
+            </a:r>
+          </a:p>
+          <a:p>
+            <a:pPr marL="285750" indent="-285750">
+              <a:buFont typeface="Arial" panose="020B0604020202020204" pitchFamily="34" charset="0"/>
+              <a:buChar char="•"/>
+            </a:pPr>
             <a:endParaRPr lang="en-US" dirty="0"/>
           </a:p>
-        </p:txBody>
-      </p:sp>
-      <p:sp>
-        <p:nvSpPr>
-          <p:cNvPr id="3" name="Content Placeholder 2"/>
-          <p:cNvSpPr>
-            <a:spLocks noGrp="1"/>
-          </p:cNvSpPr>
-          <p:nvPr>
-            <p:ph idx="1"/>
-          </p:nvPr>
-        </p:nvSpPr>
-        <p:spPr/>
-        <p:txBody>
-          <a:bodyPr/>
-          <a:lstStyle/>
-          <a:p>
+          <a:p>
+            <a:pPr marL="285750" indent="-285750">
+              <a:buFont typeface="Arial" panose="020B0604020202020204" pitchFamily="34" charset="0"/>
+              <a:buChar char="•"/>
+            </a:pPr>
             <a:endParaRPr lang="en-US" dirty="0"/>
           </a:p>
         </p:txBody>
@@ -3149,7 +3400,7 @@
     </p:spTree>
     <p:extLst>
       <p:ext uri="{BB962C8B-B14F-4D97-AF65-F5344CB8AC3E}">
-        <p14:creationId xmlns:p14="http://schemas.microsoft.com/office/powerpoint/2010/main" val="2059971362"/>
+        <p14:creationId xmlns:p14="http://schemas.microsoft.com/office/powerpoint/2010/main" val="3119265288"/>
       </p:ext>
     </p:extLst>
   </p:cSld>
@@ -3191,33 +3442,46 @@
           <a:bodyPr/>
           <a:lstStyle/>
           <a:p>
-            <a:endParaRPr lang="en-US" dirty="0"/>
-          </a:p>
-        </p:txBody>
-      </p:sp>
-      <p:sp>
-        <p:nvSpPr>
-          <p:cNvPr id="3" name="Content Placeholder 2"/>
-          <p:cNvSpPr>
-            <a:spLocks noGrp="1"/>
-          </p:cNvSpPr>
+            <a:r>
+              <a:rPr lang="en-US" dirty="0"/>
+              <a:t>Median Alcohol By Volume (ABV) </a:t>
+            </a:r>
+          </a:p>
+        </p:txBody>
+      </p:sp>
+      <p:pic>
+        <p:nvPicPr>
+          <p:cNvPr id="5" name="Content Placeholder 4">
+            <a:extLst>
+              <a:ext uri="{FF2B5EF4-FFF2-40B4-BE49-F238E27FC236}">
+                <a16:creationId xmlns:a16="http://schemas.microsoft.com/office/drawing/2014/main" id="{75A89B1B-F0EC-4FC6-A317-A40DCC8C59B5}"/>
+              </a:ext>
+            </a:extLst>
+          </p:cNvPr>
+          <p:cNvPicPr>
+            <a:picLocks noGrp="1" noChangeAspect="1"/>
+          </p:cNvPicPr>
           <p:nvPr>
             <p:ph idx="1"/>
           </p:nvPr>
-        </p:nvSpPr>
-        <p:spPr/>
-        <p:txBody>
-          <a:bodyPr/>
-          <a:lstStyle/>
-          <a:p>
-            <a:endParaRPr lang="en-US" dirty="0"/>
-          </a:p>
-        </p:txBody>
-      </p:sp>
+        </p:nvPicPr>
+        <p:blipFill>
+          <a:blip r:embed="rId2"/>
+          <a:stretch>
+            <a:fillRect/>
+          </a:stretch>
+        </p:blipFill>
+        <p:spPr>
+          <a:xfrm>
+            <a:off x="1298443" y="1438183"/>
+            <a:ext cx="8088942" cy="4835557"/>
+          </a:xfrm>
+        </p:spPr>
+      </p:pic>
     </p:spTree>
     <p:extLst>
       <p:ext uri="{BB962C8B-B14F-4D97-AF65-F5344CB8AC3E}">
-        <p14:creationId xmlns:p14="http://schemas.microsoft.com/office/powerpoint/2010/main" val="961183414"/>
+        <p14:creationId xmlns:p14="http://schemas.microsoft.com/office/powerpoint/2010/main" val="2059971362"/>
       </p:ext>
     </p:extLst>
   </p:cSld>
@@ -3256,36 +3520,120 @@
         </p:nvSpPr>
         <p:spPr/>
         <p:txBody>
-          <a:bodyPr/>
-          <a:lstStyle/>
-          <a:p>
-            <a:endParaRPr lang="en-US" dirty="0"/>
-          </a:p>
-        </p:txBody>
-      </p:sp>
-      <p:sp>
-        <p:nvSpPr>
-          <p:cNvPr id="3" name="Content Placeholder 2"/>
-          <p:cNvSpPr>
-            <a:spLocks noGrp="1"/>
-          </p:cNvSpPr>
-          <p:nvPr>
-            <p:ph idx="1"/>
-          </p:nvPr>
-        </p:nvSpPr>
-        <p:spPr/>
-        <p:txBody>
-          <a:bodyPr/>
-          <a:lstStyle/>
-          <a:p>
-            <a:endParaRPr lang="en-US" dirty="0"/>
-          </a:p>
-        </p:txBody>
-      </p:sp>
+          <a:bodyPr>
+            <a:normAutofit/>
+          </a:bodyPr>
+          <a:lstStyle/>
+          <a:p>
+            <a:r>
+              <a:rPr lang="en-US" sz="3800" dirty="0"/>
+              <a:t>Median International Bitterness Units (IBU) </a:t>
+            </a:r>
+          </a:p>
+        </p:txBody>
+      </p:sp>
+      <p:pic>
+        <p:nvPicPr>
+          <p:cNvPr id="7" name="Picture 6">
+            <a:extLst>
+              <a:ext uri="{FF2B5EF4-FFF2-40B4-BE49-F238E27FC236}">
+                <a16:creationId xmlns:a16="http://schemas.microsoft.com/office/drawing/2014/main" id="{5F79DE46-13BD-492F-AFF9-57244368DC35}"/>
+              </a:ext>
+            </a:extLst>
+          </p:cNvPr>
+          <p:cNvPicPr>
+            <a:picLocks noChangeAspect="1"/>
+          </p:cNvPicPr>
+          <p:nvPr/>
+        </p:nvPicPr>
+        <p:blipFill>
+          <a:blip r:embed="rId2"/>
+          <a:stretch>
+            <a:fillRect/>
+          </a:stretch>
+        </p:blipFill>
+        <p:spPr>
+          <a:xfrm>
+            <a:off x="1212789" y="1484242"/>
+            <a:ext cx="8431659" cy="4729433"/>
+          </a:xfrm>
+          <a:prstGeom prst="rect">
+            <a:avLst/>
+          </a:prstGeom>
+        </p:spPr>
+      </p:pic>
     </p:spTree>
     <p:extLst>
       <p:ext uri="{BB962C8B-B14F-4D97-AF65-F5344CB8AC3E}">
-        <p14:creationId xmlns:p14="http://schemas.microsoft.com/office/powerpoint/2010/main" val="1261448384"/>
+        <p14:creationId xmlns:p14="http://schemas.microsoft.com/office/powerpoint/2010/main" val="1832703892"/>
+      </p:ext>
+    </p:extLst>
+  </p:cSld>
+  <p:clrMapOvr>
+    <a:masterClrMapping/>
+  </p:clrMapOvr>
+</p:sld>
+</file>
+
+<file path=ppt/slides/slide6.xml><?xml version="1.0" encoding="utf-8"?>
+<p:sld xmlns:a="http://schemas.openxmlformats.org/drawingml/2006/main" xmlns:r="http://schemas.openxmlformats.org/officeDocument/2006/relationships" xmlns:p="http://schemas.openxmlformats.org/presentationml/2006/main">
+  <p:cSld>
+    <p:spTree>
+      <p:nvGrpSpPr>
+        <p:cNvPr id="1" name=""/>
+        <p:cNvGrpSpPr/>
+        <p:nvPr/>
+      </p:nvGrpSpPr>
+      <p:grpSpPr>
+        <a:xfrm>
+          <a:off x="0" y="0"/>
+          <a:ext cx="0" cy="0"/>
+          <a:chOff x="0" y="0"/>
+          <a:chExt cx="0" cy="0"/>
+        </a:xfrm>
+      </p:grpSpPr>
+      <p:sp>
+        <p:nvSpPr>
+          <p:cNvPr id="2" name="Title 1"/>
+          <p:cNvSpPr>
+            <a:spLocks noGrp="1"/>
+          </p:cNvSpPr>
+          <p:nvPr>
+            <p:ph type="title"/>
+          </p:nvPr>
+        </p:nvSpPr>
+        <p:spPr/>
+        <p:txBody>
+          <a:bodyPr/>
+          <a:lstStyle/>
+          <a:p>
+            <a:endParaRPr lang="en-US" dirty="0"/>
+          </a:p>
+        </p:txBody>
+      </p:sp>
+      <p:sp>
+        <p:nvSpPr>
+          <p:cNvPr id="3" name="Content Placeholder 2"/>
+          <p:cNvSpPr>
+            <a:spLocks noGrp="1"/>
+          </p:cNvSpPr>
+          <p:nvPr>
+            <p:ph idx="1"/>
+          </p:nvPr>
+        </p:nvSpPr>
+        <p:spPr/>
+        <p:txBody>
+          <a:bodyPr/>
+          <a:lstStyle/>
+          <a:p>
+            <a:endParaRPr lang="en-US" dirty="0"/>
+          </a:p>
+        </p:txBody>
+      </p:sp>
+    </p:spTree>
+    <p:extLst>
+      <p:ext uri="{BB962C8B-B14F-4D97-AF65-F5344CB8AC3E}">
+        <p14:creationId xmlns:p14="http://schemas.microsoft.com/office/powerpoint/2010/main" val="2208917884"/>
       </p:ext>
     </p:extLst>
   </p:cSld>

--- a/DDS Project1 - Reed_Miller.pptx
+++ b/DDS Project1 - Reed_Miller.pptx
@@ -122,7 +122,7 @@
   <pc:docChgLst>
     <pc:chgData name="Jeffrey Reed" userId="fcb1cda2969150a1" providerId="LiveId" clId="{72CF6D7D-40D6-4B9A-A7D6-9D2698FBC7A2}"/>
     <pc:docChg chg="undo custSel addSld delSld modSld">
-      <pc:chgData name="Jeffrey Reed" userId="fcb1cda2969150a1" providerId="LiveId" clId="{72CF6D7D-40D6-4B9A-A7D6-9D2698FBC7A2}" dt="2021-06-12T19:37:38.151" v="868" actId="6549"/>
+      <pc:chgData name="Jeffrey Reed" userId="fcb1cda2969150a1" providerId="LiveId" clId="{72CF6D7D-40D6-4B9A-A7D6-9D2698FBC7A2}" dt="2021-06-12T19:53:50.971" v="869" actId="20577"/>
       <pc:docMkLst>
         <pc:docMk/>
       </pc:docMkLst>
@@ -210,7 +210,7 @@
         </pc:sldMkLst>
       </pc:sldChg>
       <pc:sldChg chg="delSp modSp add mod">
-        <pc:chgData name="Jeffrey Reed" userId="fcb1cda2969150a1" providerId="LiveId" clId="{72CF6D7D-40D6-4B9A-A7D6-9D2698FBC7A2}" dt="2021-06-12T19:37:03.689" v="867" actId="20577"/>
+        <pc:chgData name="Jeffrey Reed" userId="fcb1cda2969150a1" providerId="LiveId" clId="{72CF6D7D-40D6-4B9A-A7D6-9D2698FBC7A2}" dt="2021-06-12T19:53:50.971" v="869" actId="20577"/>
         <pc:sldMkLst>
           <pc:docMk/>
           <pc:sldMk cId="3119265288" sldId="261"/>
@@ -224,7 +224,7 @@
           </ac:spMkLst>
         </pc:spChg>
         <pc:spChg chg="mod">
-          <ac:chgData name="Jeffrey Reed" userId="fcb1cda2969150a1" providerId="LiveId" clId="{72CF6D7D-40D6-4B9A-A7D6-9D2698FBC7A2}" dt="2021-06-12T19:37:03.689" v="867" actId="20577"/>
+          <ac:chgData name="Jeffrey Reed" userId="fcb1cda2969150a1" providerId="LiveId" clId="{72CF6D7D-40D6-4B9A-A7D6-9D2698FBC7A2}" dt="2021-06-12T19:53:50.971" v="869" actId="20577"/>
           <ac:spMkLst>
             <pc:docMk/>
             <pc:sldMk cId="3119265288" sldId="261"/>
@@ -3368,7 +3368,7 @@
             </a:pPr>
             <a:r>
               <a:rPr lang="en-US" sz="2400" dirty="0"/>
-              <a:t>May need to be filtered out later to avoid misleading results.</a:t>
+              <a:t>May need to be filtered out later to avoid misleading results</a:t>
             </a:r>
           </a:p>
           <a:p>

--- a/DDS Project1 - Reed_Miller.pptx
+++ b/DDS Project1 - Reed_Miller.pptx
@@ -11,6 +11,9 @@
     <p:sldId id="257" r:id="rId5"/>
     <p:sldId id="263" r:id="rId6"/>
     <p:sldId id="262" r:id="rId7"/>
+    <p:sldId id="264" r:id="rId8"/>
+    <p:sldId id="265" r:id="rId9"/>
+    <p:sldId id="266" r:id="rId10"/>
   </p:sldIdLst>
   <p:sldSz cx="12192000" cy="6858000"/>
   <p:notesSz cx="6858000" cy="9144000"/>
@@ -465,7 +468,7 @@
             <a:fld id="{276D79ED-3FA7-4EF8-964B-EB8BCFAB02F8}" type="datetimeFigureOut">
               <a:rPr lang="en-US" smtClean="0"/>
               <a:pPr/>
-              <a:t>6/12/2021</a:t>
+              <a:t>6/15/2021</a:t>
             </a:fld>
             <a:endParaRPr lang="en-US"/>
           </a:p>
@@ -650,7 +653,7 @@
           <a:p>
             <a:fld id="{276D79ED-3FA7-4EF8-964B-EB8BCFAB02F8}" type="datetimeFigureOut">
               <a:rPr lang="en-US" smtClean="0"/>
-              <a:t>6/12/2021</a:t>
+              <a:t>6/15/2021</a:t>
             </a:fld>
             <a:endParaRPr lang="en-US"/>
           </a:p>
@@ -896,7 +899,7 @@
           <a:p>
             <a:fld id="{276D79ED-3FA7-4EF8-964B-EB8BCFAB02F8}" type="datetimeFigureOut">
               <a:rPr lang="en-US" smtClean="0"/>
-              <a:t>6/12/2021</a:t>
+              <a:t>6/15/2021</a:t>
             </a:fld>
             <a:endParaRPr lang="en-US"/>
           </a:p>
@@ -1127,7 +1130,7 @@
           <a:p>
             <a:fld id="{276D79ED-3FA7-4EF8-964B-EB8BCFAB02F8}" type="datetimeFigureOut">
               <a:rPr lang="en-US" smtClean="0"/>
-              <a:t>6/12/2021</a:t>
+              <a:t>6/15/2021</a:t>
             </a:fld>
             <a:endParaRPr lang="en-US"/>
           </a:p>
@@ -1491,7 +1494,7 @@
           <a:p>
             <a:fld id="{276D79ED-3FA7-4EF8-964B-EB8BCFAB02F8}" type="datetimeFigureOut">
               <a:rPr lang="en-US" smtClean="0"/>
-              <a:t>6/12/2021</a:t>
+              <a:t>6/15/2021</a:t>
             </a:fld>
             <a:endParaRPr lang="en-US"/>
           </a:p>
@@ -1608,7 +1611,7 @@
           <a:p>
             <a:fld id="{276D79ED-3FA7-4EF8-964B-EB8BCFAB02F8}" type="datetimeFigureOut">
               <a:rPr lang="en-US" smtClean="0"/>
-              <a:t>6/12/2021</a:t>
+              <a:t>6/15/2021</a:t>
             </a:fld>
             <a:endParaRPr lang="en-US"/>
           </a:p>
@@ -1703,7 +1706,7 @@
           <a:p>
             <a:fld id="{276D79ED-3FA7-4EF8-964B-EB8BCFAB02F8}" type="datetimeFigureOut">
               <a:rPr lang="en-US" smtClean="0"/>
-              <a:t>6/12/2021</a:t>
+              <a:t>6/15/2021</a:t>
             </a:fld>
             <a:endParaRPr lang="en-US"/>
           </a:p>
@@ -1979,7 +1982,7 @@
           <a:p>
             <a:fld id="{276D79ED-3FA7-4EF8-964B-EB8BCFAB02F8}" type="datetimeFigureOut">
               <a:rPr lang="en-US" smtClean="0"/>
-              <a:t>6/12/2021</a:t>
+              <a:t>6/15/2021</a:t>
             </a:fld>
             <a:endParaRPr lang="en-US"/>
           </a:p>
@@ -2235,7 +2238,7 @@
           <a:p>
             <a:fld id="{276D79ED-3FA7-4EF8-964B-EB8BCFAB02F8}" type="datetimeFigureOut">
               <a:rPr lang="en-US" smtClean="0"/>
-              <a:t>6/12/2021</a:t>
+              <a:t>6/15/2021</a:t>
             </a:fld>
             <a:endParaRPr lang="en-US"/>
           </a:p>
@@ -2455,7 +2458,7 @@
           <a:p>
             <a:fld id="{276D79ED-3FA7-4EF8-964B-EB8BCFAB02F8}" type="datetimeFigureOut">
               <a:rPr lang="en-US" smtClean="0"/>
-              <a:t>6/12/2021</a:t>
+              <a:t>6/15/2021</a:t>
             </a:fld>
             <a:endParaRPr lang="en-US"/>
           </a:p>
@@ -3476,6 +3479,11 @@
             <a:off x="1298443" y="1438183"/>
             <a:ext cx="8088942" cy="4835557"/>
           </a:xfrm>
+          <a:ln>
+            <a:solidFill>
+              <a:schemeClr val="tx1"/>
+            </a:solidFill>
+          </a:ln>
         </p:spPr>
       </p:pic>
     </p:spTree>
@@ -3560,6 +3568,11 @@
           <a:prstGeom prst="rect">
             <a:avLst/>
           </a:prstGeom>
+          <a:ln>
+            <a:solidFill>
+              <a:schemeClr val="tx1"/>
+            </a:solidFill>
+          </a:ln>
         </p:spPr>
       </p:pic>
     </p:spTree>
@@ -3607,7 +3620,10 @@
           <a:bodyPr/>
           <a:lstStyle/>
           <a:p>
-            <a:endParaRPr lang="en-US" dirty="0"/>
+            <a:r>
+              <a:rPr lang="en-US" dirty="0"/>
+              <a:t>Maximum ABV/IBU Beer</a:t>
+            </a:r>
           </a:p>
         </p:txBody>
       </p:sp>
@@ -3626,7 +3642,24 @@
           <a:bodyPr/>
           <a:lstStyle/>
           <a:p>
-            <a:endParaRPr lang="en-US" dirty="0"/>
+            <a:r>
+              <a:rPr lang="en-US" dirty="0"/>
+              <a:t>The beer with the Highest ABV is the “Lee Hill Series Vol. 5 - Belgian Style </a:t>
+            </a:r>
+            <a:r>
+              <a:rPr lang="en-US" dirty="0" err="1"/>
+              <a:t>Quadrupel</a:t>
+            </a:r>
+            <a:r>
+              <a:rPr lang="en-US" dirty="0"/>
+              <a:t> Ale”, which comes from a brewery in Colorado and has an ABV of 12.8%.</a:t>
+            </a:r>
+          </a:p>
+          <a:p>
+            <a:r>
+              <a:rPr lang="en-US" dirty="0"/>
+              <a:t>The beer with the Highest IBU is the “Bitter Bitch Imperial IPA”, which comes from a brewery in Oregon and has an IBU of 138.</a:t>
+            </a:r>
           </a:p>
         </p:txBody>
       </p:sp>
@@ -3634,6 +3667,544 @@
     <p:extLst>
       <p:ext uri="{BB962C8B-B14F-4D97-AF65-F5344CB8AC3E}">
         <p14:creationId xmlns:p14="http://schemas.microsoft.com/office/powerpoint/2010/main" val="2208917884"/>
+      </p:ext>
+    </p:extLst>
+  </p:cSld>
+  <p:clrMapOvr>
+    <a:masterClrMapping/>
+  </p:clrMapOvr>
+</p:sld>
+</file>
+
+<file path=ppt/slides/slide7.xml><?xml version="1.0" encoding="utf-8"?>
+<p:sld xmlns:a="http://schemas.openxmlformats.org/drawingml/2006/main" xmlns:r="http://schemas.openxmlformats.org/officeDocument/2006/relationships" xmlns:p="http://schemas.openxmlformats.org/presentationml/2006/main">
+  <p:cSld>
+    <p:spTree>
+      <p:nvGrpSpPr>
+        <p:cNvPr id="1" name=""/>
+        <p:cNvGrpSpPr/>
+        <p:nvPr/>
+      </p:nvGrpSpPr>
+      <p:grpSpPr>
+        <a:xfrm>
+          <a:off x="0" y="0"/>
+          <a:ext cx="0" cy="0"/>
+          <a:chOff x="0" y="0"/>
+          <a:chExt cx="0" cy="0"/>
+        </a:xfrm>
+      </p:grpSpPr>
+      <p:sp>
+        <p:nvSpPr>
+          <p:cNvPr id="2" name="Title 1">
+            <a:extLst>
+              <a:ext uri="{FF2B5EF4-FFF2-40B4-BE49-F238E27FC236}">
+                <a16:creationId xmlns:a16="http://schemas.microsoft.com/office/drawing/2014/main" id="{B0BAAF2C-E22D-4554-A23C-D22A995CA036}"/>
+              </a:ext>
+            </a:extLst>
+          </p:cNvPr>
+          <p:cNvSpPr>
+            <a:spLocks noGrp="1"/>
+          </p:cNvSpPr>
+          <p:nvPr>
+            <p:ph type="title"/>
+          </p:nvPr>
+        </p:nvSpPr>
+        <p:spPr>
+          <a:xfrm>
+            <a:off x="404942" y="417376"/>
+            <a:ext cx="10047352" cy="1325563"/>
+          </a:xfrm>
+        </p:spPr>
+        <p:txBody>
+          <a:bodyPr/>
+          <a:lstStyle/>
+          <a:p>
+            <a:r>
+              <a:rPr lang="en-US" dirty="0"/>
+              <a:t>ABV Summary Statistics</a:t>
+            </a:r>
+          </a:p>
+        </p:txBody>
+      </p:sp>
+      <p:sp>
+        <p:nvSpPr>
+          <p:cNvPr id="3" name="Content Placeholder 2">
+            <a:extLst>
+              <a:ext uri="{FF2B5EF4-FFF2-40B4-BE49-F238E27FC236}">
+                <a16:creationId xmlns:a16="http://schemas.microsoft.com/office/drawing/2014/main" id="{5BFBD35D-DBFF-4A5E-831B-44BF5CCB2EB6}"/>
+              </a:ext>
+            </a:extLst>
+          </p:cNvPr>
+          <p:cNvSpPr>
+            <a:spLocks noGrp="1"/>
+          </p:cNvSpPr>
+          <p:nvPr>
+            <p:ph idx="1"/>
+          </p:nvPr>
+        </p:nvSpPr>
+        <p:spPr>
+          <a:xfrm>
+            <a:off x="404942" y="1606970"/>
+            <a:ext cx="4312503" cy="4307269"/>
+          </a:xfrm>
+        </p:spPr>
+        <p:txBody>
+          <a:bodyPr/>
+          <a:lstStyle/>
+          <a:p>
+            <a:r>
+              <a:rPr lang="en-US" dirty="0"/>
+              <a:t>As we can see, the mean is relatively close to the median and a 20% trimmed mean.</a:t>
+            </a:r>
+          </a:p>
+          <a:p>
+            <a:r>
+              <a:rPr lang="en-US" dirty="0"/>
+              <a:t>This tells us that there are not a significant number of outliers and/or they are not very extreme.</a:t>
+            </a:r>
+          </a:p>
+        </p:txBody>
+      </p:sp>
+      <p:pic>
+        <p:nvPicPr>
+          <p:cNvPr id="11" name="Picture 10">
+            <a:extLst>
+              <a:ext uri="{FF2B5EF4-FFF2-40B4-BE49-F238E27FC236}">
+                <a16:creationId xmlns:a16="http://schemas.microsoft.com/office/drawing/2014/main" id="{9B78004A-8C45-450F-BBC3-5854EF4B658F}"/>
+              </a:ext>
+            </a:extLst>
+          </p:cNvPr>
+          <p:cNvPicPr>
+            <a:picLocks noChangeAspect="1"/>
+          </p:cNvPicPr>
+          <p:nvPr/>
+        </p:nvPicPr>
+        <p:blipFill>
+          <a:blip r:embed="rId2"/>
+          <a:stretch>
+            <a:fillRect/>
+          </a:stretch>
+        </p:blipFill>
+        <p:spPr>
+          <a:xfrm>
+            <a:off x="5246550" y="1655207"/>
+            <a:ext cx="5306165" cy="752580"/>
+          </a:xfrm>
+          <a:prstGeom prst="rect">
+            <a:avLst/>
+          </a:prstGeom>
+        </p:spPr>
+      </p:pic>
+    </p:spTree>
+    <p:extLst>
+      <p:ext uri="{BB962C8B-B14F-4D97-AF65-F5344CB8AC3E}">
+        <p14:creationId xmlns:p14="http://schemas.microsoft.com/office/powerpoint/2010/main" val="3909606950"/>
+      </p:ext>
+    </p:extLst>
+  </p:cSld>
+  <p:clrMapOvr>
+    <a:masterClrMapping/>
+  </p:clrMapOvr>
+</p:sld>
+</file>
+
+<file path=ppt/slides/slide8.xml><?xml version="1.0" encoding="utf-8"?>
+<p:sld xmlns:a="http://schemas.openxmlformats.org/drawingml/2006/main" xmlns:r="http://schemas.openxmlformats.org/officeDocument/2006/relationships" xmlns:p="http://schemas.openxmlformats.org/presentationml/2006/main">
+  <p:cSld>
+    <p:spTree>
+      <p:nvGrpSpPr>
+        <p:cNvPr id="1" name=""/>
+        <p:cNvGrpSpPr/>
+        <p:nvPr/>
+      </p:nvGrpSpPr>
+      <p:grpSpPr>
+        <a:xfrm>
+          <a:off x="0" y="0"/>
+          <a:ext cx="0" cy="0"/>
+          <a:chOff x="0" y="0"/>
+          <a:chExt cx="0" cy="0"/>
+        </a:xfrm>
+      </p:grpSpPr>
+      <p:sp>
+        <p:nvSpPr>
+          <p:cNvPr id="2" name="Title 1">
+            <a:extLst>
+              <a:ext uri="{FF2B5EF4-FFF2-40B4-BE49-F238E27FC236}">
+                <a16:creationId xmlns:a16="http://schemas.microsoft.com/office/drawing/2014/main" id="{1D08CCD5-011D-4F05-AD28-5EE8505E4FE4}"/>
+              </a:ext>
+            </a:extLst>
+          </p:cNvPr>
+          <p:cNvSpPr>
+            <a:spLocks noGrp="1"/>
+          </p:cNvSpPr>
+          <p:nvPr>
+            <p:ph type="title"/>
+          </p:nvPr>
+        </p:nvSpPr>
+        <p:spPr>
+          <a:xfrm>
+            <a:off x="404943" y="232593"/>
+            <a:ext cx="10047352" cy="1325563"/>
+          </a:xfrm>
+        </p:spPr>
+        <p:txBody>
+          <a:bodyPr/>
+          <a:lstStyle/>
+          <a:p>
+            <a:r>
+              <a:rPr lang="en-US" dirty="0"/>
+              <a:t>ABV Distribution</a:t>
+            </a:r>
+          </a:p>
+        </p:txBody>
+      </p:sp>
+      <p:sp>
+        <p:nvSpPr>
+          <p:cNvPr id="3" name="Content Placeholder 2">
+            <a:extLst>
+              <a:ext uri="{FF2B5EF4-FFF2-40B4-BE49-F238E27FC236}">
+                <a16:creationId xmlns:a16="http://schemas.microsoft.com/office/drawing/2014/main" id="{FA7E61C3-5CDB-4916-8377-7C1AFEA1A4FF}"/>
+              </a:ext>
+            </a:extLst>
+          </p:cNvPr>
+          <p:cNvSpPr>
+            <a:spLocks noGrp="1"/>
+          </p:cNvSpPr>
+          <p:nvPr>
+            <p:ph idx="1"/>
+          </p:nvPr>
+        </p:nvSpPr>
+        <p:spPr>
+          <a:xfrm>
+            <a:off x="207608" y="1385670"/>
+            <a:ext cx="10442022" cy="1322876"/>
+          </a:xfrm>
+        </p:spPr>
+        <p:txBody>
+          <a:bodyPr>
+            <a:noAutofit/>
+          </a:bodyPr>
+          <a:lstStyle/>
+          <a:p>
+            <a:pPr>
+              <a:lnSpc>
+                <a:spcPct val="100000"/>
+              </a:lnSpc>
+            </a:pPr>
+            <a:r>
+              <a:rPr lang="en-US" sz="1600" dirty="0"/>
+              <a:t>The histogram and boxplot appear slightly right skewed. This indicates there is a group of beers that have a higher-than-normal ABV. </a:t>
+            </a:r>
+          </a:p>
+          <a:p>
+            <a:pPr lvl="1">
+              <a:lnSpc>
+                <a:spcPct val="100000"/>
+              </a:lnSpc>
+            </a:pPr>
+            <a:r>
+              <a:rPr lang="en-US" sz="1600" dirty="0"/>
+              <a:t>The boxplot shows these outliers, and they tend to be IPAs as one would expect.</a:t>
+            </a:r>
+          </a:p>
+          <a:p>
+            <a:pPr lvl="1">
+              <a:lnSpc>
+                <a:spcPct val="100000"/>
+              </a:lnSpc>
+            </a:pPr>
+            <a:r>
+              <a:rPr lang="en-US" sz="1600" dirty="0"/>
+              <a:t>In the 4</a:t>
+            </a:r>
+            <a:r>
+              <a:rPr lang="en-US" sz="1600" baseline="30000" dirty="0"/>
+              <a:t>th</a:t>
+            </a:r>
+            <a:r>
+              <a:rPr lang="en-US" sz="1600" dirty="0"/>
+              <a:t> quartile of the boxplot, 50.7% of the beers are IPAs, while IPAs only make up 23.8% of all beers in this study.</a:t>
+            </a:r>
+          </a:p>
+        </p:txBody>
+      </p:sp>
+      <p:sp>
+        <p:nvSpPr>
+          <p:cNvPr id="4" name="AutoShape 2">
+            <a:extLst>
+              <a:ext uri="{FF2B5EF4-FFF2-40B4-BE49-F238E27FC236}">
+                <a16:creationId xmlns:a16="http://schemas.microsoft.com/office/drawing/2014/main" id="{0C221EDA-AC6A-48FC-A8F4-F9E9AF9AD7AC}"/>
+              </a:ext>
+            </a:extLst>
+          </p:cNvPr>
+          <p:cNvSpPr>
+            <a:spLocks noChangeAspect="1" noChangeArrowheads="1"/>
+          </p:cNvSpPr>
+          <p:nvPr/>
+        </p:nvSpPr>
+        <p:spPr bwMode="auto">
+          <a:xfrm>
+            <a:off x="5943600" y="3276600"/>
+            <a:ext cx="4383248" cy="4383248"/>
+          </a:xfrm>
+          <a:prstGeom prst="rect">
+            <a:avLst/>
+          </a:prstGeom>
+          <a:noFill/>
+          <a:extLst>
+            <a:ext uri="{909E8E84-426E-40DD-AFC4-6F175D3DCCD1}">
+              <a14:hiddenFill xmlns:a14="http://schemas.microsoft.com/office/drawing/2010/main">
+                <a:solidFill>
+                  <a:srgbClr val="FFFFFF"/>
+                </a:solidFill>
+              </a14:hiddenFill>
+            </a:ext>
+          </a:extLst>
+        </p:spPr>
+        <p:txBody>
+          <a:bodyPr vert="horz" wrap="square" lIns="91440" tIns="45720" rIns="91440" bIns="45720" numCol="1" anchor="t" anchorCtr="0" compatLnSpc="1">
+            <a:prstTxWarp prst="textNoShape">
+              <a:avLst/>
+            </a:prstTxWarp>
+          </a:bodyPr>
+          <a:lstStyle/>
+          <a:p>
+            <a:endParaRPr lang="en-US"/>
+          </a:p>
+        </p:txBody>
+      </p:sp>
+      <p:pic>
+        <p:nvPicPr>
+          <p:cNvPr id="6" name="Picture 5" descr="Chart, histogram&#10;&#10;Description automatically generated">
+            <a:extLst>
+              <a:ext uri="{FF2B5EF4-FFF2-40B4-BE49-F238E27FC236}">
+                <a16:creationId xmlns:a16="http://schemas.microsoft.com/office/drawing/2014/main" id="{FF87EC3D-DD46-4130-B507-D614020D1CB4}"/>
+              </a:ext>
+            </a:extLst>
+          </p:cNvPr>
+          <p:cNvPicPr>
+            <a:picLocks noChangeAspect="1"/>
+          </p:cNvPicPr>
+          <p:nvPr/>
+        </p:nvPicPr>
+        <p:blipFill>
+          <a:blip r:embed="rId2">
+            <a:extLst>
+              <a:ext uri="{28A0092B-C50C-407E-A947-70E740481C1C}">
+                <a14:useLocalDpi xmlns:a14="http://schemas.microsoft.com/office/drawing/2010/main" val="0"/>
+              </a:ext>
+            </a:extLst>
+          </a:blip>
+          <a:stretch>
+            <a:fillRect/>
+          </a:stretch>
+        </p:blipFill>
+        <p:spPr>
+          <a:xfrm>
+            <a:off x="207608" y="3168856"/>
+            <a:ext cx="5600894" cy="3456551"/>
+          </a:xfrm>
+          <a:prstGeom prst="rect">
+            <a:avLst/>
+          </a:prstGeom>
+          <a:ln>
+            <a:solidFill>
+              <a:schemeClr val="tx1"/>
+            </a:solidFill>
+          </a:ln>
+        </p:spPr>
+      </p:pic>
+      <p:pic>
+        <p:nvPicPr>
+          <p:cNvPr id="8" name="Picture 7" descr="Chart, bar chart&#10;&#10;Description automatically generated">
+            <a:extLst>
+              <a:ext uri="{FF2B5EF4-FFF2-40B4-BE49-F238E27FC236}">
+                <a16:creationId xmlns:a16="http://schemas.microsoft.com/office/drawing/2014/main" id="{077E990A-985A-47C5-8662-93A915A12082}"/>
+              </a:ext>
+            </a:extLst>
+          </p:cNvPr>
+          <p:cNvPicPr>
+            <a:picLocks noChangeAspect="1"/>
+          </p:cNvPicPr>
+          <p:nvPr/>
+        </p:nvPicPr>
+        <p:blipFill>
+          <a:blip r:embed="rId3">
+            <a:extLst>
+              <a:ext uri="{28A0092B-C50C-407E-A947-70E740481C1C}">
+                <a14:useLocalDpi xmlns:a14="http://schemas.microsoft.com/office/drawing/2010/main" val="0"/>
+              </a:ext>
+            </a:extLst>
+          </a:blip>
+          <a:stretch>
+            <a:fillRect/>
+          </a:stretch>
+        </p:blipFill>
+        <p:spPr>
+          <a:xfrm>
+            <a:off x="6270055" y="3168856"/>
+            <a:ext cx="5600894" cy="3456551"/>
+          </a:xfrm>
+          <a:prstGeom prst="rect">
+            <a:avLst/>
+          </a:prstGeom>
+          <a:ln>
+            <a:solidFill>
+              <a:schemeClr val="tx1"/>
+            </a:solidFill>
+          </a:ln>
+        </p:spPr>
+      </p:pic>
+    </p:spTree>
+    <p:extLst>
+      <p:ext uri="{BB962C8B-B14F-4D97-AF65-F5344CB8AC3E}">
+        <p14:creationId xmlns:p14="http://schemas.microsoft.com/office/powerpoint/2010/main" val="3906180921"/>
+      </p:ext>
+    </p:extLst>
+  </p:cSld>
+  <p:clrMapOvr>
+    <a:masterClrMapping/>
+  </p:clrMapOvr>
+</p:sld>
+</file>
+
+<file path=ppt/slides/slide9.xml><?xml version="1.0" encoding="utf-8"?>
+<p:sld xmlns:a="http://schemas.openxmlformats.org/drawingml/2006/main" xmlns:r="http://schemas.openxmlformats.org/officeDocument/2006/relationships" xmlns:p="http://schemas.openxmlformats.org/presentationml/2006/main">
+  <p:cSld>
+    <p:spTree>
+      <p:nvGrpSpPr>
+        <p:cNvPr id="1" name=""/>
+        <p:cNvGrpSpPr/>
+        <p:nvPr/>
+      </p:nvGrpSpPr>
+      <p:grpSpPr>
+        <a:xfrm>
+          <a:off x="0" y="0"/>
+          <a:ext cx="0" cy="0"/>
+          <a:chOff x="0" y="0"/>
+          <a:chExt cx="0" cy="0"/>
+        </a:xfrm>
+      </p:grpSpPr>
+      <p:sp>
+        <p:nvSpPr>
+          <p:cNvPr id="2" name="Title 1">
+            <a:extLst>
+              <a:ext uri="{FF2B5EF4-FFF2-40B4-BE49-F238E27FC236}">
+                <a16:creationId xmlns:a16="http://schemas.microsoft.com/office/drawing/2014/main" id="{277C6DE3-0026-487D-A4F2-67FA140ED058}"/>
+              </a:ext>
+            </a:extLst>
+          </p:cNvPr>
+          <p:cNvSpPr>
+            <a:spLocks noGrp="1"/>
+          </p:cNvSpPr>
+          <p:nvPr>
+            <p:ph type="title"/>
+          </p:nvPr>
+        </p:nvSpPr>
+        <p:spPr/>
+        <p:txBody>
+          <a:bodyPr/>
+          <a:lstStyle/>
+          <a:p>
+            <a:r>
+              <a:rPr lang="en-US" dirty="0"/>
+              <a:t>IBU/ABV Correlation</a:t>
+            </a:r>
+          </a:p>
+        </p:txBody>
+      </p:sp>
+      <p:sp>
+        <p:nvSpPr>
+          <p:cNvPr id="3" name="Content Placeholder 2">
+            <a:extLst>
+              <a:ext uri="{FF2B5EF4-FFF2-40B4-BE49-F238E27FC236}">
+                <a16:creationId xmlns:a16="http://schemas.microsoft.com/office/drawing/2014/main" id="{6433693F-0677-4A89-A621-7A221ED2D44B}"/>
+              </a:ext>
+            </a:extLst>
+          </p:cNvPr>
+          <p:cNvSpPr>
+            <a:spLocks noGrp="1"/>
+          </p:cNvSpPr>
+          <p:nvPr>
+            <p:ph idx="1"/>
+          </p:nvPr>
+        </p:nvSpPr>
+        <p:spPr>
+          <a:xfrm>
+            <a:off x="195618" y="1786498"/>
+            <a:ext cx="4167057" cy="4550549"/>
+          </a:xfrm>
+        </p:spPr>
+        <p:txBody>
+          <a:bodyPr>
+            <a:normAutofit fontScale="85000" lnSpcReduction="20000"/>
+          </a:bodyPr>
+          <a:lstStyle/>
+          <a:p>
+            <a:r>
+              <a:rPr lang="en-US" dirty="0"/>
+              <a:t>The graph shows a positive correlation between the two variables.</a:t>
+            </a:r>
+          </a:p>
+          <a:p>
+            <a:r>
+              <a:rPr lang="en-US" dirty="0"/>
+              <a:t>The Pearson Correlation Coefficient is .67 which also indicates a strong positive relationship between IBU and ABV.</a:t>
+            </a:r>
+          </a:p>
+          <a:p>
+            <a:r>
+              <a:rPr lang="en-US" dirty="0"/>
+              <a:t>In general, it appears that as a beer increases on the International Bitterness Units (IBU) scale, the Alcohol by Volume (ABV) also increases in a linear fashion.</a:t>
+            </a:r>
+          </a:p>
+        </p:txBody>
+      </p:sp>
+      <p:pic>
+        <p:nvPicPr>
+          <p:cNvPr id="5" name="Picture 4" descr="Chart, scatter chart&#10;&#10;Description automatically generated">
+            <a:extLst>
+              <a:ext uri="{FF2B5EF4-FFF2-40B4-BE49-F238E27FC236}">
+                <a16:creationId xmlns:a16="http://schemas.microsoft.com/office/drawing/2014/main" id="{83C2F793-5799-45DC-AD84-AAB16B3E326C}"/>
+              </a:ext>
+            </a:extLst>
+          </p:cNvPr>
+          <p:cNvPicPr>
+            <a:picLocks noChangeAspect="1"/>
+          </p:cNvPicPr>
+          <p:nvPr/>
+        </p:nvPicPr>
+        <p:blipFill>
+          <a:blip r:embed="rId2">
+            <a:extLst>
+              <a:ext uri="{28A0092B-C50C-407E-A947-70E740481C1C}">
+                <a14:useLocalDpi xmlns:a14="http://schemas.microsoft.com/office/drawing/2010/main" val="0"/>
+              </a:ext>
+            </a:extLst>
+          </a:blip>
+          <a:stretch>
+            <a:fillRect/>
+          </a:stretch>
+        </p:blipFill>
+        <p:spPr>
+          <a:xfrm>
+            <a:off x="4950447" y="1742939"/>
+            <a:ext cx="6668431" cy="4115374"/>
+          </a:xfrm>
+          <a:prstGeom prst="rect">
+            <a:avLst/>
+          </a:prstGeom>
+          <a:ln>
+            <a:solidFill>
+              <a:schemeClr val="tx1"/>
+            </a:solidFill>
+          </a:ln>
+        </p:spPr>
+      </p:pic>
+    </p:spTree>
+    <p:extLst>
+      <p:ext uri="{BB962C8B-B14F-4D97-AF65-F5344CB8AC3E}">
+        <p14:creationId xmlns:p14="http://schemas.microsoft.com/office/powerpoint/2010/main" val="4065823075"/>
       </p:ext>
     </p:extLst>
   </p:cSld>

--- a/DDS Project1 - Reed_Miller.pptx
+++ b/DDS Project1 - Reed_Miller.pptx
@@ -14,6 +14,10 @@
     <p:sldId id="264" r:id="rId8"/>
     <p:sldId id="265" r:id="rId9"/>
     <p:sldId id="266" r:id="rId10"/>
+    <p:sldId id="267" r:id="rId11"/>
+    <p:sldId id="269" r:id="rId12"/>
+    <p:sldId id="270" r:id="rId13"/>
+    <p:sldId id="271" r:id="rId14"/>
   </p:sldIdLst>
   <p:sldSz cx="12192000" cy="6858000"/>
   <p:notesSz cx="6858000" cy="9144000"/>
@@ -123,74 +127,20 @@
 <file path=ppt/changesInfos/changesInfo1.xml><?xml version="1.0" encoding="utf-8"?>
 <pc:chgInfo xmlns:a="http://schemas.openxmlformats.org/drawingml/2006/main" xmlns:r="http://schemas.openxmlformats.org/officeDocument/2006/relationships" xmlns:ac="http://schemas.microsoft.com/office/drawing/2013/main/command" xmlns:pc="http://schemas.microsoft.com/office/powerpoint/2013/main/command">
   <pc:docChgLst>
-    <pc:chgData name="Jeffrey Reed" userId="fcb1cda2969150a1" providerId="LiveId" clId="{72CF6D7D-40D6-4B9A-A7D6-9D2698FBC7A2}"/>
+    <pc:chgData name="Jeffrey Reed" userId="fcb1cda2969150a1" providerId="LiveId" clId="{457948ED-0F47-4541-BFB7-E0684BF35697}"/>
     <pc:docChg chg="undo custSel addSld delSld modSld">
-      <pc:chgData name="Jeffrey Reed" userId="fcb1cda2969150a1" providerId="LiveId" clId="{72CF6D7D-40D6-4B9A-A7D6-9D2698FBC7A2}" dt="2021-06-12T19:53:50.971" v="869" actId="20577"/>
+      <pc:chgData name="Jeffrey Reed" userId="fcb1cda2969150a1" providerId="LiveId" clId="{457948ED-0F47-4541-BFB7-E0684BF35697}" dt="2021-06-18T15:49:10.465" v="720" actId="114"/>
       <pc:docMkLst>
         <pc:docMk/>
       </pc:docMkLst>
       <pc:sldChg chg="modSp mod">
-        <pc:chgData name="Jeffrey Reed" userId="fcb1cda2969150a1" providerId="LiveId" clId="{72CF6D7D-40D6-4B9A-A7D6-9D2698FBC7A2}" dt="2021-06-10T00:09:14.094" v="105" actId="255"/>
-        <pc:sldMkLst>
-          <pc:docMk/>
-          <pc:sldMk cId="720928810" sldId="256"/>
-        </pc:sldMkLst>
-        <pc:spChg chg="mod">
-          <ac:chgData name="Jeffrey Reed" userId="fcb1cda2969150a1" providerId="LiveId" clId="{72CF6D7D-40D6-4B9A-A7D6-9D2698FBC7A2}" dt="2021-06-10T00:08:45.342" v="66" actId="20577"/>
-          <ac:spMkLst>
-            <pc:docMk/>
-            <pc:sldMk cId="720928810" sldId="256"/>
-            <ac:spMk id="2" creationId="{00000000-0000-0000-0000-000000000000}"/>
-          </ac:spMkLst>
-        </pc:spChg>
-        <pc:spChg chg="mod">
-          <ac:chgData name="Jeffrey Reed" userId="fcb1cda2969150a1" providerId="LiveId" clId="{72CF6D7D-40D6-4B9A-A7D6-9D2698FBC7A2}" dt="2021-06-10T00:09:14.094" v="105" actId="255"/>
-          <ac:spMkLst>
-            <pc:docMk/>
-            <pc:sldMk cId="720928810" sldId="256"/>
-            <ac:spMk id="3" creationId="{00000000-0000-0000-0000-000000000000}"/>
-          </ac:spMkLst>
-        </pc:spChg>
-      </pc:sldChg>
-      <pc:sldChg chg="addSp delSp modSp mod">
-        <pc:chgData name="Jeffrey Reed" userId="fcb1cda2969150a1" providerId="LiveId" clId="{72CF6D7D-40D6-4B9A-A7D6-9D2698FBC7A2}" dt="2021-06-12T19:34:29.322" v="723" actId="14100"/>
-        <pc:sldMkLst>
-          <pc:docMk/>
-          <pc:sldMk cId="2059971362" sldId="257"/>
-        </pc:sldMkLst>
-        <pc:spChg chg="mod">
-          <ac:chgData name="Jeffrey Reed" userId="fcb1cda2969150a1" providerId="LiveId" clId="{72CF6D7D-40D6-4B9A-A7D6-9D2698FBC7A2}" dt="2021-06-12T19:32:36.865" v="681" actId="20577"/>
-          <ac:spMkLst>
-            <pc:docMk/>
-            <pc:sldMk cId="2059971362" sldId="257"/>
-            <ac:spMk id="2" creationId="{00000000-0000-0000-0000-000000000000}"/>
-          </ac:spMkLst>
-        </pc:spChg>
-        <pc:spChg chg="del">
-          <ac:chgData name="Jeffrey Reed" userId="fcb1cda2969150a1" providerId="LiveId" clId="{72CF6D7D-40D6-4B9A-A7D6-9D2698FBC7A2}" dt="2021-06-12T19:31:28.862" v="610" actId="22"/>
-          <ac:spMkLst>
-            <pc:docMk/>
-            <pc:sldMk cId="2059971362" sldId="257"/>
-            <ac:spMk id="3" creationId="{00000000-0000-0000-0000-000000000000}"/>
-          </ac:spMkLst>
-        </pc:spChg>
-        <pc:picChg chg="add mod ord">
-          <ac:chgData name="Jeffrey Reed" userId="fcb1cda2969150a1" providerId="LiveId" clId="{72CF6D7D-40D6-4B9A-A7D6-9D2698FBC7A2}" dt="2021-06-12T19:34:29.322" v="723" actId="14100"/>
-          <ac:picMkLst>
-            <pc:docMk/>
-            <pc:sldMk cId="2059971362" sldId="257"/>
-            <ac:picMk id="5" creationId="{75A89B1B-F0EC-4FC6-A317-A40DCC8C59B5}"/>
-          </ac:picMkLst>
-        </pc:picChg>
-      </pc:sldChg>
-      <pc:sldChg chg="modSp mod">
-        <pc:chgData name="Jeffrey Reed" userId="fcb1cda2969150a1" providerId="LiveId" clId="{72CF6D7D-40D6-4B9A-A7D6-9D2698FBC7A2}" dt="2021-06-07T20:16:56.583" v="8" actId="14100"/>
+        <pc:chgData name="Jeffrey Reed" userId="fcb1cda2969150a1" providerId="LiveId" clId="{457948ED-0F47-4541-BFB7-E0684BF35697}" dt="2021-06-18T15:41:24.186" v="162" actId="1036"/>
         <pc:sldMkLst>
           <pc:docMk/>
           <pc:sldMk cId="2431684349" sldId="258"/>
         </pc:sldMkLst>
         <pc:spChg chg="mod">
-          <ac:chgData name="Jeffrey Reed" userId="fcb1cda2969150a1" providerId="LiveId" clId="{72CF6D7D-40D6-4B9A-A7D6-9D2698FBC7A2}" dt="2021-06-07T20:16:56.583" v="8" actId="14100"/>
+          <ac:chgData name="Jeffrey Reed" userId="fcb1cda2969150a1" providerId="LiveId" clId="{457948ED-0F47-4541-BFB7-E0684BF35697}" dt="2021-06-18T15:41:24.186" v="162" actId="1036"/>
           <ac:spMkLst>
             <pc:docMk/>
             <pc:sldMk cId="2431684349" sldId="258"/>
@@ -198,112 +148,199 @@
           </ac:spMkLst>
         </pc:spChg>
       </pc:sldChg>
-      <pc:sldChg chg="del">
-        <pc:chgData name="Jeffrey Reed" userId="fcb1cda2969150a1" providerId="LiveId" clId="{72CF6D7D-40D6-4B9A-A7D6-9D2698FBC7A2}" dt="2021-06-12T19:28:02.467" v="570" actId="47"/>
+      <pc:sldChg chg="addSp delSp modSp add mod">
+        <pc:chgData name="Jeffrey Reed" userId="fcb1cda2969150a1" providerId="LiveId" clId="{457948ED-0F47-4541-BFB7-E0684BF35697}" dt="2021-06-18T15:49:10.465" v="720" actId="114"/>
         <pc:sldMkLst>
           <pc:docMk/>
-          <pc:sldMk cId="961183414" sldId="259"/>
+          <pc:sldMk cId="319737450" sldId="267"/>
+        </pc:sldMkLst>
+        <pc:spChg chg="mod">
+          <ac:chgData name="Jeffrey Reed" userId="fcb1cda2969150a1" providerId="LiveId" clId="{457948ED-0F47-4541-BFB7-E0684BF35697}" dt="2021-06-18T15:49:10.465" v="720" actId="114"/>
+          <ac:spMkLst>
+            <pc:docMk/>
+            <pc:sldMk cId="319737450" sldId="267"/>
+            <ac:spMk id="2" creationId="{00000000-0000-0000-0000-000000000000}"/>
+          </ac:spMkLst>
+        </pc:spChg>
+        <pc:spChg chg="del">
+          <ac:chgData name="Jeffrey Reed" userId="fcb1cda2969150a1" providerId="LiveId" clId="{457948ED-0F47-4541-BFB7-E0684BF35697}" dt="2021-06-18T15:24:12.759" v="1" actId="478"/>
+          <ac:spMkLst>
+            <pc:docMk/>
+            <pc:sldMk cId="319737450" sldId="267"/>
+            <ac:spMk id="3" creationId="{00000000-0000-0000-0000-000000000000}"/>
+          </ac:spMkLst>
+        </pc:spChg>
+        <pc:spChg chg="add del mod">
+          <ac:chgData name="Jeffrey Reed" userId="fcb1cda2969150a1" providerId="LiveId" clId="{457948ED-0F47-4541-BFB7-E0684BF35697}" dt="2021-06-18T15:24:28.930" v="6" actId="478"/>
+          <ac:spMkLst>
+            <pc:docMk/>
+            <pc:sldMk cId="319737450" sldId="267"/>
+            <ac:spMk id="5" creationId="{B0B65BEC-9171-4527-AB7F-E27DFB24FBBD}"/>
+          </ac:spMkLst>
+        </pc:spChg>
+        <pc:picChg chg="add mod">
+          <ac:chgData name="Jeffrey Reed" userId="fcb1cda2969150a1" providerId="LiveId" clId="{457948ED-0F47-4541-BFB7-E0684BF35697}" dt="2021-06-18T15:48:51.007" v="718" actId="1036"/>
+          <ac:picMkLst>
+            <pc:docMk/>
+            <pc:sldMk cId="319737450" sldId="267"/>
+            <ac:picMk id="7" creationId="{B1CAF263-B1C6-483A-9DCA-FFA03369F9BF}"/>
+          </ac:picMkLst>
+        </pc:picChg>
+      </pc:sldChg>
+      <pc:sldChg chg="addSp delSp modSp add del mod">
+        <pc:chgData name="Jeffrey Reed" userId="fcb1cda2969150a1" providerId="LiveId" clId="{457948ED-0F47-4541-BFB7-E0684BF35697}" dt="2021-06-18T15:28:50.108" v="78" actId="47"/>
+        <pc:sldMkLst>
+          <pc:docMk/>
+          <pc:sldMk cId="1801789794" sldId="268"/>
+        </pc:sldMkLst>
+        <pc:spChg chg="mod">
+          <ac:chgData name="Jeffrey Reed" userId="fcb1cda2969150a1" providerId="LiveId" clId="{457948ED-0F47-4541-BFB7-E0684BF35697}" dt="2021-06-18T15:25:29.658" v="69" actId="20577"/>
+          <ac:spMkLst>
+            <pc:docMk/>
+            <pc:sldMk cId="1801789794" sldId="268"/>
+            <ac:spMk id="2" creationId="{00000000-0000-0000-0000-000000000000}"/>
+          </ac:spMkLst>
+        </pc:spChg>
+        <pc:picChg chg="add mod">
+          <ac:chgData name="Jeffrey Reed" userId="fcb1cda2969150a1" providerId="LiveId" clId="{457948ED-0F47-4541-BFB7-E0684BF35697}" dt="2021-06-18T15:26:53.886" v="73" actId="1076"/>
+          <ac:picMkLst>
+            <pc:docMk/>
+            <pc:sldMk cId="1801789794" sldId="268"/>
+            <ac:picMk id="4" creationId="{52BED7E7-3BEA-46E5-8AF5-E879CF582CB0}"/>
+          </ac:picMkLst>
+        </pc:picChg>
+        <pc:picChg chg="del">
+          <ac:chgData name="Jeffrey Reed" userId="fcb1cda2969150a1" providerId="LiveId" clId="{457948ED-0F47-4541-BFB7-E0684BF35697}" dt="2021-06-18T15:26:47.360" v="70" actId="478"/>
+          <ac:picMkLst>
+            <pc:docMk/>
+            <pc:sldMk cId="1801789794" sldId="268"/>
+            <ac:picMk id="7" creationId="{B1CAF263-B1C6-483A-9DCA-FFA03369F9BF}"/>
+          </ac:picMkLst>
+        </pc:picChg>
+      </pc:sldChg>
+      <pc:sldChg chg="add del">
+        <pc:chgData name="Jeffrey Reed" userId="fcb1cda2969150a1" providerId="LiveId" clId="{457948ED-0F47-4541-BFB7-E0684BF35697}" dt="2021-06-18T15:24:21.578" v="3" actId="47"/>
+        <pc:sldMkLst>
+          <pc:docMk/>
+          <pc:sldMk cId="1951309692" sldId="268"/>
         </pc:sldMkLst>
       </pc:sldChg>
-      <pc:sldChg chg="del">
-        <pc:chgData name="Jeffrey Reed" userId="fcb1cda2969150a1" providerId="LiveId" clId="{72CF6D7D-40D6-4B9A-A7D6-9D2698FBC7A2}" dt="2021-06-12T19:28:03.368" v="571" actId="47"/>
+      <pc:sldChg chg="addSp modSp add mod">
+        <pc:chgData name="Jeffrey Reed" userId="fcb1cda2969150a1" providerId="LiveId" clId="{457948ED-0F47-4541-BFB7-E0684BF35697}" dt="2021-06-18T15:43:58.180" v="393" actId="20577"/>
         <pc:sldMkLst>
           <pc:docMk/>
-          <pc:sldMk cId="1261448384" sldId="260"/>
+          <pc:sldMk cId="3722234494" sldId="269"/>
         </pc:sldMkLst>
+        <pc:spChg chg="mod">
+          <ac:chgData name="Jeffrey Reed" userId="fcb1cda2969150a1" providerId="LiveId" clId="{457948ED-0F47-4541-BFB7-E0684BF35697}" dt="2021-06-18T15:39:56.786" v="148" actId="20577"/>
+          <ac:spMkLst>
+            <pc:docMk/>
+            <pc:sldMk cId="3722234494" sldId="269"/>
+            <ac:spMk id="2" creationId="{00000000-0000-0000-0000-000000000000}"/>
+          </ac:spMkLst>
+        </pc:spChg>
+        <pc:spChg chg="add mod">
+          <ac:chgData name="Jeffrey Reed" userId="fcb1cda2969150a1" providerId="LiveId" clId="{457948ED-0F47-4541-BFB7-E0684BF35697}" dt="2021-06-18T15:43:58.180" v="393" actId="20577"/>
+          <ac:spMkLst>
+            <pc:docMk/>
+            <pc:sldMk cId="3722234494" sldId="269"/>
+            <ac:spMk id="6" creationId="{E7DF436C-F56E-47E1-BC5A-89E5F80F0281}"/>
+          </ac:spMkLst>
+        </pc:spChg>
+        <pc:picChg chg="mod">
+          <ac:chgData name="Jeffrey Reed" userId="fcb1cda2969150a1" providerId="LiveId" clId="{457948ED-0F47-4541-BFB7-E0684BF35697}" dt="2021-06-18T15:29:02.025" v="80" actId="14100"/>
+          <ac:picMkLst>
+            <pc:docMk/>
+            <pc:sldMk cId="3722234494" sldId="269"/>
+            <ac:picMk id="4" creationId="{52BED7E7-3BEA-46E5-8AF5-E879CF582CB0}"/>
+          </ac:picMkLst>
+        </pc:picChg>
+        <pc:picChg chg="add mod">
+          <ac:chgData name="Jeffrey Reed" userId="fcb1cda2969150a1" providerId="LiveId" clId="{457948ED-0F47-4541-BFB7-E0684BF35697}" dt="2021-06-18T15:29:05.873" v="111" actId="1037"/>
+          <ac:picMkLst>
+            <pc:docMk/>
+            <pc:sldMk cId="3722234494" sldId="269"/>
+            <ac:picMk id="5" creationId="{BC668065-65B8-4EE5-BA2A-3478C30B9165}"/>
+          </ac:picMkLst>
+        </pc:picChg>
       </pc:sldChg>
-      <pc:sldChg chg="delSp modSp add mod">
-        <pc:chgData name="Jeffrey Reed" userId="fcb1cda2969150a1" providerId="LiveId" clId="{72CF6D7D-40D6-4B9A-A7D6-9D2698FBC7A2}" dt="2021-06-12T19:53:50.971" v="869" actId="20577"/>
+      <pc:sldChg chg="addSp delSp modSp add mod">
+        <pc:chgData name="Jeffrey Reed" userId="fcb1cda2969150a1" providerId="LiveId" clId="{457948ED-0F47-4541-BFB7-E0684BF35697}" dt="2021-06-18T15:46:58.177" v="609" actId="20577"/>
         <pc:sldMkLst>
           <pc:docMk/>
-          <pc:sldMk cId="3119265288" sldId="261"/>
+          <pc:sldMk cId="3552440563" sldId="270"/>
         </pc:sldMkLst>
         <pc:spChg chg="mod">
-          <ac:chgData name="Jeffrey Reed" userId="fcb1cda2969150a1" providerId="LiveId" clId="{72CF6D7D-40D6-4B9A-A7D6-9D2698FBC7A2}" dt="2021-06-12T19:19:59.247" v="137" actId="20577"/>
+          <ac:chgData name="Jeffrey Reed" userId="fcb1cda2969150a1" providerId="LiveId" clId="{457948ED-0F47-4541-BFB7-E0684BF35697}" dt="2021-06-18T15:44:35.454" v="417" actId="1037"/>
           <ac:spMkLst>
             <pc:docMk/>
-            <pc:sldMk cId="3119265288" sldId="261"/>
+            <pc:sldMk cId="3552440563" sldId="270"/>
+            <ac:spMk id="2" creationId="{00000000-0000-0000-0000-000000000000}"/>
+          </ac:spMkLst>
+        </pc:spChg>
+        <pc:spChg chg="add mod">
+          <ac:chgData name="Jeffrey Reed" userId="fcb1cda2969150a1" providerId="LiveId" clId="{457948ED-0F47-4541-BFB7-E0684BF35697}" dt="2021-06-18T15:46:58.177" v="609" actId="20577"/>
+          <ac:spMkLst>
+            <pc:docMk/>
+            <pc:sldMk cId="3552440563" sldId="270"/>
+            <ac:spMk id="9" creationId="{06A4D933-DC90-4DDE-96F2-6F390232C7C5}"/>
+          </ac:spMkLst>
+        </pc:spChg>
+        <pc:picChg chg="del">
+          <ac:chgData name="Jeffrey Reed" userId="fcb1cda2969150a1" providerId="LiveId" clId="{457948ED-0F47-4541-BFB7-E0684BF35697}" dt="2021-06-18T15:32:43.144" v="113" actId="478"/>
+          <ac:picMkLst>
+            <pc:docMk/>
+            <pc:sldMk cId="3552440563" sldId="270"/>
+            <ac:picMk id="4" creationId="{52BED7E7-3BEA-46E5-8AF5-E879CF582CB0}"/>
+          </ac:picMkLst>
+        </pc:picChg>
+        <pc:picChg chg="del">
+          <ac:chgData name="Jeffrey Reed" userId="fcb1cda2969150a1" providerId="LiveId" clId="{457948ED-0F47-4541-BFB7-E0684BF35697}" dt="2021-06-18T15:38:09.615" v="117" actId="478"/>
+          <ac:picMkLst>
+            <pc:docMk/>
+            <pc:sldMk cId="3552440563" sldId="270"/>
+            <ac:picMk id="5" creationId="{BC668065-65B8-4EE5-BA2A-3478C30B9165}"/>
+          </ac:picMkLst>
+        </pc:picChg>
+        <pc:picChg chg="add mod">
+          <ac:chgData name="Jeffrey Reed" userId="fcb1cda2969150a1" providerId="LiveId" clId="{457948ED-0F47-4541-BFB7-E0684BF35697}" dt="2021-06-18T15:45:24.364" v="510" actId="14100"/>
+          <ac:picMkLst>
+            <pc:docMk/>
+            <pc:sldMk cId="3552440563" sldId="270"/>
+            <ac:picMk id="6" creationId="{2DBBAABC-F9B3-4F6C-A4B3-B9B15E4EADC9}"/>
+          </ac:picMkLst>
+        </pc:picChg>
+        <pc:picChg chg="add mod">
+          <ac:chgData name="Jeffrey Reed" userId="fcb1cda2969150a1" providerId="LiveId" clId="{457948ED-0F47-4541-BFB7-E0684BF35697}" dt="2021-06-18T15:39:18.629" v="121" actId="14100"/>
+          <ac:picMkLst>
+            <pc:docMk/>
+            <pc:sldMk cId="3552440563" sldId="270"/>
+            <ac:picMk id="8" creationId="{D0AD7B08-F341-457A-882B-38C74F7261E0}"/>
+          </ac:picMkLst>
+        </pc:picChg>
+      </pc:sldChg>
+      <pc:sldChg chg="modSp add mod">
+        <pc:chgData name="Jeffrey Reed" userId="fcb1cda2969150a1" providerId="LiveId" clId="{457948ED-0F47-4541-BFB7-E0684BF35697}" dt="2021-06-18T15:47:46.430" v="675" actId="20577"/>
+        <pc:sldMkLst>
+          <pc:docMk/>
+          <pc:sldMk cId="3262851643" sldId="271"/>
+        </pc:sldMkLst>
+        <pc:spChg chg="mod">
+          <ac:chgData name="Jeffrey Reed" userId="fcb1cda2969150a1" providerId="LiveId" clId="{457948ED-0F47-4541-BFB7-E0684BF35697}" dt="2021-06-18T15:47:30.816" v="633" actId="20577"/>
+          <ac:spMkLst>
+            <pc:docMk/>
+            <pc:sldMk cId="3262851643" sldId="271"/>
             <ac:spMk id="2" creationId="{00000000-0000-0000-0000-000000000000}"/>
           </ac:spMkLst>
         </pc:spChg>
         <pc:spChg chg="mod">
-          <ac:chgData name="Jeffrey Reed" userId="fcb1cda2969150a1" providerId="LiveId" clId="{72CF6D7D-40D6-4B9A-A7D6-9D2698FBC7A2}" dt="2021-06-12T19:53:50.971" v="869" actId="20577"/>
+          <ac:chgData name="Jeffrey Reed" userId="fcb1cda2969150a1" providerId="LiveId" clId="{457948ED-0F47-4541-BFB7-E0684BF35697}" dt="2021-06-18T15:47:46.430" v="675" actId="20577"/>
           <ac:spMkLst>
             <pc:docMk/>
-            <pc:sldMk cId="3119265288" sldId="261"/>
-            <ac:spMk id="8" creationId="{DF1A2F41-4522-46D2-9E51-F1F2B57ADD57}"/>
+            <pc:sldMk cId="3262851643" sldId="271"/>
+            <ac:spMk id="3" creationId="{00000000-0000-0000-0000-000000000000}"/>
           </ac:spMkLst>
         </pc:spChg>
-        <pc:picChg chg="del">
-          <ac:chgData name="Jeffrey Reed" userId="fcb1cda2969150a1" providerId="LiveId" clId="{72CF6D7D-40D6-4B9A-A7D6-9D2698FBC7A2}" dt="2021-06-12T19:20:03.825" v="138" actId="478"/>
-          <ac:picMkLst>
-            <pc:docMk/>
-            <pc:sldMk cId="3119265288" sldId="261"/>
-            <ac:picMk id="6" creationId="{CB29E262-77B0-4B8F-AB79-052077B6450A}"/>
-          </ac:picMkLst>
-        </pc:picChg>
-        <pc:picChg chg="del">
-          <ac:chgData name="Jeffrey Reed" userId="fcb1cda2969150a1" providerId="LiveId" clId="{72CF6D7D-40D6-4B9A-A7D6-9D2698FBC7A2}" dt="2021-06-12T19:20:06.550" v="139" actId="478"/>
-          <ac:picMkLst>
-            <pc:docMk/>
-            <pc:sldMk cId="3119265288" sldId="261"/>
-            <ac:picMk id="7" creationId="{A7D8B69B-C874-4ACF-85BF-AACDABE5B7A2}"/>
-          </ac:picMkLst>
-        </pc:picChg>
-      </pc:sldChg>
-      <pc:sldChg chg="modSp add mod">
-        <pc:chgData name="Jeffrey Reed" userId="fcb1cda2969150a1" providerId="LiveId" clId="{72CF6D7D-40D6-4B9A-A7D6-9D2698FBC7A2}" dt="2021-06-12T19:37:38.151" v="868" actId="6549"/>
-        <pc:sldMkLst>
-          <pc:docMk/>
-          <pc:sldMk cId="2208917884" sldId="262"/>
-        </pc:sldMkLst>
-        <pc:spChg chg="mod">
-          <ac:chgData name="Jeffrey Reed" userId="fcb1cda2969150a1" providerId="LiveId" clId="{72CF6D7D-40D6-4B9A-A7D6-9D2698FBC7A2}" dt="2021-06-12T19:37:38.151" v="868" actId="6549"/>
-          <ac:spMkLst>
-            <pc:docMk/>
-            <pc:sldMk cId="2208917884" sldId="262"/>
-            <ac:spMk id="2" creationId="{00000000-0000-0000-0000-000000000000}"/>
-          </ac:spMkLst>
-        </pc:spChg>
-      </pc:sldChg>
-      <pc:sldChg chg="addSp delSp modSp add mod">
-        <pc:chgData name="Jeffrey Reed" userId="fcb1cda2969150a1" providerId="LiveId" clId="{72CF6D7D-40D6-4B9A-A7D6-9D2698FBC7A2}" dt="2021-06-12T19:34:59.656" v="734" actId="255"/>
-        <pc:sldMkLst>
-          <pc:docMk/>
-          <pc:sldMk cId="1832703892" sldId="263"/>
-        </pc:sldMkLst>
-        <pc:spChg chg="mod">
-          <ac:chgData name="Jeffrey Reed" userId="fcb1cda2969150a1" providerId="LiveId" clId="{72CF6D7D-40D6-4B9A-A7D6-9D2698FBC7A2}" dt="2021-06-12T19:34:59.656" v="734" actId="255"/>
-          <ac:spMkLst>
-            <pc:docMk/>
-            <pc:sldMk cId="1832703892" sldId="263"/>
-            <ac:spMk id="2" creationId="{00000000-0000-0000-0000-000000000000}"/>
-          </ac:spMkLst>
-        </pc:spChg>
-        <pc:spChg chg="add del mod">
-          <ac:chgData name="Jeffrey Reed" userId="fcb1cda2969150a1" providerId="LiveId" clId="{72CF6D7D-40D6-4B9A-A7D6-9D2698FBC7A2}" dt="2021-06-12T19:33:59.379" v="715" actId="478"/>
-          <ac:spMkLst>
-            <pc:docMk/>
-            <pc:sldMk cId="1832703892" sldId="263"/>
-            <ac:spMk id="4" creationId="{C5D4951D-FFD9-4EDE-B610-9BF8B3FFAB93}"/>
-          </ac:spMkLst>
-        </pc:spChg>
-        <pc:picChg chg="del">
-          <ac:chgData name="Jeffrey Reed" userId="fcb1cda2969150a1" providerId="LiveId" clId="{72CF6D7D-40D6-4B9A-A7D6-9D2698FBC7A2}" dt="2021-06-12T19:32:49.618" v="683" actId="478"/>
-          <ac:picMkLst>
-            <pc:docMk/>
-            <pc:sldMk cId="1832703892" sldId="263"/>
-            <ac:picMk id="5" creationId="{75A89B1B-F0EC-4FC6-A317-A40DCC8C59B5}"/>
-          </ac:picMkLst>
-        </pc:picChg>
-        <pc:picChg chg="add mod">
-          <ac:chgData name="Jeffrey Reed" userId="fcb1cda2969150a1" providerId="LiveId" clId="{72CF6D7D-40D6-4B9A-A7D6-9D2698FBC7A2}" dt="2021-06-12T19:34:02.071" v="716" actId="1076"/>
-          <ac:picMkLst>
-            <pc:docMk/>
-            <pc:sldMk cId="1832703892" sldId="263"/>
-            <ac:picMk id="7" creationId="{5F79DE46-13BD-492F-AFF9-57244368DC35}"/>
-          </ac:picMkLst>
-        </pc:picChg>
       </pc:sldChg>
     </pc:docChg>
   </pc:docChgLst>
@@ -468,7 +505,7 @@
             <a:fld id="{276D79ED-3FA7-4EF8-964B-EB8BCFAB02F8}" type="datetimeFigureOut">
               <a:rPr lang="en-US" smtClean="0"/>
               <a:pPr/>
-              <a:t>6/15/2021</a:t>
+              <a:t>6/18/2021</a:t>
             </a:fld>
             <a:endParaRPr lang="en-US"/>
           </a:p>
@@ -653,7 +690,7 @@
           <a:p>
             <a:fld id="{276D79ED-3FA7-4EF8-964B-EB8BCFAB02F8}" type="datetimeFigureOut">
               <a:rPr lang="en-US" smtClean="0"/>
-              <a:t>6/15/2021</a:t>
+              <a:t>6/18/2021</a:t>
             </a:fld>
             <a:endParaRPr lang="en-US"/>
           </a:p>
@@ -899,7 +936,7 @@
           <a:p>
             <a:fld id="{276D79ED-3FA7-4EF8-964B-EB8BCFAB02F8}" type="datetimeFigureOut">
               <a:rPr lang="en-US" smtClean="0"/>
-              <a:t>6/15/2021</a:t>
+              <a:t>6/18/2021</a:t>
             </a:fld>
             <a:endParaRPr lang="en-US"/>
           </a:p>
@@ -1130,7 +1167,7 @@
           <a:p>
             <a:fld id="{276D79ED-3FA7-4EF8-964B-EB8BCFAB02F8}" type="datetimeFigureOut">
               <a:rPr lang="en-US" smtClean="0"/>
-              <a:t>6/15/2021</a:t>
+              <a:t>6/18/2021</a:t>
             </a:fld>
             <a:endParaRPr lang="en-US"/>
           </a:p>
@@ -1494,7 +1531,7 @@
           <a:p>
             <a:fld id="{276D79ED-3FA7-4EF8-964B-EB8BCFAB02F8}" type="datetimeFigureOut">
               <a:rPr lang="en-US" smtClean="0"/>
-              <a:t>6/15/2021</a:t>
+              <a:t>6/18/2021</a:t>
             </a:fld>
             <a:endParaRPr lang="en-US"/>
           </a:p>
@@ -1611,7 +1648,7 @@
           <a:p>
             <a:fld id="{276D79ED-3FA7-4EF8-964B-EB8BCFAB02F8}" type="datetimeFigureOut">
               <a:rPr lang="en-US" smtClean="0"/>
-              <a:t>6/15/2021</a:t>
+              <a:t>6/18/2021</a:t>
             </a:fld>
             <a:endParaRPr lang="en-US"/>
           </a:p>
@@ -1706,7 +1743,7 @@
           <a:p>
             <a:fld id="{276D79ED-3FA7-4EF8-964B-EB8BCFAB02F8}" type="datetimeFigureOut">
               <a:rPr lang="en-US" smtClean="0"/>
-              <a:t>6/15/2021</a:t>
+              <a:t>6/18/2021</a:t>
             </a:fld>
             <a:endParaRPr lang="en-US"/>
           </a:p>
@@ -1982,7 +2019,7 @@
           <a:p>
             <a:fld id="{276D79ED-3FA7-4EF8-964B-EB8BCFAB02F8}" type="datetimeFigureOut">
               <a:rPr lang="en-US" smtClean="0"/>
-              <a:t>6/15/2021</a:t>
+              <a:t>6/18/2021</a:t>
             </a:fld>
             <a:endParaRPr lang="en-US"/>
           </a:p>
@@ -2238,7 +2275,7 @@
           <a:p>
             <a:fld id="{276D79ED-3FA7-4EF8-964B-EB8BCFAB02F8}" type="datetimeFigureOut">
               <a:rPr lang="en-US" smtClean="0"/>
-              <a:t>6/15/2021</a:t>
+              <a:t>6/18/2021</a:t>
             </a:fld>
             <a:endParaRPr lang="en-US"/>
           </a:p>
@@ -2458,7 +2495,7 @@
           <a:p>
             <a:fld id="{276D79ED-3FA7-4EF8-964B-EB8BCFAB02F8}" type="datetimeFigureOut">
               <a:rPr lang="en-US" smtClean="0"/>
-              <a:t>6/15/2021</a:t>
+              <a:t>6/18/2021</a:t>
             </a:fld>
             <a:endParaRPr lang="en-US"/>
           </a:p>
@@ -3042,6 +3079,563 @@
 </p:sld>
 </file>
 
+<file path=ppt/slides/slide10.xml><?xml version="1.0" encoding="utf-8"?>
+<p:sld xmlns:a="http://schemas.openxmlformats.org/drawingml/2006/main" xmlns:r="http://schemas.openxmlformats.org/officeDocument/2006/relationships" xmlns:p="http://schemas.openxmlformats.org/presentationml/2006/main">
+  <p:cSld>
+    <p:spTree>
+      <p:nvGrpSpPr>
+        <p:cNvPr id="1" name=""/>
+        <p:cNvGrpSpPr/>
+        <p:nvPr/>
+      </p:nvGrpSpPr>
+      <p:grpSpPr>
+        <a:xfrm>
+          <a:off x="0" y="0"/>
+          <a:ext cx="0" cy="0"/>
+          <a:chOff x="0" y="0"/>
+          <a:chExt cx="0" cy="0"/>
+        </a:xfrm>
+      </p:grpSpPr>
+      <p:sp>
+        <p:nvSpPr>
+          <p:cNvPr id="2" name="Title 1"/>
+          <p:cNvSpPr>
+            <a:spLocks noGrp="1"/>
+          </p:cNvSpPr>
+          <p:nvPr>
+            <p:ph type="title"/>
+          </p:nvPr>
+        </p:nvSpPr>
+        <p:spPr/>
+        <p:txBody>
+          <a:bodyPr/>
+          <a:lstStyle/>
+          <a:p>
+            <a:r>
+              <a:rPr lang="en-US" dirty="0"/>
+              <a:t>Insight – Where to Focus Sales Penetration?</a:t>
+            </a:r>
+          </a:p>
+        </p:txBody>
+      </p:sp>
+      <p:pic>
+        <p:nvPicPr>
+          <p:cNvPr id="7" name="Picture 6">
+            <a:extLst>
+              <a:ext uri="{FF2B5EF4-FFF2-40B4-BE49-F238E27FC236}">
+                <a16:creationId xmlns:a16="http://schemas.microsoft.com/office/drawing/2014/main" id="{B1CAF263-B1C6-483A-9DCA-FFA03369F9BF}"/>
+              </a:ext>
+            </a:extLst>
+          </p:cNvPr>
+          <p:cNvPicPr>
+            <a:picLocks noChangeAspect="1"/>
+          </p:cNvPicPr>
+          <p:nvPr/>
+        </p:nvPicPr>
+        <p:blipFill>
+          <a:blip r:embed="rId2"/>
+          <a:stretch>
+            <a:fillRect/>
+          </a:stretch>
+        </p:blipFill>
+        <p:spPr>
+          <a:xfrm>
+            <a:off x="1083076" y="1623715"/>
+            <a:ext cx="8969406" cy="4914567"/>
+          </a:xfrm>
+          <a:prstGeom prst="rect">
+            <a:avLst/>
+          </a:prstGeom>
+        </p:spPr>
+      </p:pic>
+    </p:spTree>
+    <p:extLst>
+      <p:ext uri="{BB962C8B-B14F-4D97-AF65-F5344CB8AC3E}">
+        <p14:creationId xmlns:p14="http://schemas.microsoft.com/office/powerpoint/2010/main" val="319737450"/>
+      </p:ext>
+    </p:extLst>
+  </p:cSld>
+  <p:clrMapOvr>
+    <a:masterClrMapping/>
+  </p:clrMapOvr>
+</p:sld>
+</file>
+
+<file path=ppt/slides/slide11.xml><?xml version="1.0" encoding="utf-8"?>
+<p:sld xmlns:a="http://schemas.openxmlformats.org/drawingml/2006/main" xmlns:r="http://schemas.openxmlformats.org/officeDocument/2006/relationships" xmlns:p="http://schemas.openxmlformats.org/presentationml/2006/main">
+  <p:cSld>
+    <p:spTree>
+      <p:nvGrpSpPr>
+        <p:cNvPr id="1" name=""/>
+        <p:cNvGrpSpPr/>
+        <p:nvPr/>
+      </p:nvGrpSpPr>
+      <p:grpSpPr>
+        <a:xfrm>
+          <a:off x="0" y="0"/>
+          <a:ext cx="0" cy="0"/>
+          <a:chOff x="0" y="0"/>
+          <a:chExt cx="0" cy="0"/>
+        </a:xfrm>
+      </p:grpSpPr>
+      <p:sp>
+        <p:nvSpPr>
+          <p:cNvPr id="2" name="Title 1"/>
+          <p:cNvSpPr>
+            <a:spLocks noGrp="1"/>
+          </p:cNvSpPr>
+          <p:nvPr>
+            <p:ph type="title"/>
+          </p:nvPr>
+        </p:nvSpPr>
+        <p:spPr/>
+        <p:txBody>
+          <a:bodyPr/>
+          <a:lstStyle/>
+          <a:p>
+            <a:r>
+              <a:rPr lang="en-US" dirty="0"/>
+              <a:t>Where to focus by Region</a:t>
+            </a:r>
+          </a:p>
+        </p:txBody>
+      </p:sp>
+      <p:pic>
+        <p:nvPicPr>
+          <p:cNvPr id="4" name="Picture 3">
+            <a:extLst>
+              <a:ext uri="{FF2B5EF4-FFF2-40B4-BE49-F238E27FC236}">
+                <a16:creationId xmlns:a16="http://schemas.microsoft.com/office/drawing/2014/main" id="{52BED7E7-3BEA-46E5-8AF5-E879CF582CB0}"/>
+              </a:ext>
+            </a:extLst>
+          </p:cNvPr>
+          <p:cNvPicPr>
+            <a:picLocks noChangeAspect="1"/>
+          </p:cNvPicPr>
+          <p:nvPr/>
+        </p:nvPicPr>
+        <p:blipFill>
+          <a:blip r:embed="rId2"/>
+          <a:stretch>
+            <a:fillRect/>
+          </a:stretch>
+        </p:blipFill>
+        <p:spPr>
+          <a:xfrm>
+            <a:off x="5211484" y="1655374"/>
+            <a:ext cx="5867848" cy="3542083"/>
+          </a:xfrm>
+          <a:prstGeom prst="rect">
+            <a:avLst/>
+          </a:prstGeom>
+        </p:spPr>
+      </p:pic>
+      <p:pic>
+        <p:nvPicPr>
+          <p:cNvPr id="5" name="Picture 4">
+            <a:extLst>
+              <a:ext uri="{FF2B5EF4-FFF2-40B4-BE49-F238E27FC236}">
+                <a16:creationId xmlns:a16="http://schemas.microsoft.com/office/drawing/2014/main" id="{BC668065-65B8-4EE5-BA2A-3478C30B9165}"/>
+              </a:ext>
+            </a:extLst>
+          </p:cNvPr>
+          <p:cNvPicPr>
+            <a:picLocks noChangeAspect="1"/>
+          </p:cNvPicPr>
+          <p:nvPr/>
+        </p:nvPicPr>
+        <p:blipFill>
+          <a:blip r:embed="rId3"/>
+          <a:stretch>
+            <a:fillRect/>
+          </a:stretch>
+        </p:blipFill>
+        <p:spPr>
+          <a:xfrm>
+            <a:off x="5192078" y="5282350"/>
+            <a:ext cx="4705350" cy="1457325"/>
+          </a:xfrm>
+          <a:prstGeom prst="rect">
+            <a:avLst/>
+          </a:prstGeom>
+        </p:spPr>
+      </p:pic>
+      <p:sp>
+        <p:nvSpPr>
+          <p:cNvPr id="6" name="TextBox 5">
+            <a:extLst>
+              <a:ext uri="{FF2B5EF4-FFF2-40B4-BE49-F238E27FC236}">
+                <a16:creationId xmlns:a16="http://schemas.microsoft.com/office/drawing/2014/main" id="{E7DF436C-F56E-47E1-BC5A-89E5F80F0281}"/>
+              </a:ext>
+            </a:extLst>
+          </p:cNvPr>
+          <p:cNvSpPr txBox="1"/>
+          <p:nvPr/>
+        </p:nvSpPr>
+        <p:spPr>
+          <a:xfrm>
+            <a:off x="657726" y="1676400"/>
+            <a:ext cx="3280611" cy="3877985"/>
+          </a:xfrm>
+          <a:prstGeom prst="rect">
+            <a:avLst/>
+          </a:prstGeom>
+          <a:noFill/>
+        </p:spPr>
+        <p:txBody>
+          <a:bodyPr wrap="square" rtlCol="0">
+            <a:spAutoFit/>
+          </a:bodyPr>
+          <a:lstStyle/>
+          <a:p>
+            <a:r>
+              <a:rPr lang="en-US" sz="2400" b="1" u="sng" dirty="0"/>
+              <a:t>Question</a:t>
+            </a:r>
+          </a:p>
+          <a:p>
+            <a:pPr marL="285750" indent="-285750">
+              <a:buFont typeface="Arial" panose="020B0604020202020204" pitchFamily="34" charset="0"/>
+              <a:buChar char="•"/>
+            </a:pPr>
+            <a:r>
+              <a:rPr lang="en-US" dirty="0"/>
+              <a:t>Which region should you focus your efforts to penetrate further?</a:t>
+            </a:r>
+          </a:p>
+          <a:p>
+            <a:pPr marL="285750" indent="-285750">
+              <a:buFont typeface="Arial" panose="020B0604020202020204" pitchFamily="34" charset="0"/>
+              <a:buChar char="•"/>
+            </a:pPr>
+            <a:endParaRPr lang="en-US" dirty="0"/>
+          </a:p>
+          <a:p>
+            <a:r>
+              <a:rPr lang="en-US" sz="2400" b="1" u="sng" dirty="0"/>
+              <a:t>Recommendation</a:t>
+            </a:r>
+          </a:p>
+          <a:p>
+            <a:pPr marL="285750" indent="-285750">
+              <a:buFont typeface="Arial" panose="020B0604020202020204" pitchFamily="34" charset="0"/>
+              <a:buChar char="•"/>
+            </a:pPr>
+            <a:r>
+              <a:rPr lang="en-US" dirty="0"/>
+              <a:t>South Region</a:t>
+            </a:r>
+          </a:p>
+          <a:p>
+            <a:pPr marL="742950" lvl="1" indent="-285750">
+              <a:buFont typeface="Arial" panose="020B0604020202020204" pitchFamily="34" charset="0"/>
+              <a:buChar char="•"/>
+            </a:pPr>
+            <a:r>
+              <a:rPr lang="en-US" dirty="0"/>
+              <a:t>Lowest Beers per Brewery Ratio</a:t>
+            </a:r>
+          </a:p>
+          <a:p>
+            <a:pPr marL="742950" lvl="1" indent="-285750">
+              <a:buFont typeface="Arial" panose="020B0604020202020204" pitchFamily="34" charset="0"/>
+              <a:buChar char="•"/>
+            </a:pPr>
+            <a:r>
+              <a:rPr lang="en-US" dirty="0"/>
+              <a:t>Favorable demographic trends</a:t>
+            </a:r>
+          </a:p>
+          <a:p>
+            <a:pPr marL="285750" indent="-285750">
+              <a:buFont typeface="Arial" panose="020B0604020202020204" pitchFamily="34" charset="0"/>
+              <a:buChar char="•"/>
+            </a:pPr>
+            <a:endParaRPr lang="en-US" dirty="0"/>
+          </a:p>
+          <a:p>
+            <a:pPr marL="285750" indent="-285750">
+              <a:buFont typeface="Arial" panose="020B0604020202020204" pitchFamily="34" charset="0"/>
+              <a:buChar char="•"/>
+            </a:pPr>
+            <a:endParaRPr lang="en-US" dirty="0"/>
+          </a:p>
+        </p:txBody>
+      </p:sp>
+    </p:spTree>
+    <p:extLst>
+      <p:ext uri="{BB962C8B-B14F-4D97-AF65-F5344CB8AC3E}">
+        <p14:creationId xmlns:p14="http://schemas.microsoft.com/office/powerpoint/2010/main" val="3722234494"/>
+      </p:ext>
+    </p:extLst>
+  </p:cSld>
+  <p:clrMapOvr>
+    <a:masterClrMapping/>
+  </p:clrMapOvr>
+</p:sld>
+</file>
+
+<file path=ppt/slides/slide12.xml><?xml version="1.0" encoding="utf-8"?>
+<p:sld xmlns:a="http://schemas.openxmlformats.org/drawingml/2006/main" xmlns:r="http://schemas.openxmlformats.org/officeDocument/2006/relationships" xmlns:p="http://schemas.openxmlformats.org/presentationml/2006/main">
+  <p:cSld>
+    <p:spTree>
+      <p:nvGrpSpPr>
+        <p:cNvPr id="1" name=""/>
+        <p:cNvGrpSpPr/>
+        <p:nvPr/>
+      </p:nvGrpSpPr>
+      <p:grpSpPr>
+        <a:xfrm>
+          <a:off x="0" y="0"/>
+          <a:ext cx="0" cy="0"/>
+          <a:chOff x="0" y="0"/>
+          <a:chExt cx="0" cy="0"/>
+        </a:xfrm>
+      </p:grpSpPr>
+      <p:sp>
+        <p:nvSpPr>
+          <p:cNvPr id="2" name="Title 1"/>
+          <p:cNvSpPr>
+            <a:spLocks noGrp="1"/>
+          </p:cNvSpPr>
+          <p:nvPr>
+            <p:ph type="title"/>
+          </p:nvPr>
+        </p:nvSpPr>
+        <p:spPr>
+          <a:xfrm>
+            <a:off x="342796" y="417376"/>
+            <a:ext cx="10736533" cy="1325563"/>
+          </a:xfrm>
+        </p:spPr>
+        <p:txBody>
+          <a:bodyPr/>
+          <a:lstStyle/>
+          <a:p>
+            <a:r>
+              <a:rPr lang="en-US" dirty="0"/>
+              <a:t>Where to focus by State in South Region</a:t>
+            </a:r>
+          </a:p>
+        </p:txBody>
+      </p:sp>
+      <p:pic>
+        <p:nvPicPr>
+          <p:cNvPr id="6" name="Picture 5">
+            <a:extLst>
+              <a:ext uri="{FF2B5EF4-FFF2-40B4-BE49-F238E27FC236}">
+                <a16:creationId xmlns:a16="http://schemas.microsoft.com/office/drawing/2014/main" id="{2DBBAABC-F9B3-4F6C-A4B3-B9B15E4EADC9}"/>
+              </a:ext>
+            </a:extLst>
+          </p:cNvPr>
+          <p:cNvPicPr>
+            <a:picLocks noChangeAspect="1"/>
+          </p:cNvPicPr>
+          <p:nvPr/>
+        </p:nvPicPr>
+        <p:blipFill>
+          <a:blip r:embed="rId2"/>
+          <a:stretch>
+            <a:fillRect/>
+          </a:stretch>
+        </p:blipFill>
+        <p:spPr>
+          <a:xfrm>
+            <a:off x="404943" y="2858610"/>
+            <a:ext cx="6667413" cy="3778558"/>
+          </a:xfrm>
+          <a:prstGeom prst="rect">
+            <a:avLst/>
+          </a:prstGeom>
+        </p:spPr>
+      </p:pic>
+      <p:pic>
+        <p:nvPicPr>
+          <p:cNvPr id="8" name="Picture 7">
+            <a:extLst>
+              <a:ext uri="{FF2B5EF4-FFF2-40B4-BE49-F238E27FC236}">
+                <a16:creationId xmlns:a16="http://schemas.microsoft.com/office/drawing/2014/main" id="{D0AD7B08-F341-457A-882B-38C74F7261E0}"/>
+              </a:ext>
+            </a:extLst>
+          </p:cNvPr>
+          <p:cNvPicPr>
+            <a:picLocks noChangeAspect="1"/>
+          </p:cNvPicPr>
+          <p:nvPr/>
+        </p:nvPicPr>
+        <p:blipFill>
+          <a:blip r:embed="rId3"/>
+          <a:stretch>
+            <a:fillRect/>
+          </a:stretch>
+        </p:blipFill>
+        <p:spPr>
+          <a:xfrm>
+            <a:off x="7215603" y="2192785"/>
+            <a:ext cx="3129307" cy="4444384"/>
+          </a:xfrm>
+          <a:prstGeom prst="rect">
+            <a:avLst/>
+          </a:prstGeom>
+        </p:spPr>
+      </p:pic>
+      <p:sp>
+        <p:nvSpPr>
+          <p:cNvPr id="9" name="TextBox 8">
+            <a:extLst>
+              <a:ext uri="{FF2B5EF4-FFF2-40B4-BE49-F238E27FC236}">
+                <a16:creationId xmlns:a16="http://schemas.microsoft.com/office/drawing/2014/main" id="{06A4D933-DC90-4DDE-96F2-6F390232C7C5}"/>
+              </a:ext>
+            </a:extLst>
+          </p:cNvPr>
+          <p:cNvSpPr txBox="1"/>
+          <p:nvPr/>
+        </p:nvSpPr>
+        <p:spPr>
+          <a:xfrm>
+            <a:off x="342796" y="1415293"/>
+            <a:ext cx="6557877" cy="1661993"/>
+          </a:xfrm>
+          <a:prstGeom prst="rect">
+            <a:avLst/>
+          </a:prstGeom>
+          <a:noFill/>
+        </p:spPr>
+        <p:txBody>
+          <a:bodyPr wrap="square" rtlCol="0">
+            <a:spAutoFit/>
+          </a:bodyPr>
+          <a:lstStyle/>
+          <a:p>
+            <a:r>
+              <a:rPr lang="en-US" sz="2400" b="1" u="sng" dirty="0"/>
+              <a:t>Question</a:t>
+            </a:r>
+          </a:p>
+          <a:p>
+            <a:pPr marL="285750" indent="-285750">
+              <a:buFont typeface="Arial" panose="020B0604020202020204" pitchFamily="34" charset="0"/>
+              <a:buChar char="•"/>
+            </a:pPr>
+            <a:r>
+              <a:rPr lang="en-US" dirty="0"/>
+              <a:t>Which states should you prioritize in the South Region?</a:t>
+            </a:r>
+          </a:p>
+          <a:p>
+            <a:r>
+              <a:rPr lang="en-US" sz="2400" b="1" u="sng" dirty="0"/>
+              <a:t>Recommendation</a:t>
+            </a:r>
+          </a:p>
+          <a:p>
+            <a:pPr marL="285750" indent="-285750">
+              <a:buFont typeface="Arial" panose="020B0604020202020204" pitchFamily="34" charset="0"/>
+              <a:buChar char="•"/>
+            </a:pPr>
+            <a:r>
+              <a:rPr lang="en-US" dirty="0"/>
+              <a:t>North Carolina and Virginia at first</a:t>
+            </a:r>
+          </a:p>
+          <a:p>
+            <a:pPr marL="285750" indent="-285750">
+              <a:buFont typeface="Arial" panose="020B0604020202020204" pitchFamily="34" charset="0"/>
+              <a:buChar char="•"/>
+            </a:pPr>
+            <a:endParaRPr lang="en-US" dirty="0"/>
+          </a:p>
+        </p:txBody>
+      </p:sp>
+    </p:spTree>
+    <p:extLst>
+      <p:ext uri="{BB962C8B-B14F-4D97-AF65-F5344CB8AC3E}">
+        <p14:creationId xmlns:p14="http://schemas.microsoft.com/office/powerpoint/2010/main" val="3552440563"/>
+      </p:ext>
+    </p:extLst>
+  </p:cSld>
+  <p:clrMapOvr>
+    <a:masterClrMapping/>
+  </p:clrMapOvr>
+</p:sld>
+</file>
+
+<file path=ppt/slides/slide13.xml><?xml version="1.0" encoding="utf-8"?>
+<p:sld xmlns:a="http://schemas.openxmlformats.org/drawingml/2006/main" xmlns:r="http://schemas.openxmlformats.org/officeDocument/2006/relationships" xmlns:p="http://schemas.openxmlformats.org/presentationml/2006/main">
+  <p:cSld>
+    <p:spTree>
+      <p:nvGrpSpPr>
+        <p:cNvPr id="1" name=""/>
+        <p:cNvGrpSpPr/>
+        <p:nvPr/>
+      </p:nvGrpSpPr>
+      <p:grpSpPr>
+        <a:xfrm>
+          <a:off x="0" y="0"/>
+          <a:ext cx="0" cy="0"/>
+          <a:chOff x="0" y="0"/>
+          <a:chExt cx="0" cy="0"/>
+        </a:xfrm>
+      </p:grpSpPr>
+      <p:sp>
+        <p:nvSpPr>
+          <p:cNvPr id="2" name="Title 1"/>
+          <p:cNvSpPr>
+            <a:spLocks noGrp="1"/>
+          </p:cNvSpPr>
+          <p:nvPr>
+            <p:ph type="ctrTitle"/>
+          </p:nvPr>
+        </p:nvSpPr>
+        <p:spPr/>
+        <p:txBody>
+          <a:bodyPr/>
+          <a:lstStyle/>
+          <a:p>
+            <a:r>
+              <a:rPr lang="en-US" dirty="0"/>
+              <a:t>Q&amp;A</a:t>
+            </a:r>
+          </a:p>
+        </p:txBody>
+      </p:sp>
+      <p:sp>
+        <p:nvSpPr>
+          <p:cNvPr id="3" name="Subtitle 2"/>
+          <p:cNvSpPr>
+            <a:spLocks noGrp="1"/>
+          </p:cNvSpPr>
+          <p:nvPr>
+            <p:ph type="subTitle" idx="1"/>
+          </p:nvPr>
+        </p:nvSpPr>
+        <p:spPr/>
+        <p:txBody>
+          <a:bodyPr>
+            <a:normAutofit/>
+          </a:bodyPr>
+          <a:lstStyle/>
+          <a:p>
+            <a:r>
+              <a:rPr lang="en-US" sz="4000" b="1" dirty="0"/>
+              <a:t>Thank you for your time and business</a:t>
+            </a:r>
+          </a:p>
+        </p:txBody>
+      </p:sp>
+    </p:spTree>
+    <p:extLst>
+      <p:ext uri="{BB962C8B-B14F-4D97-AF65-F5344CB8AC3E}">
+        <p14:creationId xmlns:p14="http://schemas.microsoft.com/office/powerpoint/2010/main" val="3262851643"/>
+      </p:ext>
+    </p:extLst>
+  </p:cSld>
+  <p:clrMapOvr>
+    <a:masterClrMapping/>
+  </p:clrMapOvr>
+</p:sld>
+</file>
+
 <file path=ppt/slides/slide2.xml><?xml version="1.0" encoding="utf-8"?>
 <p:sld xmlns:a="http://schemas.openxmlformats.org/drawingml/2006/main" xmlns:r="http://schemas.openxmlformats.org/officeDocument/2006/relationships" xmlns:p="http://schemas.openxmlformats.org/presentationml/2006/main">
   <p:cSld>
@@ -3155,8 +3749,8 @@
         </p:nvSpPr>
         <p:spPr>
           <a:xfrm>
-            <a:off x="657726" y="1676400"/>
-            <a:ext cx="3280611" cy="3231654"/>
+            <a:off x="666604" y="1685278"/>
+            <a:ext cx="3280611" cy="5078313"/>
           </a:xfrm>
           <a:prstGeom prst="rect">
             <a:avLst/>
@@ -3202,6 +3796,22 @@
             <a:r>
               <a:rPr lang="en-US" sz="2400" dirty="0"/>
               <a:t>Top 5 = ~31% of total count</a:t>
+            </a:r>
+          </a:p>
+          <a:p>
+            <a:r>
+              <a:rPr lang="en-US" sz="2400" b="1" u="sng" dirty="0"/>
+              <a:t>Insight</a:t>
+            </a:r>
+          </a:p>
+          <a:p>
+            <a:pPr marL="285750" indent="-285750">
+              <a:buFont typeface="Arial" panose="020B0604020202020204" pitchFamily="34" charset="0"/>
+              <a:buChar char="•"/>
+            </a:pPr>
+            <a:r>
+              <a:rPr lang="en-US" sz="2400" dirty="0"/>
+              <a:t>Sales / growth / ROI initiatives likely aided by focus on top brewery states</a:t>
             </a:r>
           </a:p>
           <a:p>
@@ -3267,7 +3877,7 @@
           <a:p>
             <a:r>
               <a:rPr lang="en-US" dirty="0"/>
-              <a:t>Addressing Missing Data / NA’s</a:t>
+              <a:t>Missing Data / NA’s</a:t>
             </a:r>
           </a:p>
         </p:txBody>
@@ -3361,27 +3971,27 @@
             </a:pPr>
             <a:r>
               <a:rPr lang="en-US" sz="2400" dirty="0"/>
-              <a:t>For now we will keep them in the analysis but:</a:t>
-            </a:r>
-          </a:p>
-          <a:p>
-            <a:pPr marL="1200150" lvl="2" indent="-285750">
+              <a:t>Randomness of NA’s warrants caution in removing all rows with NA’s</a:t>
+            </a:r>
+          </a:p>
+          <a:p>
+            <a:pPr marL="742950" lvl="1" indent="-285750">
               <a:buFont typeface="Arial" panose="020B0604020202020204" pitchFamily="34" charset="0"/>
               <a:buChar char="•"/>
             </a:pPr>
             <a:r>
               <a:rPr lang="en-US" sz="2400" dirty="0"/>
-              <a:t>May need to be filtered out later to avoid misleading results</a:t>
-            </a:r>
-          </a:p>
-          <a:p>
-            <a:pPr marL="1200150" lvl="2" indent="-285750">
+              <a:t>NA’s will be removed only when we are analyzing data in the ABV and IBU columns</a:t>
+            </a:r>
+          </a:p>
+          <a:p>
+            <a:pPr marL="742950" lvl="1" indent="-285750">
               <a:buFont typeface="Arial" panose="020B0604020202020204" pitchFamily="34" charset="0"/>
               <a:buChar char="•"/>
             </a:pPr>
             <a:r>
               <a:rPr lang="en-US" sz="2400" dirty="0"/>
-              <a:t>May be removed if we can determine whether the data is missing at random or not</a:t>
+              <a:t>Otherwise, we are removing valuable data unnecessarily</a:t>
             </a:r>
           </a:p>
           <a:p>
@@ -3454,19 +4064,17 @@
       </p:sp>
       <p:pic>
         <p:nvPicPr>
-          <p:cNvPr id="5" name="Content Placeholder 4">
+          <p:cNvPr id="9" name="Picture 8">
             <a:extLst>
               <a:ext uri="{FF2B5EF4-FFF2-40B4-BE49-F238E27FC236}">
-                <a16:creationId xmlns:a16="http://schemas.microsoft.com/office/drawing/2014/main" id="{75A89B1B-F0EC-4FC6-A317-A40DCC8C59B5}"/>
+                <a16:creationId xmlns:a16="http://schemas.microsoft.com/office/drawing/2014/main" id="{2E19C695-C9FB-4C03-B6EB-0206CFCBABB4}"/>
               </a:ext>
             </a:extLst>
           </p:cNvPr>
           <p:cNvPicPr>
-            <a:picLocks noGrp="1" noChangeAspect="1"/>
+            <a:picLocks noChangeAspect="1"/>
           </p:cNvPicPr>
-          <p:nvPr>
-            <p:ph idx="1"/>
-          </p:nvPr>
+          <p:nvPr/>
         </p:nvPicPr>
         <p:blipFill>
           <a:blip r:embed="rId2"/>
@@ -3476,16 +4084,99 @@
         </p:blipFill>
         <p:spPr>
           <a:xfrm>
-            <a:off x="1298443" y="1438183"/>
-            <a:ext cx="8088942" cy="4835557"/>
+            <a:off x="3551511" y="1509205"/>
+            <a:ext cx="7334083" cy="4358936"/>
           </a:xfrm>
-          <a:ln>
-            <a:solidFill>
-              <a:schemeClr val="tx1"/>
-            </a:solidFill>
-          </a:ln>
+          <a:prstGeom prst="rect">
+            <a:avLst/>
+          </a:prstGeom>
         </p:spPr>
       </p:pic>
+      <p:sp>
+        <p:nvSpPr>
+          <p:cNvPr id="10" name="TextBox 9">
+            <a:extLst>
+              <a:ext uri="{FF2B5EF4-FFF2-40B4-BE49-F238E27FC236}">
+                <a16:creationId xmlns:a16="http://schemas.microsoft.com/office/drawing/2014/main" id="{724C7B78-C524-47DE-9EF3-8D8AFC4206ED}"/>
+              </a:ext>
+            </a:extLst>
+          </p:cNvPr>
+          <p:cNvSpPr txBox="1"/>
+          <p:nvPr/>
+        </p:nvSpPr>
+        <p:spPr>
+          <a:xfrm>
+            <a:off x="382516" y="1649766"/>
+            <a:ext cx="3280611" cy="4062651"/>
+          </a:xfrm>
+          <a:prstGeom prst="rect">
+            <a:avLst/>
+          </a:prstGeom>
+          <a:noFill/>
+        </p:spPr>
+        <p:txBody>
+          <a:bodyPr wrap="square" rtlCol="0">
+            <a:spAutoFit/>
+          </a:bodyPr>
+          <a:lstStyle/>
+          <a:p>
+            <a:r>
+              <a:rPr lang="en-US" sz="2400" b="1" u="sng" dirty="0"/>
+              <a:t>Summary statistics</a:t>
+            </a:r>
+          </a:p>
+          <a:p>
+            <a:pPr marL="285750" indent="-285750">
+              <a:buFont typeface="Arial" panose="020B0604020202020204" pitchFamily="34" charset="0"/>
+              <a:buChar char="•"/>
+            </a:pPr>
+            <a:r>
+              <a:rPr lang="en-US" sz="2400" dirty="0"/>
+              <a:t>Tight range from 0.04 to 0.625</a:t>
+            </a:r>
+          </a:p>
+          <a:p>
+            <a:pPr marL="285750" indent="-285750">
+              <a:buFont typeface="Arial" panose="020B0604020202020204" pitchFamily="34" charset="0"/>
+              <a:buChar char="•"/>
+            </a:pPr>
+            <a:r>
+              <a:rPr lang="en-US" sz="2400" dirty="0"/>
+              <a:t>Median &amp; mean = 0.056</a:t>
+            </a:r>
+          </a:p>
+          <a:p>
+            <a:pPr marL="285750" indent="-285750">
+              <a:buFont typeface="Arial" panose="020B0604020202020204" pitchFamily="34" charset="0"/>
+              <a:buChar char="•"/>
+            </a:pPr>
+            <a:endParaRPr lang="en-US" sz="2400" dirty="0"/>
+          </a:p>
+          <a:p>
+            <a:r>
+              <a:rPr lang="en-US" sz="2400" b="1" u="sng" dirty="0"/>
+              <a:t>Insight</a:t>
+            </a:r>
+          </a:p>
+          <a:p>
+            <a:pPr marL="285750" indent="-285750">
+              <a:buFont typeface="Arial" panose="020B0604020202020204" pitchFamily="34" charset="0"/>
+              <a:buChar char="•"/>
+            </a:pPr>
+            <a:r>
+              <a:rPr lang="en-US" sz="2400" dirty="0"/>
+              <a:t>Minimal value add from this metric given tight range</a:t>
+            </a:r>
+          </a:p>
+          <a:p>
+            <a:pPr marL="285750" indent="-285750">
+              <a:buFont typeface="Arial" panose="020B0604020202020204" pitchFamily="34" charset="0"/>
+              <a:buChar char="•"/>
+            </a:pPr>
+            <a:endParaRPr lang="en-US" dirty="0"/>
+          </a:p>
+        </p:txBody>
+      </p:sp>
     </p:spTree>
     <p:extLst>
       <p:ext uri="{BB962C8B-B14F-4D97-AF65-F5344CB8AC3E}">
@@ -3542,10 +4233,10 @@
       </p:sp>
       <p:pic>
         <p:nvPicPr>
-          <p:cNvPr id="7" name="Picture 6">
+          <p:cNvPr id="4" name="Picture 3">
             <a:extLst>
               <a:ext uri="{FF2B5EF4-FFF2-40B4-BE49-F238E27FC236}">
-                <a16:creationId xmlns:a16="http://schemas.microsoft.com/office/drawing/2014/main" id="{5F79DE46-13BD-492F-AFF9-57244368DC35}"/>
+                <a16:creationId xmlns:a16="http://schemas.microsoft.com/office/drawing/2014/main" id="{D37033EF-4D4C-41AF-A39A-686119DBA213}"/>
               </a:ext>
             </a:extLst>
           </p:cNvPr>
@@ -3562,19 +4253,109 @@
         </p:blipFill>
         <p:spPr>
           <a:xfrm>
-            <a:off x="1212789" y="1484242"/>
-            <a:ext cx="8431659" cy="4729433"/>
+            <a:off x="3630967" y="1452582"/>
+            <a:ext cx="7176024" cy="4274948"/>
           </a:xfrm>
           <a:prstGeom prst="rect">
             <a:avLst/>
           </a:prstGeom>
-          <a:ln>
-            <a:solidFill>
-              <a:schemeClr val="tx1"/>
-            </a:solidFill>
-          </a:ln>
         </p:spPr>
       </p:pic>
+      <p:sp>
+        <p:nvSpPr>
+          <p:cNvPr id="6" name="TextBox 5">
+            <a:extLst>
+              <a:ext uri="{FF2B5EF4-FFF2-40B4-BE49-F238E27FC236}">
+                <a16:creationId xmlns:a16="http://schemas.microsoft.com/office/drawing/2014/main" id="{0E16046F-EC35-4603-90EA-0F7CFC14D4CE}"/>
+              </a:ext>
+            </a:extLst>
+          </p:cNvPr>
+          <p:cNvSpPr txBox="1"/>
+          <p:nvPr/>
+        </p:nvSpPr>
+        <p:spPr>
+          <a:xfrm>
+            <a:off x="382516" y="1649766"/>
+            <a:ext cx="3280611" cy="4431983"/>
+          </a:xfrm>
+          <a:prstGeom prst="rect">
+            <a:avLst/>
+          </a:prstGeom>
+          <a:noFill/>
+        </p:spPr>
+        <p:txBody>
+          <a:bodyPr wrap="square" rtlCol="0">
+            <a:spAutoFit/>
+          </a:bodyPr>
+          <a:lstStyle/>
+          <a:p>
+            <a:r>
+              <a:rPr lang="en-US" sz="2400" b="1" u="sng" dirty="0"/>
+              <a:t>Summary statistics</a:t>
+            </a:r>
+          </a:p>
+          <a:p>
+            <a:pPr marL="285750" indent="-285750">
+              <a:buFont typeface="Arial" panose="020B0604020202020204" pitchFamily="34" charset="0"/>
+              <a:buChar char="•"/>
+            </a:pPr>
+            <a:r>
+              <a:rPr lang="en-US" sz="2400" dirty="0"/>
+              <a:t>Broader range 19 to 61</a:t>
+            </a:r>
+          </a:p>
+          <a:p>
+            <a:pPr marL="285750" indent="-285750">
+              <a:buFont typeface="Arial" panose="020B0604020202020204" pitchFamily="34" charset="0"/>
+              <a:buChar char="•"/>
+            </a:pPr>
+            <a:r>
+              <a:rPr lang="en-US" sz="2400" dirty="0"/>
+              <a:t>Median = 37</a:t>
+            </a:r>
+          </a:p>
+          <a:p>
+            <a:pPr marL="285750" indent="-285750">
+              <a:buFont typeface="Arial" panose="020B0604020202020204" pitchFamily="34" charset="0"/>
+              <a:buChar char="•"/>
+            </a:pPr>
+            <a:r>
+              <a:rPr lang="en-US" sz="2400" dirty="0"/>
+              <a:t>Mean = 35</a:t>
+            </a:r>
+          </a:p>
+          <a:p>
+            <a:pPr marL="285750" indent="-285750">
+              <a:buFont typeface="Arial" panose="020B0604020202020204" pitchFamily="34" charset="0"/>
+              <a:buChar char="•"/>
+            </a:pPr>
+            <a:endParaRPr lang="en-US" sz="2400" dirty="0"/>
+          </a:p>
+          <a:p>
+            <a:r>
+              <a:rPr lang="en-US" sz="2400" b="1" u="sng" dirty="0"/>
+              <a:t>Insight</a:t>
+            </a:r>
+          </a:p>
+          <a:p>
+            <a:pPr marL="285750" indent="-285750">
+              <a:buFont typeface="Arial" panose="020B0604020202020204" pitchFamily="34" charset="0"/>
+              <a:buChar char="•"/>
+            </a:pPr>
+            <a:r>
+              <a:rPr lang="en-US" sz="2400" dirty="0"/>
+              <a:t>IBUs and associated costs need attention when determining growth strategy</a:t>
+            </a:r>
+          </a:p>
+          <a:p>
+            <a:pPr marL="285750" indent="-285750">
+              <a:buFont typeface="Arial" panose="020B0604020202020204" pitchFamily="34" charset="0"/>
+              <a:buChar char="•"/>
+            </a:pPr>
+            <a:endParaRPr lang="en-US" dirty="0"/>
+          </a:p>
+        </p:txBody>
+      </p:sp>
     </p:spTree>
     <p:extLst>
       <p:ext uri="{BB962C8B-B14F-4D97-AF65-F5344CB8AC3E}">
@@ -3666,7 +4447,7 @@
     </p:spTree>
     <p:extLst>
       <p:ext uri="{BB962C8B-B14F-4D97-AF65-F5344CB8AC3E}">
-        <p14:creationId xmlns:p14="http://schemas.microsoft.com/office/powerpoint/2010/main" val="2208917884"/>
+        <p14:creationId xmlns:p14="http://schemas.microsoft.com/office/powerpoint/2010/main" val="840542936"/>
       </p:ext>
     </p:extLst>
   </p:cSld>

--- a/DDS Project1 - Reed_Miller.pptx
+++ b/DDS Project1 - Reed_Miller.pptx
@@ -14,10 +14,11 @@
     <p:sldId id="264" r:id="rId8"/>
     <p:sldId id="265" r:id="rId9"/>
     <p:sldId id="266" r:id="rId10"/>
-    <p:sldId id="267" r:id="rId11"/>
-    <p:sldId id="269" r:id="rId12"/>
-    <p:sldId id="270" r:id="rId13"/>
-    <p:sldId id="271" r:id="rId14"/>
+    <p:sldId id="272" r:id="rId11"/>
+    <p:sldId id="267" r:id="rId12"/>
+    <p:sldId id="269" r:id="rId13"/>
+    <p:sldId id="270" r:id="rId14"/>
+    <p:sldId id="271" r:id="rId15"/>
   </p:sldIdLst>
   <p:sldSz cx="12192000" cy="6858000"/>
   <p:notesSz cx="6858000" cy="9144000"/>
@@ -124,229 +125,6 @@
 </p:presentation>
 </file>
 
-<file path=ppt/changesInfos/changesInfo1.xml><?xml version="1.0" encoding="utf-8"?>
-<pc:chgInfo xmlns:a="http://schemas.openxmlformats.org/drawingml/2006/main" xmlns:r="http://schemas.openxmlformats.org/officeDocument/2006/relationships" xmlns:ac="http://schemas.microsoft.com/office/drawing/2013/main/command" xmlns:pc="http://schemas.microsoft.com/office/powerpoint/2013/main/command">
-  <pc:docChgLst>
-    <pc:chgData name="Jeffrey Reed" userId="fcb1cda2969150a1" providerId="LiveId" clId="{457948ED-0F47-4541-BFB7-E0684BF35697}"/>
-    <pc:docChg chg="undo custSel addSld delSld modSld">
-      <pc:chgData name="Jeffrey Reed" userId="fcb1cda2969150a1" providerId="LiveId" clId="{457948ED-0F47-4541-BFB7-E0684BF35697}" dt="2021-06-18T15:49:10.465" v="720" actId="114"/>
-      <pc:docMkLst>
-        <pc:docMk/>
-      </pc:docMkLst>
-      <pc:sldChg chg="modSp mod">
-        <pc:chgData name="Jeffrey Reed" userId="fcb1cda2969150a1" providerId="LiveId" clId="{457948ED-0F47-4541-BFB7-E0684BF35697}" dt="2021-06-18T15:41:24.186" v="162" actId="1036"/>
-        <pc:sldMkLst>
-          <pc:docMk/>
-          <pc:sldMk cId="2431684349" sldId="258"/>
-        </pc:sldMkLst>
-        <pc:spChg chg="mod">
-          <ac:chgData name="Jeffrey Reed" userId="fcb1cda2969150a1" providerId="LiveId" clId="{457948ED-0F47-4541-BFB7-E0684BF35697}" dt="2021-06-18T15:41:24.186" v="162" actId="1036"/>
-          <ac:spMkLst>
-            <pc:docMk/>
-            <pc:sldMk cId="2431684349" sldId="258"/>
-            <ac:spMk id="8" creationId="{DF1A2F41-4522-46D2-9E51-F1F2B57ADD57}"/>
-          </ac:spMkLst>
-        </pc:spChg>
-      </pc:sldChg>
-      <pc:sldChg chg="addSp delSp modSp add mod">
-        <pc:chgData name="Jeffrey Reed" userId="fcb1cda2969150a1" providerId="LiveId" clId="{457948ED-0F47-4541-BFB7-E0684BF35697}" dt="2021-06-18T15:49:10.465" v="720" actId="114"/>
-        <pc:sldMkLst>
-          <pc:docMk/>
-          <pc:sldMk cId="319737450" sldId="267"/>
-        </pc:sldMkLst>
-        <pc:spChg chg="mod">
-          <ac:chgData name="Jeffrey Reed" userId="fcb1cda2969150a1" providerId="LiveId" clId="{457948ED-0F47-4541-BFB7-E0684BF35697}" dt="2021-06-18T15:49:10.465" v="720" actId="114"/>
-          <ac:spMkLst>
-            <pc:docMk/>
-            <pc:sldMk cId="319737450" sldId="267"/>
-            <ac:spMk id="2" creationId="{00000000-0000-0000-0000-000000000000}"/>
-          </ac:spMkLst>
-        </pc:spChg>
-        <pc:spChg chg="del">
-          <ac:chgData name="Jeffrey Reed" userId="fcb1cda2969150a1" providerId="LiveId" clId="{457948ED-0F47-4541-BFB7-E0684BF35697}" dt="2021-06-18T15:24:12.759" v="1" actId="478"/>
-          <ac:spMkLst>
-            <pc:docMk/>
-            <pc:sldMk cId="319737450" sldId="267"/>
-            <ac:spMk id="3" creationId="{00000000-0000-0000-0000-000000000000}"/>
-          </ac:spMkLst>
-        </pc:spChg>
-        <pc:spChg chg="add del mod">
-          <ac:chgData name="Jeffrey Reed" userId="fcb1cda2969150a1" providerId="LiveId" clId="{457948ED-0F47-4541-BFB7-E0684BF35697}" dt="2021-06-18T15:24:28.930" v="6" actId="478"/>
-          <ac:spMkLst>
-            <pc:docMk/>
-            <pc:sldMk cId="319737450" sldId="267"/>
-            <ac:spMk id="5" creationId="{B0B65BEC-9171-4527-AB7F-E27DFB24FBBD}"/>
-          </ac:spMkLst>
-        </pc:spChg>
-        <pc:picChg chg="add mod">
-          <ac:chgData name="Jeffrey Reed" userId="fcb1cda2969150a1" providerId="LiveId" clId="{457948ED-0F47-4541-BFB7-E0684BF35697}" dt="2021-06-18T15:48:51.007" v="718" actId="1036"/>
-          <ac:picMkLst>
-            <pc:docMk/>
-            <pc:sldMk cId="319737450" sldId="267"/>
-            <ac:picMk id="7" creationId="{B1CAF263-B1C6-483A-9DCA-FFA03369F9BF}"/>
-          </ac:picMkLst>
-        </pc:picChg>
-      </pc:sldChg>
-      <pc:sldChg chg="addSp delSp modSp add del mod">
-        <pc:chgData name="Jeffrey Reed" userId="fcb1cda2969150a1" providerId="LiveId" clId="{457948ED-0F47-4541-BFB7-E0684BF35697}" dt="2021-06-18T15:28:50.108" v="78" actId="47"/>
-        <pc:sldMkLst>
-          <pc:docMk/>
-          <pc:sldMk cId="1801789794" sldId="268"/>
-        </pc:sldMkLst>
-        <pc:spChg chg="mod">
-          <ac:chgData name="Jeffrey Reed" userId="fcb1cda2969150a1" providerId="LiveId" clId="{457948ED-0F47-4541-BFB7-E0684BF35697}" dt="2021-06-18T15:25:29.658" v="69" actId="20577"/>
-          <ac:spMkLst>
-            <pc:docMk/>
-            <pc:sldMk cId="1801789794" sldId="268"/>
-            <ac:spMk id="2" creationId="{00000000-0000-0000-0000-000000000000}"/>
-          </ac:spMkLst>
-        </pc:spChg>
-        <pc:picChg chg="add mod">
-          <ac:chgData name="Jeffrey Reed" userId="fcb1cda2969150a1" providerId="LiveId" clId="{457948ED-0F47-4541-BFB7-E0684BF35697}" dt="2021-06-18T15:26:53.886" v="73" actId="1076"/>
-          <ac:picMkLst>
-            <pc:docMk/>
-            <pc:sldMk cId="1801789794" sldId="268"/>
-            <ac:picMk id="4" creationId="{52BED7E7-3BEA-46E5-8AF5-E879CF582CB0}"/>
-          </ac:picMkLst>
-        </pc:picChg>
-        <pc:picChg chg="del">
-          <ac:chgData name="Jeffrey Reed" userId="fcb1cda2969150a1" providerId="LiveId" clId="{457948ED-0F47-4541-BFB7-E0684BF35697}" dt="2021-06-18T15:26:47.360" v="70" actId="478"/>
-          <ac:picMkLst>
-            <pc:docMk/>
-            <pc:sldMk cId="1801789794" sldId="268"/>
-            <ac:picMk id="7" creationId="{B1CAF263-B1C6-483A-9DCA-FFA03369F9BF}"/>
-          </ac:picMkLst>
-        </pc:picChg>
-      </pc:sldChg>
-      <pc:sldChg chg="add del">
-        <pc:chgData name="Jeffrey Reed" userId="fcb1cda2969150a1" providerId="LiveId" clId="{457948ED-0F47-4541-BFB7-E0684BF35697}" dt="2021-06-18T15:24:21.578" v="3" actId="47"/>
-        <pc:sldMkLst>
-          <pc:docMk/>
-          <pc:sldMk cId="1951309692" sldId="268"/>
-        </pc:sldMkLst>
-      </pc:sldChg>
-      <pc:sldChg chg="addSp modSp add mod">
-        <pc:chgData name="Jeffrey Reed" userId="fcb1cda2969150a1" providerId="LiveId" clId="{457948ED-0F47-4541-BFB7-E0684BF35697}" dt="2021-06-18T15:43:58.180" v="393" actId="20577"/>
-        <pc:sldMkLst>
-          <pc:docMk/>
-          <pc:sldMk cId="3722234494" sldId="269"/>
-        </pc:sldMkLst>
-        <pc:spChg chg="mod">
-          <ac:chgData name="Jeffrey Reed" userId="fcb1cda2969150a1" providerId="LiveId" clId="{457948ED-0F47-4541-BFB7-E0684BF35697}" dt="2021-06-18T15:39:56.786" v="148" actId="20577"/>
-          <ac:spMkLst>
-            <pc:docMk/>
-            <pc:sldMk cId="3722234494" sldId="269"/>
-            <ac:spMk id="2" creationId="{00000000-0000-0000-0000-000000000000}"/>
-          </ac:spMkLst>
-        </pc:spChg>
-        <pc:spChg chg="add mod">
-          <ac:chgData name="Jeffrey Reed" userId="fcb1cda2969150a1" providerId="LiveId" clId="{457948ED-0F47-4541-BFB7-E0684BF35697}" dt="2021-06-18T15:43:58.180" v="393" actId="20577"/>
-          <ac:spMkLst>
-            <pc:docMk/>
-            <pc:sldMk cId="3722234494" sldId="269"/>
-            <ac:spMk id="6" creationId="{E7DF436C-F56E-47E1-BC5A-89E5F80F0281}"/>
-          </ac:spMkLst>
-        </pc:spChg>
-        <pc:picChg chg="mod">
-          <ac:chgData name="Jeffrey Reed" userId="fcb1cda2969150a1" providerId="LiveId" clId="{457948ED-0F47-4541-BFB7-E0684BF35697}" dt="2021-06-18T15:29:02.025" v="80" actId="14100"/>
-          <ac:picMkLst>
-            <pc:docMk/>
-            <pc:sldMk cId="3722234494" sldId="269"/>
-            <ac:picMk id="4" creationId="{52BED7E7-3BEA-46E5-8AF5-E879CF582CB0}"/>
-          </ac:picMkLst>
-        </pc:picChg>
-        <pc:picChg chg="add mod">
-          <ac:chgData name="Jeffrey Reed" userId="fcb1cda2969150a1" providerId="LiveId" clId="{457948ED-0F47-4541-BFB7-E0684BF35697}" dt="2021-06-18T15:29:05.873" v="111" actId="1037"/>
-          <ac:picMkLst>
-            <pc:docMk/>
-            <pc:sldMk cId="3722234494" sldId="269"/>
-            <ac:picMk id="5" creationId="{BC668065-65B8-4EE5-BA2A-3478C30B9165}"/>
-          </ac:picMkLst>
-        </pc:picChg>
-      </pc:sldChg>
-      <pc:sldChg chg="addSp delSp modSp add mod">
-        <pc:chgData name="Jeffrey Reed" userId="fcb1cda2969150a1" providerId="LiveId" clId="{457948ED-0F47-4541-BFB7-E0684BF35697}" dt="2021-06-18T15:46:58.177" v="609" actId="20577"/>
-        <pc:sldMkLst>
-          <pc:docMk/>
-          <pc:sldMk cId="3552440563" sldId="270"/>
-        </pc:sldMkLst>
-        <pc:spChg chg="mod">
-          <ac:chgData name="Jeffrey Reed" userId="fcb1cda2969150a1" providerId="LiveId" clId="{457948ED-0F47-4541-BFB7-E0684BF35697}" dt="2021-06-18T15:44:35.454" v="417" actId="1037"/>
-          <ac:spMkLst>
-            <pc:docMk/>
-            <pc:sldMk cId="3552440563" sldId="270"/>
-            <ac:spMk id="2" creationId="{00000000-0000-0000-0000-000000000000}"/>
-          </ac:spMkLst>
-        </pc:spChg>
-        <pc:spChg chg="add mod">
-          <ac:chgData name="Jeffrey Reed" userId="fcb1cda2969150a1" providerId="LiveId" clId="{457948ED-0F47-4541-BFB7-E0684BF35697}" dt="2021-06-18T15:46:58.177" v="609" actId="20577"/>
-          <ac:spMkLst>
-            <pc:docMk/>
-            <pc:sldMk cId="3552440563" sldId="270"/>
-            <ac:spMk id="9" creationId="{06A4D933-DC90-4DDE-96F2-6F390232C7C5}"/>
-          </ac:spMkLst>
-        </pc:spChg>
-        <pc:picChg chg="del">
-          <ac:chgData name="Jeffrey Reed" userId="fcb1cda2969150a1" providerId="LiveId" clId="{457948ED-0F47-4541-BFB7-E0684BF35697}" dt="2021-06-18T15:32:43.144" v="113" actId="478"/>
-          <ac:picMkLst>
-            <pc:docMk/>
-            <pc:sldMk cId="3552440563" sldId="270"/>
-            <ac:picMk id="4" creationId="{52BED7E7-3BEA-46E5-8AF5-E879CF582CB0}"/>
-          </ac:picMkLst>
-        </pc:picChg>
-        <pc:picChg chg="del">
-          <ac:chgData name="Jeffrey Reed" userId="fcb1cda2969150a1" providerId="LiveId" clId="{457948ED-0F47-4541-BFB7-E0684BF35697}" dt="2021-06-18T15:38:09.615" v="117" actId="478"/>
-          <ac:picMkLst>
-            <pc:docMk/>
-            <pc:sldMk cId="3552440563" sldId="270"/>
-            <ac:picMk id="5" creationId="{BC668065-65B8-4EE5-BA2A-3478C30B9165}"/>
-          </ac:picMkLst>
-        </pc:picChg>
-        <pc:picChg chg="add mod">
-          <ac:chgData name="Jeffrey Reed" userId="fcb1cda2969150a1" providerId="LiveId" clId="{457948ED-0F47-4541-BFB7-E0684BF35697}" dt="2021-06-18T15:45:24.364" v="510" actId="14100"/>
-          <ac:picMkLst>
-            <pc:docMk/>
-            <pc:sldMk cId="3552440563" sldId="270"/>
-            <ac:picMk id="6" creationId="{2DBBAABC-F9B3-4F6C-A4B3-B9B15E4EADC9}"/>
-          </ac:picMkLst>
-        </pc:picChg>
-        <pc:picChg chg="add mod">
-          <ac:chgData name="Jeffrey Reed" userId="fcb1cda2969150a1" providerId="LiveId" clId="{457948ED-0F47-4541-BFB7-E0684BF35697}" dt="2021-06-18T15:39:18.629" v="121" actId="14100"/>
-          <ac:picMkLst>
-            <pc:docMk/>
-            <pc:sldMk cId="3552440563" sldId="270"/>
-            <ac:picMk id="8" creationId="{D0AD7B08-F341-457A-882B-38C74F7261E0}"/>
-          </ac:picMkLst>
-        </pc:picChg>
-      </pc:sldChg>
-      <pc:sldChg chg="modSp add mod">
-        <pc:chgData name="Jeffrey Reed" userId="fcb1cda2969150a1" providerId="LiveId" clId="{457948ED-0F47-4541-BFB7-E0684BF35697}" dt="2021-06-18T15:47:46.430" v="675" actId="20577"/>
-        <pc:sldMkLst>
-          <pc:docMk/>
-          <pc:sldMk cId="3262851643" sldId="271"/>
-        </pc:sldMkLst>
-        <pc:spChg chg="mod">
-          <ac:chgData name="Jeffrey Reed" userId="fcb1cda2969150a1" providerId="LiveId" clId="{457948ED-0F47-4541-BFB7-E0684BF35697}" dt="2021-06-18T15:47:30.816" v="633" actId="20577"/>
-          <ac:spMkLst>
-            <pc:docMk/>
-            <pc:sldMk cId="3262851643" sldId="271"/>
-            <ac:spMk id="2" creationId="{00000000-0000-0000-0000-000000000000}"/>
-          </ac:spMkLst>
-        </pc:spChg>
-        <pc:spChg chg="mod">
-          <ac:chgData name="Jeffrey Reed" userId="fcb1cda2969150a1" providerId="LiveId" clId="{457948ED-0F47-4541-BFB7-E0684BF35697}" dt="2021-06-18T15:47:46.430" v="675" actId="20577"/>
-          <ac:spMkLst>
-            <pc:docMk/>
-            <pc:sldMk cId="3262851643" sldId="271"/>
-            <ac:spMk id="3" creationId="{00000000-0000-0000-0000-000000000000}"/>
-          </ac:spMkLst>
-        </pc:spChg>
-      </pc:sldChg>
-    </pc:docChg>
-  </pc:docChgLst>
-</pc:chgInfo>
-</file>
-
 <file path=ppt/slideLayouts/slideLayout1.xml><?xml version="1.0" encoding="utf-8"?>
 <p:sldLayout xmlns:a="http://schemas.openxmlformats.org/drawingml/2006/main" xmlns:r="http://schemas.openxmlformats.org/officeDocument/2006/relationships" xmlns:p="http://schemas.openxmlformats.org/presentationml/2006/main" type="title" preserve="1">
   <p:cSld name="Title Slide">
@@ -505,7 +283,7 @@
             <a:fld id="{276D79ED-3FA7-4EF8-964B-EB8BCFAB02F8}" type="datetimeFigureOut">
               <a:rPr lang="en-US" smtClean="0"/>
               <a:pPr/>
-              <a:t>6/18/2021</a:t>
+              <a:t>6/23/2021</a:t>
             </a:fld>
             <a:endParaRPr lang="en-US"/>
           </a:p>
@@ -690,7 +468,7 @@
           <a:p>
             <a:fld id="{276D79ED-3FA7-4EF8-964B-EB8BCFAB02F8}" type="datetimeFigureOut">
               <a:rPr lang="en-US" smtClean="0"/>
-              <a:t>6/18/2021</a:t>
+              <a:t>6/23/2021</a:t>
             </a:fld>
             <a:endParaRPr lang="en-US"/>
           </a:p>
@@ -936,7 +714,7 @@
           <a:p>
             <a:fld id="{276D79ED-3FA7-4EF8-964B-EB8BCFAB02F8}" type="datetimeFigureOut">
               <a:rPr lang="en-US" smtClean="0"/>
-              <a:t>6/18/2021</a:t>
+              <a:t>6/23/2021</a:t>
             </a:fld>
             <a:endParaRPr lang="en-US"/>
           </a:p>
@@ -1167,7 +945,7 @@
           <a:p>
             <a:fld id="{276D79ED-3FA7-4EF8-964B-EB8BCFAB02F8}" type="datetimeFigureOut">
               <a:rPr lang="en-US" smtClean="0"/>
-              <a:t>6/18/2021</a:t>
+              <a:t>6/23/2021</a:t>
             </a:fld>
             <a:endParaRPr lang="en-US"/>
           </a:p>
@@ -1531,7 +1309,7 @@
           <a:p>
             <a:fld id="{276D79ED-3FA7-4EF8-964B-EB8BCFAB02F8}" type="datetimeFigureOut">
               <a:rPr lang="en-US" smtClean="0"/>
-              <a:t>6/18/2021</a:t>
+              <a:t>6/23/2021</a:t>
             </a:fld>
             <a:endParaRPr lang="en-US"/>
           </a:p>
@@ -1648,7 +1426,7 @@
           <a:p>
             <a:fld id="{276D79ED-3FA7-4EF8-964B-EB8BCFAB02F8}" type="datetimeFigureOut">
               <a:rPr lang="en-US" smtClean="0"/>
-              <a:t>6/18/2021</a:t>
+              <a:t>6/23/2021</a:t>
             </a:fld>
             <a:endParaRPr lang="en-US"/>
           </a:p>
@@ -1743,7 +1521,7 @@
           <a:p>
             <a:fld id="{276D79ED-3FA7-4EF8-964B-EB8BCFAB02F8}" type="datetimeFigureOut">
               <a:rPr lang="en-US" smtClean="0"/>
-              <a:t>6/18/2021</a:t>
+              <a:t>6/23/2021</a:t>
             </a:fld>
             <a:endParaRPr lang="en-US"/>
           </a:p>
@@ -2019,7 +1797,7 @@
           <a:p>
             <a:fld id="{276D79ED-3FA7-4EF8-964B-EB8BCFAB02F8}" type="datetimeFigureOut">
               <a:rPr lang="en-US" smtClean="0"/>
-              <a:t>6/18/2021</a:t>
+              <a:t>6/23/2021</a:t>
             </a:fld>
             <a:endParaRPr lang="en-US"/>
           </a:p>
@@ -2275,7 +2053,7 @@
           <a:p>
             <a:fld id="{276D79ED-3FA7-4EF8-964B-EB8BCFAB02F8}" type="datetimeFigureOut">
               <a:rPr lang="en-US" smtClean="0"/>
-              <a:t>6/18/2021</a:t>
+              <a:t>6/23/2021</a:t>
             </a:fld>
             <a:endParaRPr lang="en-US"/>
           </a:p>
@@ -2495,7 +2273,7 @@
           <a:p>
             <a:fld id="{276D79ED-3FA7-4EF8-964B-EB8BCFAB02F8}" type="datetimeFigureOut">
               <a:rPr lang="en-US" smtClean="0"/>
-              <a:t>6/18/2021</a:t>
+              <a:t>6/23/2021</a:t>
             </a:fld>
             <a:endParaRPr lang="en-US"/>
           </a:p>
@@ -3098,7 +2876,13 @@
       </p:grpSpPr>
       <p:sp>
         <p:nvSpPr>
-          <p:cNvPr id="2" name="Title 1"/>
+          <p:cNvPr id="2" name="Title 1">
+            <a:extLst>
+              <a:ext uri="{FF2B5EF4-FFF2-40B4-BE49-F238E27FC236}">
+                <a16:creationId xmlns:a16="http://schemas.microsoft.com/office/drawing/2014/main" id="{206B6503-E415-44B7-AFE7-955636FC4CDB}"/>
+              </a:ext>
+            </a:extLst>
+          </p:cNvPr>
           <p:cNvSpPr>
             <a:spLocks noGrp="1"/>
           </p:cNvSpPr>
@@ -3106,24 +2890,84 @@
             <p:ph type="title"/>
           </p:nvPr>
         </p:nvSpPr>
-        <p:spPr/>
+        <p:spPr>
+          <a:xfrm>
+            <a:off x="427314" y="247476"/>
+            <a:ext cx="10047352" cy="1325563"/>
+          </a:xfrm>
+        </p:spPr>
         <p:txBody>
           <a:bodyPr/>
           <a:lstStyle/>
           <a:p>
             <a:r>
               <a:rPr lang="en-US" dirty="0"/>
-              <a:t>Insight – Where to Focus Sales Penetration?</a:t>
+              <a:t>IBU/ABV KNN Classification</a:t>
+            </a:r>
+          </a:p>
+        </p:txBody>
+      </p:sp>
+      <p:sp>
+        <p:nvSpPr>
+          <p:cNvPr id="3" name="Content Placeholder 2">
+            <a:extLst>
+              <a:ext uri="{FF2B5EF4-FFF2-40B4-BE49-F238E27FC236}">
+                <a16:creationId xmlns:a16="http://schemas.microsoft.com/office/drawing/2014/main" id="{3D3ED5D0-3BC0-4959-B501-7CA71ED6975C}"/>
+              </a:ext>
+            </a:extLst>
+          </p:cNvPr>
+          <p:cNvSpPr>
+            <a:spLocks noGrp="1"/>
+          </p:cNvSpPr>
+          <p:nvPr>
+            <p:ph idx="1"/>
+          </p:nvPr>
+        </p:nvSpPr>
+        <p:spPr>
+          <a:xfrm>
+            <a:off x="404943" y="1677798"/>
+            <a:ext cx="5626740" cy="4932726"/>
+          </a:xfrm>
+        </p:spPr>
+        <p:txBody>
+          <a:bodyPr>
+            <a:normAutofit fontScale="92500" lnSpcReduction="20000"/>
+          </a:bodyPr>
+          <a:lstStyle/>
+          <a:p>
+            <a:r>
+              <a:rPr lang="en-US" dirty="0"/>
+              <a:t>Using KNN, k= 14, the model correctly identified between IPA and non-IPA ales correctly 87.3% of the time.</a:t>
+            </a:r>
+          </a:p>
+          <a:p>
+            <a:pPr lvl="1"/>
+            <a:r>
+              <a:rPr lang="en-US" dirty="0"/>
+              <a:t>For each ale, KNN uses the closest 14 ales on the graph to determine whether it is an IPA or not.</a:t>
+            </a:r>
+          </a:p>
+          <a:p>
+            <a:pPr lvl="1"/>
+            <a:r>
+              <a:rPr lang="en-US" dirty="0"/>
+              <a:t>If 8 of the 14 closest ales on the graph are IPAs, then that ale would be identified as an IPA since that is more than 50%.</a:t>
+            </a:r>
+          </a:p>
+          <a:p>
+            <a:r>
+              <a:rPr lang="en-US" dirty="0"/>
+              <a:t>This confirms there is a strong relationship between an ale’s IBU/ABV and IPAs tend to have a higher values for both, as we can see on the chart.</a:t>
             </a:r>
           </a:p>
         </p:txBody>
       </p:sp>
       <p:pic>
         <p:nvPicPr>
-          <p:cNvPr id="7" name="Picture 6">
+          <p:cNvPr id="11" name="Picture 10" descr="Chart, scatter chart&#10;&#10;Description automatically generated">
             <a:extLst>
               <a:ext uri="{FF2B5EF4-FFF2-40B4-BE49-F238E27FC236}">
-                <a16:creationId xmlns:a16="http://schemas.microsoft.com/office/drawing/2014/main" id="{B1CAF263-B1C6-483A-9DCA-FFA03369F9BF}"/>
+                <a16:creationId xmlns:a16="http://schemas.microsoft.com/office/drawing/2014/main" id="{14A18C91-B550-4A49-B4C8-01CF9B594147}"/>
               </a:ext>
             </a:extLst>
           </p:cNvPr>
@@ -3133,25 +2977,36 @@
           <p:nvPr/>
         </p:nvPicPr>
         <p:blipFill>
-          <a:blip r:embed="rId2"/>
+          <a:blip r:embed="rId2">
+            <a:extLst>
+              <a:ext uri="{28A0092B-C50C-407E-A947-70E740481C1C}">
+                <a14:useLocalDpi xmlns:a14="http://schemas.microsoft.com/office/drawing/2010/main" val="0"/>
+              </a:ext>
+            </a:extLst>
+          </a:blip>
           <a:stretch>
             <a:fillRect/>
           </a:stretch>
         </p:blipFill>
         <p:spPr>
           <a:xfrm>
-            <a:off x="1083076" y="1623715"/>
-            <a:ext cx="8969406" cy="4914567"/>
+            <a:off x="6031683" y="1769578"/>
+            <a:ext cx="6096000" cy="3762103"/>
           </a:xfrm>
           <a:prstGeom prst="rect">
             <a:avLst/>
           </a:prstGeom>
+          <a:ln>
+            <a:solidFill>
+              <a:schemeClr val="tx1"/>
+            </a:solidFill>
+          </a:ln>
         </p:spPr>
       </p:pic>
     </p:spTree>
     <p:extLst>
       <p:ext uri="{BB962C8B-B14F-4D97-AF65-F5344CB8AC3E}">
-        <p14:creationId xmlns:p14="http://schemas.microsoft.com/office/powerpoint/2010/main" val="319737450"/>
+        <p14:creationId xmlns:p14="http://schemas.microsoft.com/office/powerpoint/2010/main" val="1412201684"/>
       </p:ext>
     </p:extLst>
   </p:cSld>
@@ -3195,17 +3050,17 @@
           <a:p>
             <a:r>
               <a:rPr lang="en-US" dirty="0"/>
-              <a:t>Where to focus by Region</a:t>
+              <a:t>Insight – Where to Focus Sales Penetration?</a:t>
             </a:r>
           </a:p>
         </p:txBody>
       </p:sp>
       <p:pic>
         <p:nvPicPr>
-          <p:cNvPr id="4" name="Picture 3">
+          <p:cNvPr id="7" name="Picture 6">
             <a:extLst>
               <a:ext uri="{FF2B5EF4-FFF2-40B4-BE49-F238E27FC236}">
-                <a16:creationId xmlns:a16="http://schemas.microsoft.com/office/drawing/2014/main" id="{52BED7E7-3BEA-46E5-8AF5-E879CF582CB0}"/>
+                <a16:creationId xmlns:a16="http://schemas.microsoft.com/office/drawing/2014/main" id="{B1CAF263-B1C6-483A-9DCA-FFA03369F9BF}"/>
               </a:ext>
             </a:extLst>
           </p:cNvPr>
@@ -3222,150 +3077,18 @@
         </p:blipFill>
         <p:spPr>
           <a:xfrm>
-            <a:off x="5211484" y="1655374"/>
-            <a:ext cx="5867848" cy="3542083"/>
+            <a:off x="1083076" y="1623715"/>
+            <a:ext cx="8969406" cy="4914567"/>
           </a:xfrm>
           <a:prstGeom prst="rect">
             <a:avLst/>
           </a:prstGeom>
         </p:spPr>
       </p:pic>
-      <p:pic>
-        <p:nvPicPr>
-          <p:cNvPr id="5" name="Picture 4">
-            <a:extLst>
-              <a:ext uri="{FF2B5EF4-FFF2-40B4-BE49-F238E27FC236}">
-                <a16:creationId xmlns:a16="http://schemas.microsoft.com/office/drawing/2014/main" id="{BC668065-65B8-4EE5-BA2A-3478C30B9165}"/>
-              </a:ext>
-            </a:extLst>
-          </p:cNvPr>
-          <p:cNvPicPr>
-            <a:picLocks noChangeAspect="1"/>
-          </p:cNvPicPr>
-          <p:nvPr/>
-        </p:nvPicPr>
-        <p:blipFill>
-          <a:blip r:embed="rId3"/>
-          <a:stretch>
-            <a:fillRect/>
-          </a:stretch>
-        </p:blipFill>
-        <p:spPr>
-          <a:xfrm>
-            <a:off x="5192078" y="5282350"/>
-            <a:ext cx="4705350" cy="1457325"/>
-          </a:xfrm>
-          <a:prstGeom prst="rect">
-            <a:avLst/>
-          </a:prstGeom>
-        </p:spPr>
-      </p:pic>
-      <p:sp>
-        <p:nvSpPr>
-          <p:cNvPr id="6" name="TextBox 5">
-            <a:extLst>
-              <a:ext uri="{FF2B5EF4-FFF2-40B4-BE49-F238E27FC236}">
-                <a16:creationId xmlns:a16="http://schemas.microsoft.com/office/drawing/2014/main" id="{E7DF436C-F56E-47E1-BC5A-89E5F80F0281}"/>
-              </a:ext>
-            </a:extLst>
-          </p:cNvPr>
-          <p:cNvSpPr txBox="1"/>
-          <p:nvPr/>
-        </p:nvSpPr>
-        <p:spPr>
-          <a:xfrm>
-            <a:off x="657726" y="1676400"/>
-            <a:ext cx="3280611" cy="3877985"/>
-          </a:xfrm>
-          <a:prstGeom prst="rect">
-            <a:avLst/>
-          </a:prstGeom>
-          <a:noFill/>
-        </p:spPr>
-        <p:txBody>
-          <a:bodyPr wrap="square" rtlCol="0">
-            <a:spAutoFit/>
-          </a:bodyPr>
-          <a:lstStyle/>
-          <a:p>
-            <a:r>
-              <a:rPr lang="en-US" sz="2400" b="1" u="sng" dirty="0"/>
-              <a:t>Question</a:t>
-            </a:r>
-          </a:p>
-          <a:p>
-            <a:pPr marL="285750" indent="-285750">
-              <a:buFont typeface="Arial" panose="020B0604020202020204" pitchFamily="34" charset="0"/>
-              <a:buChar char="•"/>
-            </a:pPr>
-            <a:r>
-              <a:rPr lang="en-US" dirty="0"/>
-              <a:t>Which region should you focus your efforts to penetrate further?</a:t>
-            </a:r>
-          </a:p>
-          <a:p>
-            <a:pPr marL="285750" indent="-285750">
-              <a:buFont typeface="Arial" panose="020B0604020202020204" pitchFamily="34" charset="0"/>
-              <a:buChar char="•"/>
-            </a:pPr>
-            <a:endParaRPr lang="en-US" dirty="0"/>
-          </a:p>
-          <a:p>
-            <a:r>
-              <a:rPr lang="en-US" sz="2400" b="1" u="sng" dirty="0"/>
-              <a:t>Recommendation</a:t>
-            </a:r>
-          </a:p>
-          <a:p>
-            <a:pPr marL="285750" indent="-285750">
-              <a:buFont typeface="Arial" panose="020B0604020202020204" pitchFamily="34" charset="0"/>
-              <a:buChar char="•"/>
-            </a:pPr>
-            <a:r>
-              <a:rPr lang="en-US" dirty="0"/>
-              <a:t>South Region</a:t>
-            </a:r>
-          </a:p>
-          <a:p>
-            <a:pPr marL="742950" lvl="1" indent="-285750">
-              <a:buFont typeface="Arial" panose="020B0604020202020204" pitchFamily="34" charset="0"/>
-              <a:buChar char="•"/>
-            </a:pPr>
-            <a:r>
-              <a:rPr lang="en-US" dirty="0"/>
-              <a:t>Lowest Beers per Brewery Ratio</a:t>
-            </a:r>
-          </a:p>
-          <a:p>
-            <a:pPr marL="742950" lvl="1" indent="-285750">
-              <a:buFont typeface="Arial" panose="020B0604020202020204" pitchFamily="34" charset="0"/>
-              <a:buChar char="•"/>
-            </a:pPr>
-            <a:r>
-              <a:rPr lang="en-US" dirty="0"/>
-              <a:t>Favorable demographic trends</a:t>
-            </a:r>
-          </a:p>
-          <a:p>
-            <a:pPr marL="285750" indent="-285750">
-              <a:buFont typeface="Arial" panose="020B0604020202020204" pitchFamily="34" charset="0"/>
-              <a:buChar char="•"/>
-            </a:pPr>
-            <a:endParaRPr lang="en-US" dirty="0"/>
-          </a:p>
-          <a:p>
-            <a:pPr marL="285750" indent="-285750">
-              <a:buFont typeface="Arial" panose="020B0604020202020204" pitchFamily="34" charset="0"/>
-              <a:buChar char="•"/>
-            </a:pPr>
-            <a:endParaRPr lang="en-US" dirty="0"/>
-          </a:p>
-        </p:txBody>
-      </p:sp>
     </p:spTree>
     <p:extLst>
       <p:ext uri="{BB962C8B-B14F-4D97-AF65-F5344CB8AC3E}">
-        <p14:creationId xmlns:p14="http://schemas.microsoft.com/office/powerpoint/2010/main" val="3722234494"/>
+        <p14:creationId xmlns:p14="http://schemas.microsoft.com/office/powerpoint/2010/main" val="319737450"/>
       </p:ext>
     </p:extLst>
   </p:cSld>
@@ -3402,6 +3125,220 @@
             <p:ph type="title"/>
           </p:nvPr>
         </p:nvSpPr>
+        <p:spPr/>
+        <p:txBody>
+          <a:bodyPr/>
+          <a:lstStyle/>
+          <a:p>
+            <a:r>
+              <a:rPr lang="en-US" dirty="0"/>
+              <a:t>Where to focus by Region</a:t>
+            </a:r>
+          </a:p>
+        </p:txBody>
+      </p:sp>
+      <p:pic>
+        <p:nvPicPr>
+          <p:cNvPr id="4" name="Picture 3">
+            <a:extLst>
+              <a:ext uri="{FF2B5EF4-FFF2-40B4-BE49-F238E27FC236}">
+                <a16:creationId xmlns:a16="http://schemas.microsoft.com/office/drawing/2014/main" id="{52BED7E7-3BEA-46E5-8AF5-E879CF582CB0}"/>
+              </a:ext>
+            </a:extLst>
+          </p:cNvPr>
+          <p:cNvPicPr>
+            <a:picLocks noChangeAspect="1"/>
+          </p:cNvPicPr>
+          <p:nvPr/>
+        </p:nvPicPr>
+        <p:blipFill>
+          <a:blip r:embed="rId2"/>
+          <a:stretch>
+            <a:fillRect/>
+          </a:stretch>
+        </p:blipFill>
+        <p:spPr>
+          <a:xfrm>
+            <a:off x="5211484" y="1655374"/>
+            <a:ext cx="5867848" cy="3542083"/>
+          </a:xfrm>
+          <a:prstGeom prst="rect">
+            <a:avLst/>
+          </a:prstGeom>
+        </p:spPr>
+      </p:pic>
+      <p:pic>
+        <p:nvPicPr>
+          <p:cNvPr id="5" name="Picture 4">
+            <a:extLst>
+              <a:ext uri="{FF2B5EF4-FFF2-40B4-BE49-F238E27FC236}">
+                <a16:creationId xmlns:a16="http://schemas.microsoft.com/office/drawing/2014/main" id="{BC668065-65B8-4EE5-BA2A-3478C30B9165}"/>
+              </a:ext>
+            </a:extLst>
+          </p:cNvPr>
+          <p:cNvPicPr>
+            <a:picLocks noChangeAspect="1"/>
+          </p:cNvPicPr>
+          <p:nvPr/>
+        </p:nvPicPr>
+        <p:blipFill>
+          <a:blip r:embed="rId3"/>
+          <a:stretch>
+            <a:fillRect/>
+          </a:stretch>
+        </p:blipFill>
+        <p:spPr>
+          <a:xfrm>
+            <a:off x="5192078" y="5282350"/>
+            <a:ext cx="4705350" cy="1457325"/>
+          </a:xfrm>
+          <a:prstGeom prst="rect">
+            <a:avLst/>
+          </a:prstGeom>
+        </p:spPr>
+      </p:pic>
+      <p:sp>
+        <p:nvSpPr>
+          <p:cNvPr id="6" name="TextBox 5">
+            <a:extLst>
+              <a:ext uri="{FF2B5EF4-FFF2-40B4-BE49-F238E27FC236}">
+                <a16:creationId xmlns:a16="http://schemas.microsoft.com/office/drawing/2014/main" id="{E7DF436C-F56E-47E1-BC5A-89E5F80F0281}"/>
+              </a:ext>
+            </a:extLst>
+          </p:cNvPr>
+          <p:cNvSpPr txBox="1"/>
+          <p:nvPr/>
+        </p:nvSpPr>
+        <p:spPr>
+          <a:xfrm>
+            <a:off x="657726" y="1676400"/>
+            <a:ext cx="3280611" cy="3877985"/>
+          </a:xfrm>
+          <a:prstGeom prst="rect">
+            <a:avLst/>
+          </a:prstGeom>
+          <a:noFill/>
+        </p:spPr>
+        <p:txBody>
+          <a:bodyPr wrap="square" rtlCol="0">
+            <a:spAutoFit/>
+          </a:bodyPr>
+          <a:lstStyle/>
+          <a:p>
+            <a:r>
+              <a:rPr lang="en-US" sz="2400" b="1" u="sng" dirty="0"/>
+              <a:t>Question</a:t>
+            </a:r>
+          </a:p>
+          <a:p>
+            <a:pPr marL="285750" indent="-285750">
+              <a:buFont typeface="Arial" panose="020B0604020202020204" pitchFamily="34" charset="0"/>
+              <a:buChar char="•"/>
+            </a:pPr>
+            <a:r>
+              <a:rPr lang="en-US" dirty="0"/>
+              <a:t>Which region should you focus your efforts to penetrate further?</a:t>
+            </a:r>
+          </a:p>
+          <a:p>
+            <a:pPr marL="285750" indent="-285750">
+              <a:buFont typeface="Arial" panose="020B0604020202020204" pitchFamily="34" charset="0"/>
+              <a:buChar char="•"/>
+            </a:pPr>
+            <a:endParaRPr lang="en-US" dirty="0"/>
+          </a:p>
+          <a:p>
+            <a:r>
+              <a:rPr lang="en-US" sz="2400" b="1" u="sng" dirty="0"/>
+              <a:t>Recommendation</a:t>
+            </a:r>
+          </a:p>
+          <a:p>
+            <a:pPr marL="285750" indent="-285750">
+              <a:buFont typeface="Arial" panose="020B0604020202020204" pitchFamily="34" charset="0"/>
+              <a:buChar char="•"/>
+            </a:pPr>
+            <a:r>
+              <a:rPr lang="en-US" dirty="0"/>
+              <a:t>South Region</a:t>
+            </a:r>
+          </a:p>
+          <a:p>
+            <a:pPr marL="742950" lvl="1" indent="-285750">
+              <a:buFont typeface="Arial" panose="020B0604020202020204" pitchFamily="34" charset="0"/>
+              <a:buChar char="•"/>
+            </a:pPr>
+            <a:r>
+              <a:rPr lang="en-US" dirty="0"/>
+              <a:t>Lowest Beers per Brewery Ratio</a:t>
+            </a:r>
+          </a:p>
+          <a:p>
+            <a:pPr marL="742950" lvl="1" indent="-285750">
+              <a:buFont typeface="Arial" panose="020B0604020202020204" pitchFamily="34" charset="0"/>
+              <a:buChar char="•"/>
+            </a:pPr>
+            <a:r>
+              <a:rPr lang="en-US" dirty="0"/>
+              <a:t>Favorable demographic trends</a:t>
+            </a:r>
+          </a:p>
+          <a:p>
+            <a:pPr marL="285750" indent="-285750">
+              <a:buFont typeface="Arial" panose="020B0604020202020204" pitchFamily="34" charset="0"/>
+              <a:buChar char="•"/>
+            </a:pPr>
+            <a:endParaRPr lang="en-US" dirty="0"/>
+          </a:p>
+          <a:p>
+            <a:pPr marL="285750" indent="-285750">
+              <a:buFont typeface="Arial" panose="020B0604020202020204" pitchFamily="34" charset="0"/>
+              <a:buChar char="•"/>
+            </a:pPr>
+            <a:endParaRPr lang="en-US" dirty="0"/>
+          </a:p>
+        </p:txBody>
+      </p:sp>
+    </p:spTree>
+    <p:extLst>
+      <p:ext uri="{BB962C8B-B14F-4D97-AF65-F5344CB8AC3E}">
+        <p14:creationId xmlns:p14="http://schemas.microsoft.com/office/powerpoint/2010/main" val="3722234494"/>
+      </p:ext>
+    </p:extLst>
+  </p:cSld>
+  <p:clrMapOvr>
+    <a:masterClrMapping/>
+  </p:clrMapOvr>
+</p:sld>
+</file>
+
+<file path=ppt/slides/slide13.xml><?xml version="1.0" encoding="utf-8"?>
+<p:sld xmlns:a="http://schemas.openxmlformats.org/drawingml/2006/main" xmlns:r="http://schemas.openxmlformats.org/officeDocument/2006/relationships" xmlns:p="http://schemas.openxmlformats.org/presentationml/2006/main">
+  <p:cSld>
+    <p:spTree>
+      <p:nvGrpSpPr>
+        <p:cNvPr id="1" name=""/>
+        <p:cNvGrpSpPr/>
+        <p:nvPr/>
+      </p:nvGrpSpPr>
+      <p:grpSpPr>
+        <a:xfrm>
+          <a:off x="0" y="0"/>
+          <a:ext cx="0" cy="0"/>
+          <a:chOff x="0" y="0"/>
+          <a:chExt cx="0" cy="0"/>
+        </a:xfrm>
+      </p:grpSpPr>
+      <p:sp>
+        <p:nvSpPr>
+          <p:cNvPr id="2" name="Title 1"/>
+          <p:cNvSpPr>
+            <a:spLocks noGrp="1"/>
+          </p:cNvSpPr>
+          <p:nvPr>
+            <p:ph type="title"/>
+          </p:nvPr>
+        </p:nvSpPr>
         <p:spPr>
           <a:xfrm>
             <a:off x="342796" y="417376"/>
@@ -3560,7 +3497,7 @@
 </p:sld>
 </file>
 
-<file path=ppt/slides/slide13.xml><?xml version="1.0" encoding="utf-8"?>
+<file path=ppt/slides/slide14.xml><?xml version="1.0" encoding="utf-8"?>
 <p:sld xmlns:a="http://schemas.openxmlformats.org/drawingml/2006/main" xmlns:r="http://schemas.openxmlformats.org/officeDocument/2006/relationships" xmlns:p="http://schemas.openxmlformats.org/presentationml/2006/main">
   <p:cSld>
     <p:spTree>
@@ -4437,10 +4374,38 @@
             </a:r>
           </a:p>
           <a:p>
+            <a:pPr lvl="1"/>
+            <a:r>
+              <a:rPr lang="en-US" dirty="0"/>
+              <a:t>This suggests that Colorado likes beers with high ABV and looking at the Median ABV by state chart, they have the 6</a:t>
+            </a:r>
+            <a:r>
+              <a:rPr lang="en-US" baseline="30000" dirty="0"/>
+              <a:t>th</a:t>
+            </a:r>
+            <a:r>
+              <a:rPr lang="en-US" dirty="0"/>
+              <a:t> highest median ABV.</a:t>
+            </a:r>
+          </a:p>
+          <a:p>
+            <a:pPr lvl="1"/>
+            <a:r>
+              <a:rPr lang="en-US" dirty="0"/>
+              <a:t>Based on this, it looks like our higher ABV products could do well in Colorado.</a:t>
+            </a:r>
+          </a:p>
+          <a:p>
             <a:r>
               <a:rPr lang="en-US" dirty="0"/>
               <a:t>The beer with the Highest IBU is the “Bitter Bitch Imperial IPA”, which comes from a brewery in Oregon and has an IBU of 138.</a:t>
             </a:r>
+          </a:p>
+          <a:p>
+            <a:endParaRPr lang="en-US" dirty="0"/>
+          </a:p>
+          <a:p>
+            <a:endParaRPr lang="en-US" dirty="0"/>
           </a:p>
         </p:txBody>
       </p:sp>
@@ -4530,7 +4495,9 @@
           </a:xfrm>
         </p:spPr>
         <p:txBody>
-          <a:bodyPr/>
+          <a:bodyPr>
+            <a:normAutofit fontScale="85000" lnSpcReduction="10000"/>
+          </a:bodyPr>
           <a:lstStyle/>
           <a:p>
             <a:r>
@@ -4542,6 +4509,12 @@
             <a:r>
               <a:rPr lang="en-US" dirty="0"/>
               <a:t>This tells us that there are not a significant number of outliers and/or they are not very extreme.</a:t>
+            </a:r>
+          </a:p>
+          <a:p>
+            <a:r>
+              <a:rPr lang="en-US" dirty="0"/>
+              <a:t>This also suggests that when we are creating new beers, we should try to stay relatively within the norm (about 4-10% ABV).</a:t>
             </a:r>
           </a:p>
         </p:txBody>
@@ -4882,7 +4855,12 @@
             <p:ph type="title"/>
           </p:nvPr>
         </p:nvSpPr>
-        <p:spPr/>
+        <p:spPr>
+          <a:xfrm>
+            <a:off x="589501" y="0"/>
+            <a:ext cx="10047352" cy="1325563"/>
+          </a:xfrm>
+        </p:spPr>
         <p:txBody>
           <a:bodyPr/>
           <a:lstStyle/>
@@ -4912,13 +4890,13 @@
         </p:nvSpPr>
         <p:spPr>
           <a:xfrm>
-            <a:off x="195618" y="1786498"/>
-            <a:ext cx="4167057" cy="4550549"/>
+            <a:off x="0" y="1063126"/>
+            <a:ext cx="5243119" cy="5153116"/>
           </a:xfrm>
         </p:spPr>
         <p:txBody>
           <a:bodyPr>
-            <a:normAutofit fontScale="85000" lnSpcReduction="20000"/>
+            <a:normAutofit fontScale="77500" lnSpcReduction="20000"/>
           </a:bodyPr>
           <a:lstStyle/>
           <a:p>
@@ -4930,23 +4908,36 @@
           <a:p>
             <a:r>
               <a:rPr lang="en-US" dirty="0"/>
-              <a:t>The Pearson Correlation Coefficient is .67 which also indicates a strong positive relationship between IBU and ABV.</a:t>
+              <a:t>The Pearson Correlation Coefficient is .67 which also indicates a strong positive relationship between ABV and IBU.</a:t>
             </a:r>
           </a:p>
           <a:p>
             <a:r>
               <a:rPr lang="en-US" dirty="0"/>
-              <a:t>In general, it appears that as a beer increases on the International Bitterness Units (IBU) scale, the Alcohol by Volume (ABV) also increases in a linear fashion.</a:t>
+              <a:t>It appears that as a beer increases on International Bitterness Units (IBU) scale, the Alcohol by Volume (ABV) also increases in a linear fashion.</a:t>
+            </a:r>
+          </a:p>
+          <a:p>
+            <a:pPr lvl="1"/>
+            <a:r>
+              <a:rPr lang="en-US" dirty="0"/>
+              <a:t>When the bitterness (IBU) is increased by increasing the amount or changing the timing of the hops, more sugar is added in the fermentation process to compensate, which increases the ABV.</a:t>
+            </a:r>
+          </a:p>
+          <a:p>
+            <a:r>
+              <a:rPr lang="en-US" dirty="0"/>
+              <a:t>This is useful because if we want to create a more bitter beer, we know to increase the ABV as well from looking at our competitors.</a:t>
             </a:r>
           </a:p>
         </p:txBody>
       </p:sp>
       <p:pic>
         <p:nvPicPr>
-          <p:cNvPr id="5" name="Picture 4" descr="Chart, scatter chart&#10;&#10;Description automatically generated">
+          <p:cNvPr id="8" name="Picture 7" descr="Chart, scatter chart&#10;&#10;Description automatically generated">
             <a:extLst>
               <a:ext uri="{FF2B5EF4-FFF2-40B4-BE49-F238E27FC236}">
-                <a16:creationId xmlns:a16="http://schemas.microsoft.com/office/drawing/2014/main" id="{83C2F793-5799-45DC-AD84-AAB16B3E326C}"/>
+                <a16:creationId xmlns:a16="http://schemas.microsoft.com/office/drawing/2014/main" id="{98B40F3C-E106-447E-8A31-1B0F9FA0A159}"/>
               </a:ext>
             </a:extLst>
           </p:cNvPr>
@@ -4969,7 +4960,7 @@
         </p:blipFill>
         <p:spPr>
           <a:xfrm>
-            <a:off x="4950447" y="1742939"/>
+            <a:off x="5345593" y="1450938"/>
             <a:ext cx="6668431" cy="4115374"/>
           </a:xfrm>
           <a:prstGeom prst="rect">

--- a/DDS Project1 - Reed_Miller.pptx
+++ b/DDS Project1 - Reed_Miller.pptx
@@ -4,6 +4,9 @@
   <p:sldMasterIdLst>
     <p:sldMasterId id="2147483648" r:id="rId1"/>
   </p:sldMasterIdLst>
+  <p:notesMasterIdLst>
+    <p:notesMasterId r:id="rId16"/>
+  </p:notesMasterIdLst>
   <p:sldIdLst>
     <p:sldId id="256" r:id="rId2"/>
     <p:sldId id="258" r:id="rId3"/>
@@ -125,6 +128,1531 @@
 </p:presentation>
 </file>
 
+<file path=ppt/notesMasters/notesMaster1.xml><?xml version="1.0" encoding="utf-8"?>
+<p:notesMaster xmlns:a="http://schemas.openxmlformats.org/drawingml/2006/main" xmlns:r="http://schemas.openxmlformats.org/officeDocument/2006/relationships" xmlns:p="http://schemas.openxmlformats.org/presentationml/2006/main">
+  <p:cSld>
+    <p:bg>
+      <p:bgRef idx="1001">
+        <a:schemeClr val="bg1"/>
+      </p:bgRef>
+    </p:bg>
+    <p:spTree>
+      <p:nvGrpSpPr>
+        <p:cNvPr id="1" name=""/>
+        <p:cNvGrpSpPr/>
+        <p:nvPr/>
+      </p:nvGrpSpPr>
+      <p:grpSpPr>
+        <a:xfrm>
+          <a:off x="0" y="0"/>
+          <a:ext cx="0" cy="0"/>
+          <a:chOff x="0" y="0"/>
+          <a:chExt cx="0" cy="0"/>
+        </a:xfrm>
+      </p:grpSpPr>
+      <p:sp>
+        <p:nvSpPr>
+          <p:cNvPr id="2" name="Header Placeholder 1"/>
+          <p:cNvSpPr>
+            <a:spLocks noGrp="1"/>
+          </p:cNvSpPr>
+          <p:nvPr>
+            <p:ph type="hdr" sz="quarter"/>
+          </p:nvPr>
+        </p:nvSpPr>
+        <p:spPr>
+          <a:xfrm>
+            <a:off x="0" y="0"/>
+            <a:ext cx="2971800" cy="458788"/>
+          </a:xfrm>
+          <a:prstGeom prst="rect">
+            <a:avLst/>
+          </a:prstGeom>
+        </p:spPr>
+        <p:txBody>
+          <a:bodyPr vert="horz" lIns="91440" tIns="45720" rIns="91440" bIns="45720" rtlCol="0"/>
+          <a:lstStyle>
+            <a:lvl1pPr algn="l">
+              <a:defRPr sz="1200"/>
+            </a:lvl1pPr>
+          </a:lstStyle>
+          <a:p>
+            <a:endParaRPr lang="en-US"/>
+          </a:p>
+        </p:txBody>
+      </p:sp>
+      <p:sp>
+        <p:nvSpPr>
+          <p:cNvPr id="3" name="Date Placeholder 2"/>
+          <p:cNvSpPr>
+            <a:spLocks noGrp="1"/>
+          </p:cNvSpPr>
+          <p:nvPr>
+            <p:ph type="dt" idx="1"/>
+          </p:nvPr>
+        </p:nvSpPr>
+        <p:spPr>
+          <a:xfrm>
+            <a:off x="3884613" y="0"/>
+            <a:ext cx="2971800" cy="458788"/>
+          </a:xfrm>
+          <a:prstGeom prst="rect">
+            <a:avLst/>
+          </a:prstGeom>
+        </p:spPr>
+        <p:txBody>
+          <a:bodyPr vert="horz" lIns="91440" tIns="45720" rIns="91440" bIns="45720" rtlCol="0"/>
+          <a:lstStyle>
+            <a:lvl1pPr algn="r">
+              <a:defRPr sz="1200"/>
+            </a:lvl1pPr>
+          </a:lstStyle>
+          <a:p>
+            <a:fld id="{C6BD8EEC-5CD8-4A1D-AF27-ACAEA8BBE071}" type="datetimeFigureOut">
+              <a:rPr lang="en-US" smtClean="0"/>
+              <a:t>6/24/2021</a:t>
+            </a:fld>
+            <a:endParaRPr lang="en-US"/>
+          </a:p>
+        </p:txBody>
+      </p:sp>
+      <p:sp>
+        <p:nvSpPr>
+          <p:cNvPr id="4" name="Slide Image Placeholder 3"/>
+          <p:cNvSpPr>
+            <a:spLocks noGrp="1" noRot="1" noChangeAspect="1"/>
+          </p:cNvSpPr>
+          <p:nvPr>
+            <p:ph type="sldImg" idx="2"/>
+          </p:nvPr>
+        </p:nvSpPr>
+        <p:spPr>
+          <a:xfrm>
+            <a:off x="685800" y="1143000"/>
+            <a:ext cx="5486400" cy="3086100"/>
+          </a:xfrm>
+          <a:prstGeom prst="rect">
+            <a:avLst/>
+          </a:prstGeom>
+          <a:noFill/>
+          <a:ln w="12700">
+            <a:solidFill>
+              <a:prstClr val="black"/>
+            </a:solidFill>
+          </a:ln>
+        </p:spPr>
+        <p:txBody>
+          <a:bodyPr vert="horz" lIns="91440" tIns="45720" rIns="91440" bIns="45720" rtlCol="0" anchor="ctr"/>
+          <a:lstStyle/>
+          <a:p>
+            <a:endParaRPr lang="en-US"/>
+          </a:p>
+        </p:txBody>
+      </p:sp>
+      <p:sp>
+        <p:nvSpPr>
+          <p:cNvPr id="5" name="Notes Placeholder 4"/>
+          <p:cNvSpPr>
+            <a:spLocks noGrp="1"/>
+          </p:cNvSpPr>
+          <p:nvPr>
+            <p:ph type="body" sz="quarter" idx="3"/>
+          </p:nvPr>
+        </p:nvSpPr>
+        <p:spPr>
+          <a:xfrm>
+            <a:off x="685800" y="4400550"/>
+            <a:ext cx="5486400" cy="3600450"/>
+          </a:xfrm>
+          <a:prstGeom prst="rect">
+            <a:avLst/>
+          </a:prstGeom>
+        </p:spPr>
+        <p:txBody>
+          <a:bodyPr vert="horz" lIns="91440" tIns="45720" rIns="91440" bIns="45720" rtlCol="0"/>
+          <a:lstStyle/>
+          <a:p>
+            <a:pPr lvl="0"/>
+            <a:r>
+              <a:rPr lang="en-US"/>
+              <a:t>Click to edit Master text styles</a:t>
+            </a:r>
+          </a:p>
+          <a:p>
+            <a:pPr lvl="1"/>
+            <a:r>
+              <a:rPr lang="en-US"/>
+              <a:t>Second level</a:t>
+            </a:r>
+          </a:p>
+          <a:p>
+            <a:pPr lvl="2"/>
+            <a:r>
+              <a:rPr lang="en-US"/>
+              <a:t>Third level</a:t>
+            </a:r>
+          </a:p>
+          <a:p>
+            <a:pPr lvl="3"/>
+            <a:r>
+              <a:rPr lang="en-US"/>
+              <a:t>Fourth level</a:t>
+            </a:r>
+          </a:p>
+          <a:p>
+            <a:pPr lvl="4"/>
+            <a:r>
+              <a:rPr lang="en-US"/>
+              <a:t>Fifth level</a:t>
+            </a:r>
+          </a:p>
+        </p:txBody>
+      </p:sp>
+      <p:sp>
+        <p:nvSpPr>
+          <p:cNvPr id="6" name="Footer Placeholder 5"/>
+          <p:cNvSpPr>
+            <a:spLocks noGrp="1"/>
+          </p:cNvSpPr>
+          <p:nvPr>
+            <p:ph type="ftr" sz="quarter" idx="4"/>
+          </p:nvPr>
+        </p:nvSpPr>
+        <p:spPr>
+          <a:xfrm>
+            <a:off x="0" y="8685213"/>
+            <a:ext cx="2971800" cy="458787"/>
+          </a:xfrm>
+          <a:prstGeom prst="rect">
+            <a:avLst/>
+          </a:prstGeom>
+        </p:spPr>
+        <p:txBody>
+          <a:bodyPr vert="horz" lIns="91440" tIns="45720" rIns="91440" bIns="45720" rtlCol="0" anchor="b"/>
+          <a:lstStyle>
+            <a:lvl1pPr algn="l">
+              <a:defRPr sz="1200"/>
+            </a:lvl1pPr>
+          </a:lstStyle>
+          <a:p>
+            <a:endParaRPr lang="en-US"/>
+          </a:p>
+        </p:txBody>
+      </p:sp>
+      <p:sp>
+        <p:nvSpPr>
+          <p:cNvPr id="7" name="Slide Number Placeholder 6"/>
+          <p:cNvSpPr>
+            <a:spLocks noGrp="1"/>
+          </p:cNvSpPr>
+          <p:nvPr>
+            <p:ph type="sldNum" sz="quarter" idx="5"/>
+          </p:nvPr>
+        </p:nvSpPr>
+        <p:spPr>
+          <a:xfrm>
+            <a:off x="3884613" y="8685213"/>
+            <a:ext cx="2971800" cy="458787"/>
+          </a:xfrm>
+          <a:prstGeom prst="rect">
+            <a:avLst/>
+          </a:prstGeom>
+        </p:spPr>
+        <p:txBody>
+          <a:bodyPr vert="horz" lIns="91440" tIns="45720" rIns="91440" bIns="45720" rtlCol="0" anchor="b"/>
+          <a:lstStyle>
+            <a:lvl1pPr algn="r">
+              <a:defRPr sz="1200"/>
+            </a:lvl1pPr>
+          </a:lstStyle>
+          <a:p>
+            <a:fld id="{B3ADCEDA-9237-4717-84FA-DB48982FA9CE}" type="slidenum">
+              <a:rPr lang="en-US" smtClean="0"/>
+              <a:t>‹#›</a:t>
+            </a:fld>
+            <a:endParaRPr lang="en-US"/>
+          </a:p>
+        </p:txBody>
+      </p:sp>
+    </p:spTree>
+    <p:extLst>
+      <p:ext uri="{BB962C8B-B14F-4D97-AF65-F5344CB8AC3E}">
+        <p14:creationId xmlns:p14="http://schemas.microsoft.com/office/powerpoint/2010/main" val="943309960"/>
+      </p:ext>
+    </p:extLst>
+  </p:cSld>
+  <p:clrMap bg1="lt1" tx1="dk1" bg2="lt2" tx2="dk2" accent1="accent1" accent2="accent2" accent3="accent3" accent4="accent4" accent5="accent5" accent6="accent6" hlink="hlink" folHlink="folHlink"/>
+  <p:notesStyle>
+    <a:lvl1pPr marL="0" algn="l" defTabSz="914400" rtl="0" eaLnBrk="1" latinLnBrk="0" hangingPunct="1">
+      <a:defRPr sz="1200" kern="1200">
+        <a:solidFill>
+          <a:schemeClr val="tx1"/>
+        </a:solidFill>
+        <a:latin typeface="+mn-lt"/>
+        <a:ea typeface="+mn-ea"/>
+        <a:cs typeface="+mn-cs"/>
+      </a:defRPr>
+    </a:lvl1pPr>
+    <a:lvl2pPr marL="457200" algn="l" defTabSz="914400" rtl="0" eaLnBrk="1" latinLnBrk="0" hangingPunct="1">
+      <a:defRPr sz="1200" kern="1200">
+        <a:solidFill>
+          <a:schemeClr val="tx1"/>
+        </a:solidFill>
+        <a:latin typeface="+mn-lt"/>
+        <a:ea typeface="+mn-ea"/>
+        <a:cs typeface="+mn-cs"/>
+      </a:defRPr>
+    </a:lvl2pPr>
+    <a:lvl3pPr marL="914400" algn="l" defTabSz="914400" rtl="0" eaLnBrk="1" latinLnBrk="0" hangingPunct="1">
+      <a:defRPr sz="1200" kern="1200">
+        <a:solidFill>
+          <a:schemeClr val="tx1"/>
+        </a:solidFill>
+        <a:latin typeface="+mn-lt"/>
+        <a:ea typeface="+mn-ea"/>
+        <a:cs typeface="+mn-cs"/>
+      </a:defRPr>
+    </a:lvl3pPr>
+    <a:lvl4pPr marL="1371600" algn="l" defTabSz="914400" rtl="0" eaLnBrk="1" latinLnBrk="0" hangingPunct="1">
+      <a:defRPr sz="1200" kern="1200">
+        <a:solidFill>
+          <a:schemeClr val="tx1"/>
+        </a:solidFill>
+        <a:latin typeface="+mn-lt"/>
+        <a:ea typeface="+mn-ea"/>
+        <a:cs typeface="+mn-cs"/>
+      </a:defRPr>
+    </a:lvl4pPr>
+    <a:lvl5pPr marL="1828800" algn="l" defTabSz="914400" rtl="0" eaLnBrk="1" latinLnBrk="0" hangingPunct="1">
+      <a:defRPr sz="1200" kern="1200">
+        <a:solidFill>
+          <a:schemeClr val="tx1"/>
+        </a:solidFill>
+        <a:latin typeface="+mn-lt"/>
+        <a:ea typeface="+mn-ea"/>
+        <a:cs typeface="+mn-cs"/>
+      </a:defRPr>
+    </a:lvl5pPr>
+    <a:lvl6pPr marL="2286000" algn="l" defTabSz="914400" rtl="0" eaLnBrk="1" latinLnBrk="0" hangingPunct="1">
+      <a:defRPr sz="1200" kern="1200">
+        <a:solidFill>
+          <a:schemeClr val="tx1"/>
+        </a:solidFill>
+        <a:latin typeface="+mn-lt"/>
+        <a:ea typeface="+mn-ea"/>
+        <a:cs typeface="+mn-cs"/>
+      </a:defRPr>
+    </a:lvl6pPr>
+    <a:lvl7pPr marL="2743200" algn="l" defTabSz="914400" rtl="0" eaLnBrk="1" latinLnBrk="0" hangingPunct="1">
+      <a:defRPr sz="1200" kern="1200">
+        <a:solidFill>
+          <a:schemeClr val="tx1"/>
+        </a:solidFill>
+        <a:latin typeface="+mn-lt"/>
+        <a:ea typeface="+mn-ea"/>
+        <a:cs typeface="+mn-cs"/>
+      </a:defRPr>
+    </a:lvl7pPr>
+    <a:lvl8pPr marL="3200400" algn="l" defTabSz="914400" rtl="0" eaLnBrk="1" latinLnBrk="0" hangingPunct="1">
+      <a:defRPr sz="1200" kern="1200">
+        <a:solidFill>
+          <a:schemeClr val="tx1"/>
+        </a:solidFill>
+        <a:latin typeface="+mn-lt"/>
+        <a:ea typeface="+mn-ea"/>
+        <a:cs typeface="+mn-cs"/>
+      </a:defRPr>
+    </a:lvl8pPr>
+    <a:lvl9pPr marL="3657600" algn="l" defTabSz="914400" rtl="0" eaLnBrk="1" latinLnBrk="0" hangingPunct="1">
+      <a:defRPr sz="1200" kern="1200">
+        <a:solidFill>
+          <a:schemeClr val="tx1"/>
+        </a:solidFill>
+        <a:latin typeface="+mn-lt"/>
+        <a:ea typeface="+mn-ea"/>
+        <a:cs typeface="+mn-cs"/>
+      </a:defRPr>
+    </a:lvl9pPr>
+  </p:notesStyle>
+</p:notesMaster>
+</file>
+
+<file path=ppt/notesSlides/notesSlide1.xml><?xml version="1.0" encoding="utf-8"?>
+<p:notes xmlns:a="http://schemas.openxmlformats.org/drawingml/2006/main" xmlns:r="http://schemas.openxmlformats.org/officeDocument/2006/relationships" xmlns:p="http://schemas.openxmlformats.org/presentationml/2006/main">
+  <p:cSld>
+    <p:spTree>
+      <p:nvGrpSpPr>
+        <p:cNvPr id="1" name=""/>
+        <p:cNvGrpSpPr/>
+        <p:nvPr/>
+      </p:nvGrpSpPr>
+      <p:grpSpPr>
+        <a:xfrm>
+          <a:off x="0" y="0"/>
+          <a:ext cx="0" cy="0"/>
+          <a:chOff x="0" y="0"/>
+          <a:chExt cx="0" cy="0"/>
+        </a:xfrm>
+      </p:grpSpPr>
+      <p:sp>
+        <p:nvSpPr>
+          <p:cNvPr id="2" name="Slide Image Placeholder 1"/>
+          <p:cNvSpPr>
+            <a:spLocks noGrp="1" noRot="1" noChangeAspect="1"/>
+          </p:cNvSpPr>
+          <p:nvPr>
+            <p:ph type="sldImg"/>
+          </p:nvPr>
+        </p:nvSpPr>
+        <p:spPr/>
+      </p:sp>
+      <p:sp>
+        <p:nvSpPr>
+          <p:cNvPr id="3" name="Notes Placeholder 2"/>
+          <p:cNvSpPr>
+            <a:spLocks noGrp="1"/>
+          </p:cNvSpPr>
+          <p:nvPr>
+            <p:ph type="body" idx="1"/>
+          </p:nvPr>
+        </p:nvSpPr>
+        <p:spPr/>
+        <p:txBody>
+          <a:bodyPr/>
+          <a:lstStyle/>
+          <a:p>
+            <a:endParaRPr lang="en-US"/>
+          </a:p>
+        </p:txBody>
+      </p:sp>
+      <p:sp>
+        <p:nvSpPr>
+          <p:cNvPr id="4" name="Slide Number Placeholder 3"/>
+          <p:cNvSpPr>
+            <a:spLocks noGrp="1"/>
+          </p:cNvSpPr>
+          <p:nvPr>
+            <p:ph type="sldNum" sz="quarter" idx="5"/>
+          </p:nvPr>
+        </p:nvSpPr>
+        <p:spPr/>
+        <p:txBody>
+          <a:bodyPr/>
+          <a:lstStyle/>
+          <a:p>
+            <a:fld id="{B3ADCEDA-9237-4717-84FA-DB48982FA9CE}" type="slidenum">
+              <a:rPr lang="en-US" smtClean="0"/>
+              <a:t>1</a:t>
+            </a:fld>
+            <a:endParaRPr lang="en-US"/>
+          </a:p>
+        </p:txBody>
+      </p:sp>
+    </p:spTree>
+    <p:extLst>
+      <p:ext uri="{BB962C8B-B14F-4D97-AF65-F5344CB8AC3E}">
+        <p14:creationId xmlns:p14="http://schemas.microsoft.com/office/powerpoint/2010/main" val="2330930025"/>
+      </p:ext>
+    </p:extLst>
+  </p:cSld>
+  <p:clrMapOvr>
+    <a:masterClrMapping/>
+  </p:clrMapOvr>
+</p:notes>
+</file>
+
+<file path=ppt/notesSlides/notesSlide10.xml><?xml version="1.0" encoding="utf-8"?>
+<p:notes xmlns:a="http://schemas.openxmlformats.org/drawingml/2006/main" xmlns:r="http://schemas.openxmlformats.org/officeDocument/2006/relationships" xmlns:p="http://schemas.openxmlformats.org/presentationml/2006/main">
+  <p:cSld>
+    <p:spTree>
+      <p:nvGrpSpPr>
+        <p:cNvPr id="1" name=""/>
+        <p:cNvGrpSpPr/>
+        <p:nvPr/>
+      </p:nvGrpSpPr>
+      <p:grpSpPr>
+        <a:xfrm>
+          <a:off x="0" y="0"/>
+          <a:ext cx="0" cy="0"/>
+          <a:chOff x="0" y="0"/>
+          <a:chExt cx="0" cy="0"/>
+        </a:xfrm>
+      </p:grpSpPr>
+      <p:sp>
+        <p:nvSpPr>
+          <p:cNvPr id="2" name="Slide Image Placeholder 1"/>
+          <p:cNvSpPr>
+            <a:spLocks noGrp="1" noRot="1" noChangeAspect="1"/>
+          </p:cNvSpPr>
+          <p:nvPr>
+            <p:ph type="sldImg"/>
+          </p:nvPr>
+        </p:nvSpPr>
+        <p:spPr/>
+      </p:sp>
+      <p:sp>
+        <p:nvSpPr>
+          <p:cNvPr id="3" name="Notes Placeholder 2"/>
+          <p:cNvSpPr>
+            <a:spLocks noGrp="1"/>
+          </p:cNvSpPr>
+          <p:nvPr>
+            <p:ph type="body" idx="1"/>
+          </p:nvPr>
+        </p:nvSpPr>
+        <p:spPr/>
+        <p:txBody>
+          <a:bodyPr/>
+          <a:lstStyle/>
+          <a:p>
+            <a:endParaRPr lang="en-US"/>
+          </a:p>
+        </p:txBody>
+      </p:sp>
+      <p:sp>
+        <p:nvSpPr>
+          <p:cNvPr id="4" name="Slide Number Placeholder 3"/>
+          <p:cNvSpPr>
+            <a:spLocks noGrp="1"/>
+          </p:cNvSpPr>
+          <p:nvPr>
+            <p:ph type="sldNum" sz="quarter" idx="5"/>
+          </p:nvPr>
+        </p:nvSpPr>
+        <p:spPr/>
+        <p:txBody>
+          <a:bodyPr/>
+          <a:lstStyle/>
+          <a:p>
+            <a:fld id="{B3ADCEDA-9237-4717-84FA-DB48982FA9CE}" type="slidenum">
+              <a:rPr lang="en-US" smtClean="0"/>
+              <a:t>10</a:t>
+            </a:fld>
+            <a:endParaRPr lang="en-US"/>
+          </a:p>
+        </p:txBody>
+      </p:sp>
+    </p:spTree>
+    <p:extLst>
+      <p:ext uri="{BB962C8B-B14F-4D97-AF65-F5344CB8AC3E}">
+        <p14:creationId xmlns:p14="http://schemas.microsoft.com/office/powerpoint/2010/main" val="409159485"/>
+      </p:ext>
+    </p:extLst>
+  </p:cSld>
+  <p:clrMapOvr>
+    <a:masterClrMapping/>
+  </p:clrMapOvr>
+</p:notes>
+</file>
+
+<file path=ppt/notesSlides/notesSlide11.xml><?xml version="1.0" encoding="utf-8"?>
+<p:notes xmlns:a="http://schemas.openxmlformats.org/drawingml/2006/main" xmlns:r="http://schemas.openxmlformats.org/officeDocument/2006/relationships" xmlns:p="http://schemas.openxmlformats.org/presentationml/2006/main">
+  <p:cSld>
+    <p:spTree>
+      <p:nvGrpSpPr>
+        <p:cNvPr id="1" name=""/>
+        <p:cNvGrpSpPr/>
+        <p:nvPr/>
+      </p:nvGrpSpPr>
+      <p:grpSpPr>
+        <a:xfrm>
+          <a:off x="0" y="0"/>
+          <a:ext cx="0" cy="0"/>
+          <a:chOff x="0" y="0"/>
+          <a:chExt cx="0" cy="0"/>
+        </a:xfrm>
+      </p:grpSpPr>
+      <p:sp>
+        <p:nvSpPr>
+          <p:cNvPr id="2" name="Slide Image Placeholder 1"/>
+          <p:cNvSpPr>
+            <a:spLocks noGrp="1" noRot="1" noChangeAspect="1"/>
+          </p:cNvSpPr>
+          <p:nvPr>
+            <p:ph type="sldImg"/>
+          </p:nvPr>
+        </p:nvSpPr>
+        <p:spPr/>
+      </p:sp>
+      <p:sp>
+        <p:nvSpPr>
+          <p:cNvPr id="3" name="Notes Placeholder 2"/>
+          <p:cNvSpPr>
+            <a:spLocks noGrp="1"/>
+          </p:cNvSpPr>
+          <p:nvPr>
+            <p:ph type="body" idx="1"/>
+          </p:nvPr>
+        </p:nvSpPr>
+        <p:spPr/>
+        <p:txBody>
+          <a:bodyPr/>
+          <a:lstStyle/>
+          <a:p>
+            <a:endParaRPr lang="en-US"/>
+          </a:p>
+        </p:txBody>
+      </p:sp>
+      <p:sp>
+        <p:nvSpPr>
+          <p:cNvPr id="4" name="Slide Number Placeholder 3"/>
+          <p:cNvSpPr>
+            <a:spLocks noGrp="1"/>
+          </p:cNvSpPr>
+          <p:nvPr>
+            <p:ph type="sldNum" sz="quarter" idx="5"/>
+          </p:nvPr>
+        </p:nvSpPr>
+        <p:spPr/>
+        <p:txBody>
+          <a:bodyPr/>
+          <a:lstStyle/>
+          <a:p>
+            <a:fld id="{B3ADCEDA-9237-4717-84FA-DB48982FA9CE}" type="slidenum">
+              <a:rPr lang="en-US" smtClean="0"/>
+              <a:t>11</a:t>
+            </a:fld>
+            <a:endParaRPr lang="en-US"/>
+          </a:p>
+        </p:txBody>
+      </p:sp>
+    </p:spTree>
+    <p:extLst>
+      <p:ext uri="{BB962C8B-B14F-4D97-AF65-F5344CB8AC3E}">
+        <p14:creationId xmlns:p14="http://schemas.microsoft.com/office/powerpoint/2010/main" val="3284965143"/>
+      </p:ext>
+    </p:extLst>
+  </p:cSld>
+  <p:clrMapOvr>
+    <a:masterClrMapping/>
+  </p:clrMapOvr>
+</p:notes>
+</file>
+
+<file path=ppt/notesSlides/notesSlide12.xml><?xml version="1.0" encoding="utf-8"?>
+<p:notes xmlns:a="http://schemas.openxmlformats.org/drawingml/2006/main" xmlns:r="http://schemas.openxmlformats.org/officeDocument/2006/relationships" xmlns:p="http://schemas.openxmlformats.org/presentationml/2006/main">
+  <p:cSld>
+    <p:spTree>
+      <p:nvGrpSpPr>
+        <p:cNvPr id="1" name=""/>
+        <p:cNvGrpSpPr/>
+        <p:nvPr/>
+      </p:nvGrpSpPr>
+      <p:grpSpPr>
+        <a:xfrm>
+          <a:off x="0" y="0"/>
+          <a:ext cx="0" cy="0"/>
+          <a:chOff x="0" y="0"/>
+          <a:chExt cx="0" cy="0"/>
+        </a:xfrm>
+      </p:grpSpPr>
+      <p:sp>
+        <p:nvSpPr>
+          <p:cNvPr id="2" name="Slide Image Placeholder 1"/>
+          <p:cNvSpPr>
+            <a:spLocks noGrp="1" noRot="1" noChangeAspect="1"/>
+          </p:cNvSpPr>
+          <p:nvPr>
+            <p:ph type="sldImg"/>
+          </p:nvPr>
+        </p:nvSpPr>
+        <p:spPr/>
+      </p:sp>
+      <p:sp>
+        <p:nvSpPr>
+          <p:cNvPr id="3" name="Notes Placeholder 2"/>
+          <p:cNvSpPr>
+            <a:spLocks noGrp="1"/>
+          </p:cNvSpPr>
+          <p:nvPr>
+            <p:ph type="body" idx="1"/>
+          </p:nvPr>
+        </p:nvSpPr>
+        <p:spPr/>
+        <p:txBody>
+          <a:bodyPr/>
+          <a:lstStyle/>
+          <a:p>
+            <a:endParaRPr lang="en-US"/>
+          </a:p>
+        </p:txBody>
+      </p:sp>
+      <p:sp>
+        <p:nvSpPr>
+          <p:cNvPr id="4" name="Slide Number Placeholder 3"/>
+          <p:cNvSpPr>
+            <a:spLocks noGrp="1"/>
+          </p:cNvSpPr>
+          <p:nvPr>
+            <p:ph type="sldNum" sz="quarter" idx="5"/>
+          </p:nvPr>
+        </p:nvSpPr>
+        <p:spPr/>
+        <p:txBody>
+          <a:bodyPr/>
+          <a:lstStyle/>
+          <a:p>
+            <a:fld id="{B3ADCEDA-9237-4717-84FA-DB48982FA9CE}" type="slidenum">
+              <a:rPr lang="en-US" smtClean="0"/>
+              <a:t>12</a:t>
+            </a:fld>
+            <a:endParaRPr lang="en-US"/>
+          </a:p>
+        </p:txBody>
+      </p:sp>
+    </p:spTree>
+    <p:extLst>
+      <p:ext uri="{BB962C8B-B14F-4D97-AF65-F5344CB8AC3E}">
+        <p14:creationId xmlns:p14="http://schemas.microsoft.com/office/powerpoint/2010/main" val="3479468140"/>
+      </p:ext>
+    </p:extLst>
+  </p:cSld>
+  <p:clrMapOvr>
+    <a:masterClrMapping/>
+  </p:clrMapOvr>
+</p:notes>
+</file>
+
+<file path=ppt/notesSlides/notesSlide13.xml><?xml version="1.0" encoding="utf-8"?>
+<p:notes xmlns:a="http://schemas.openxmlformats.org/drawingml/2006/main" xmlns:r="http://schemas.openxmlformats.org/officeDocument/2006/relationships" xmlns:p="http://schemas.openxmlformats.org/presentationml/2006/main">
+  <p:cSld>
+    <p:spTree>
+      <p:nvGrpSpPr>
+        <p:cNvPr id="1" name=""/>
+        <p:cNvGrpSpPr/>
+        <p:nvPr/>
+      </p:nvGrpSpPr>
+      <p:grpSpPr>
+        <a:xfrm>
+          <a:off x="0" y="0"/>
+          <a:ext cx="0" cy="0"/>
+          <a:chOff x="0" y="0"/>
+          <a:chExt cx="0" cy="0"/>
+        </a:xfrm>
+      </p:grpSpPr>
+      <p:sp>
+        <p:nvSpPr>
+          <p:cNvPr id="2" name="Slide Image Placeholder 1"/>
+          <p:cNvSpPr>
+            <a:spLocks noGrp="1" noRot="1" noChangeAspect="1"/>
+          </p:cNvSpPr>
+          <p:nvPr>
+            <p:ph type="sldImg"/>
+          </p:nvPr>
+        </p:nvSpPr>
+        <p:spPr/>
+      </p:sp>
+      <p:sp>
+        <p:nvSpPr>
+          <p:cNvPr id="3" name="Notes Placeholder 2"/>
+          <p:cNvSpPr>
+            <a:spLocks noGrp="1"/>
+          </p:cNvSpPr>
+          <p:nvPr>
+            <p:ph type="body" idx="1"/>
+          </p:nvPr>
+        </p:nvSpPr>
+        <p:spPr/>
+        <p:txBody>
+          <a:bodyPr/>
+          <a:lstStyle/>
+          <a:p>
+            <a:endParaRPr lang="en-US"/>
+          </a:p>
+        </p:txBody>
+      </p:sp>
+      <p:sp>
+        <p:nvSpPr>
+          <p:cNvPr id="4" name="Slide Number Placeholder 3"/>
+          <p:cNvSpPr>
+            <a:spLocks noGrp="1"/>
+          </p:cNvSpPr>
+          <p:nvPr>
+            <p:ph type="sldNum" sz="quarter" idx="5"/>
+          </p:nvPr>
+        </p:nvSpPr>
+        <p:spPr/>
+        <p:txBody>
+          <a:bodyPr/>
+          <a:lstStyle/>
+          <a:p>
+            <a:fld id="{B3ADCEDA-9237-4717-84FA-DB48982FA9CE}" type="slidenum">
+              <a:rPr lang="en-US" smtClean="0"/>
+              <a:t>13</a:t>
+            </a:fld>
+            <a:endParaRPr lang="en-US"/>
+          </a:p>
+        </p:txBody>
+      </p:sp>
+    </p:spTree>
+    <p:extLst>
+      <p:ext uri="{BB962C8B-B14F-4D97-AF65-F5344CB8AC3E}">
+        <p14:creationId xmlns:p14="http://schemas.microsoft.com/office/powerpoint/2010/main" val="4195416242"/>
+      </p:ext>
+    </p:extLst>
+  </p:cSld>
+  <p:clrMapOvr>
+    <a:masterClrMapping/>
+  </p:clrMapOvr>
+</p:notes>
+</file>
+
+<file path=ppt/notesSlides/notesSlide14.xml><?xml version="1.0" encoding="utf-8"?>
+<p:notes xmlns:a="http://schemas.openxmlformats.org/drawingml/2006/main" xmlns:r="http://schemas.openxmlformats.org/officeDocument/2006/relationships" xmlns:p="http://schemas.openxmlformats.org/presentationml/2006/main">
+  <p:cSld>
+    <p:spTree>
+      <p:nvGrpSpPr>
+        <p:cNvPr id="1" name=""/>
+        <p:cNvGrpSpPr/>
+        <p:nvPr/>
+      </p:nvGrpSpPr>
+      <p:grpSpPr>
+        <a:xfrm>
+          <a:off x="0" y="0"/>
+          <a:ext cx="0" cy="0"/>
+          <a:chOff x="0" y="0"/>
+          <a:chExt cx="0" cy="0"/>
+        </a:xfrm>
+      </p:grpSpPr>
+      <p:sp>
+        <p:nvSpPr>
+          <p:cNvPr id="2" name="Slide Image Placeholder 1"/>
+          <p:cNvSpPr>
+            <a:spLocks noGrp="1" noRot="1" noChangeAspect="1"/>
+          </p:cNvSpPr>
+          <p:nvPr>
+            <p:ph type="sldImg"/>
+          </p:nvPr>
+        </p:nvSpPr>
+        <p:spPr/>
+      </p:sp>
+      <p:sp>
+        <p:nvSpPr>
+          <p:cNvPr id="3" name="Notes Placeholder 2"/>
+          <p:cNvSpPr>
+            <a:spLocks noGrp="1"/>
+          </p:cNvSpPr>
+          <p:nvPr>
+            <p:ph type="body" idx="1"/>
+          </p:nvPr>
+        </p:nvSpPr>
+        <p:spPr/>
+        <p:txBody>
+          <a:bodyPr/>
+          <a:lstStyle/>
+          <a:p>
+            <a:endParaRPr lang="en-US"/>
+          </a:p>
+        </p:txBody>
+      </p:sp>
+      <p:sp>
+        <p:nvSpPr>
+          <p:cNvPr id="4" name="Slide Number Placeholder 3"/>
+          <p:cNvSpPr>
+            <a:spLocks noGrp="1"/>
+          </p:cNvSpPr>
+          <p:nvPr>
+            <p:ph type="sldNum" sz="quarter" idx="5"/>
+          </p:nvPr>
+        </p:nvSpPr>
+        <p:spPr/>
+        <p:txBody>
+          <a:bodyPr/>
+          <a:lstStyle/>
+          <a:p>
+            <a:fld id="{B3ADCEDA-9237-4717-84FA-DB48982FA9CE}" type="slidenum">
+              <a:rPr lang="en-US" smtClean="0"/>
+              <a:t>14</a:t>
+            </a:fld>
+            <a:endParaRPr lang="en-US"/>
+          </a:p>
+        </p:txBody>
+      </p:sp>
+    </p:spTree>
+    <p:extLst>
+      <p:ext uri="{BB962C8B-B14F-4D97-AF65-F5344CB8AC3E}">
+        <p14:creationId xmlns:p14="http://schemas.microsoft.com/office/powerpoint/2010/main" val="419916464"/>
+      </p:ext>
+    </p:extLst>
+  </p:cSld>
+  <p:clrMapOvr>
+    <a:masterClrMapping/>
+  </p:clrMapOvr>
+</p:notes>
+</file>
+
+<file path=ppt/notesSlides/notesSlide2.xml><?xml version="1.0" encoding="utf-8"?>
+<p:notes xmlns:a="http://schemas.openxmlformats.org/drawingml/2006/main" xmlns:r="http://schemas.openxmlformats.org/officeDocument/2006/relationships" xmlns:p="http://schemas.openxmlformats.org/presentationml/2006/main">
+  <p:cSld>
+    <p:spTree>
+      <p:nvGrpSpPr>
+        <p:cNvPr id="1" name=""/>
+        <p:cNvGrpSpPr/>
+        <p:nvPr/>
+      </p:nvGrpSpPr>
+      <p:grpSpPr>
+        <a:xfrm>
+          <a:off x="0" y="0"/>
+          <a:ext cx="0" cy="0"/>
+          <a:chOff x="0" y="0"/>
+          <a:chExt cx="0" cy="0"/>
+        </a:xfrm>
+      </p:grpSpPr>
+      <p:sp>
+        <p:nvSpPr>
+          <p:cNvPr id="2" name="Slide Image Placeholder 1"/>
+          <p:cNvSpPr>
+            <a:spLocks noGrp="1" noRot="1" noChangeAspect="1"/>
+          </p:cNvSpPr>
+          <p:nvPr>
+            <p:ph type="sldImg"/>
+          </p:nvPr>
+        </p:nvSpPr>
+        <p:spPr/>
+      </p:sp>
+      <p:sp>
+        <p:nvSpPr>
+          <p:cNvPr id="3" name="Notes Placeholder 2"/>
+          <p:cNvSpPr>
+            <a:spLocks noGrp="1"/>
+          </p:cNvSpPr>
+          <p:nvPr>
+            <p:ph type="body" idx="1"/>
+          </p:nvPr>
+        </p:nvSpPr>
+        <p:spPr/>
+        <p:txBody>
+          <a:bodyPr/>
+          <a:lstStyle/>
+          <a:p>
+            <a:endParaRPr lang="en-US"/>
+          </a:p>
+        </p:txBody>
+      </p:sp>
+      <p:sp>
+        <p:nvSpPr>
+          <p:cNvPr id="4" name="Slide Number Placeholder 3"/>
+          <p:cNvSpPr>
+            <a:spLocks noGrp="1"/>
+          </p:cNvSpPr>
+          <p:nvPr>
+            <p:ph type="sldNum" sz="quarter" idx="5"/>
+          </p:nvPr>
+        </p:nvSpPr>
+        <p:spPr/>
+        <p:txBody>
+          <a:bodyPr/>
+          <a:lstStyle/>
+          <a:p>
+            <a:fld id="{B3ADCEDA-9237-4717-84FA-DB48982FA9CE}" type="slidenum">
+              <a:rPr lang="en-US" smtClean="0"/>
+              <a:t>2</a:t>
+            </a:fld>
+            <a:endParaRPr lang="en-US"/>
+          </a:p>
+        </p:txBody>
+      </p:sp>
+    </p:spTree>
+    <p:extLst>
+      <p:ext uri="{BB962C8B-B14F-4D97-AF65-F5344CB8AC3E}">
+        <p14:creationId xmlns:p14="http://schemas.microsoft.com/office/powerpoint/2010/main" val="1460176968"/>
+      </p:ext>
+    </p:extLst>
+  </p:cSld>
+  <p:clrMapOvr>
+    <a:masterClrMapping/>
+  </p:clrMapOvr>
+</p:notes>
+</file>
+
+<file path=ppt/notesSlides/notesSlide3.xml><?xml version="1.0" encoding="utf-8"?>
+<p:notes xmlns:a="http://schemas.openxmlformats.org/drawingml/2006/main" xmlns:r="http://schemas.openxmlformats.org/officeDocument/2006/relationships" xmlns:p="http://schemas.openxmlformats.org/presentationml/2006/main">
+  <p:cSld>
+    <p:spTree>
+      <p:nvGrpSpPr>
+        <p:cNvPr id="1" name=""/>
+        <p:cNvGrpSpPr/>
+        <p:nvPr/>
+      </p:nvGrpSpPr>
+      <p:grpSpPr>
+        <a:xfrm>
+          <a:off x="0" y="0"/>
+          <a:ext cx="0" cy="0"/>
+          <a:chOff x="0" y="0"/>
+          <a:chExt cx="0" cy="0"/>
+        </a:xfrm>
+      </p:grpSpPr>
+      <p:sp>
+        <p:nvSpPr>
+          <p:cNvPr id="2" name="Slide Image Placeholder 1"/>
+          <p:cNvSpPr>
+            <a:spLocks noGrp="1" noRot="1" noChangeAspect="1"/>
+          </p:cNvSpPr>
+          <p:nvPr>
+            <p:ph type="sldImg"/>
+          </p:nvPr>
+        </p:nvSpPr>
+        <p:spPr/>
+      </p:sp>
+      <p:sp>
+        <p:nvSpPr>
+          <p:cNvPr id="3" name="Notes Placeholder 2"/>
+          <p:cNvSpPr>
+            <a:spLocks noGrp="1"/>
+          </p:cNvSpPr>
+          <p:nvPr>
+            <p:ph type="body" idx="1"/>
+          </p:nvPr>
+        </p:nvSpPr>
+        <p:spPr/>
+        <p:txBody>
+          <a:bodyPr/>
+          <a:lstStyle/>
+          <a:p>
+            <a:endParaRPr lang="en-US"/>
+          </a:p>
+        </p:txBody>
+      </p:sp>
+      <p:sp>
+        <p:nvSpPr>
+          <p:cNvPr id="4" name="Slide Number Placeholder 3"/>
+          <p:cNvSpPr>
+            <a:spLocks noGrp="1"/>
+          </p:cNvSpPr>
+          <p:nvPr>
+            <p:ph type="sldNum" sz="quarter" idx="5"/>
+          </p:nvPr>
+        </p:nvSpPr>
+        <p:spPr/>
+        <p:txBody>
+          <a:bodyPr/>
+          <a:lstStyle/>
+          <a:p>
+            <a:fld id="{B3ADCEDA-9237-4717-84FA-DB48982FA9CE}" type="slidenum">
+              <a:rPr lang="en-US" smtClean="0"/>
+              <a:t>3</a:t>
+            </a:fld>
+            <a:endParaRPr lang="en-US"/>
+          </a:p>
+        </p:txBody>
+      </p:sp>
+    </p:spTree>
+    <p:extLst>
+      <p:ext uri="{BB962C8B-B14F-4D97-AF65-F5344CB8AC3E}">
+        <p14:creationId xmlns:p14="http://schemas.microsoft.com/office/powerpoint/2010/main" val="3606492231"/>
+      </p:ext>
+    </p:extLst>
+  </p:cSld>
+  <p:clrMapOvr>
+    <a:masterClrMapping/>
+  </p:clrMapOvr>
+</p:notes>
+</file>
+
+<file path=ppt/notesSlides/notesSlide4.xml><?xml version="1.0" encoding="utf-8"?>
+<p:notes xmlns:a="http://schemas.openxmlformats.org/drawingml/2006/main" xmlns:r="http://schemas.openxmlformats.org/officeDocument/2006/relationships" xmlns:p="http://schemas.openxmlformats.org/presentationml/2006/main">
+  <p:cSld>
+    <p:spTree>
+      <p:nvGrpSpPr>
+        <p:cNvPr id="1" name=""/>
+        <p:cNvGrpSpPr/>
+        <p:nvPr/>
+      </p:nvGrpSpPr>
+      <p:grpSpPr>
+        <a:xfrm>
+          <a:off x="0" y="0"/>
+          <a:ext cx="0" cy="0"/>
+          <a:chOff x="0" y="0"/>
+          <a:chExt cx="0" cy="0"/>
+        </a:xfrm>
+      </p:grpSpPr>
+      <p:sp>
+        <p:nvSpPr>
+          <p:cNvPr id="2" name="Slide Image Placeholder 1"/>
+          <p:cNvSpPr>
+            <a:spLocks noGrp="1" noRot="1" noChangeAspect="1"/>
+          </p:cNvSpPr>
+          <p:nvPr>
+            <p:ph type="sldImg"/>
+          </p:nvPr>
+        </p:nvSpPr>
+        <p:spPr/>
+      </p:sp>
+      <p:sp>
+        <p:nvSpPr>
+          <p:cNvPr id="3" name="Notes Placeholder 2"/>
+          <p:cNvSpPr>
+            <a:spLocks noGrp="1"/>
+          </p:cNvSpPr>
+          <p:nvPr>
+            <p:ph type="body" idx="1"/>
+          </p:nvPr>
+        </p:nvSpPr>
+        <p:spPr/>
+        <p:txBody>
+          <a:bodyPr/>
+          <a:lstStyle/>
+          <a:p>
+            <a:endParaRPr lang="en-US"/>
+          </a:p>
+        </p:txBody>
+      </p:sp>
+      <p:sp>
+        <p:nvSpPr>
+          <p:cNvPr id="4" name="Slide Number Placeholder 3"/>
+          <p:cNvSpPr>
+            <a:spLocks noGrp="1"/>
+          </p:cNvSpPr>
+          <p:nvPr>
+            <p:ph type="sldNum" sz="quarter" idx="5"/>
+          </p:nvPr>
+        </p:nvSpPr>
+        <p:spPr/>
+        <p:txBody>
+          <a:bodyPr/>
+          <a:lstStyle/>
+          <a:p>
+            <a:fld id="{B3ADCEDA-9237-4717-84FA-DB48982FA9CE}" type="slidenum">
+              <a:rPr lang="en-US" smtClean="0"/>
+              <a:t>4</a:t>
+            </a:fld>
+            <a:endParaRPr lang="en-US"/>
+          </a:p>
+        </p:txBody>
+      </p:sp>
+    </p:spTree>
+    <p:extLst>
+      <p:ext uri="{BB962C8B-B14F-4D97-AF65-F5344CB8AC3E}">
+        <p14:creationId xmlns:p14="http://schemas.microsoft.com/office/powerpoint/2010/main" val="3315856693"/>
+      </p:ext>
+    </p:extLst>
+  </p:cSld>
+  <p:clrMapOvr>
+    <a:masterClrMapping/>
+  </p:clrMapOvr>
+</p:notes>
+</file>
+
+<file path=ppt/notesSlides/notesSlide5.xml><?xml version="1.0" encoding="utf-8"?>
+<p:notes xmlns:a="http://schemas.openxmlformats.org/drawingml/2006/main" xmlns:r="http://schemas.openxmlformats.org/officeDocument/2006/relationships" xmlns:p="http://schemas.openxmlformats.org/presentationml/2006/main">
+  <p:cSld>
+    <p:spTree>
+      <p:nvGrpSpPr>
+        <p:cNvPr id="1" name=""/>
+        <p:cNvGrpSpPr/>
+        <p:nvPr/>
+      </p:nvGrpSpPr>
+      <p:grpSpPr>
+        <a:xfrm>
+          <a:off x="0" y="0"/>
+          <a:ext cx="0" cy="0"/>
+          <a:chOff x="0" y="0"/>
+          <a:chExt cx="0" cy="0"/>
+        </a:xfrm>
+      </p:grpSpPr>
+      <p:sp>
+        <p:nvSpPr>
+          <p:cNvPr id="2" name="Slide Image Placeholder 1"/>
+          <p:cNvSpPr>
+            <a:spLocks noGrp="1" noRot="1" noChangeAspect="1"/>
+          </p:cNvSpPr>
+          <p:nvPr>
+            <p:ph type="sldImg"/>
+          </p:nvPr>
+        </p:nvSpPr>
+        <p:spPr/>
+      </p:sp>
+      <p:sp>
+        <p:nvSpPr>
+          <p:cNvPr id="3" name="Notes Placeholder 2"/>
+          <p:cNvSpPr>
+            <a:spLocks noGrp="1"/>
+          </p:cNvSpPr>
+          <p:nvPr>
+            <p:ph type="body" idx="1"/>
+          </p:nvPr>
+        </p:nvSpPr>
+        <p:spPr/>
+        <p:txBody>
+          <a:bodyPr/>
+          <a:lstStyle/>
+          <a:p>
+            <a:endParaRPr lang="en-US"/>
+          </a:p>
+        </p:txBody>
+      </p:sp>
+      <p:sp>
+        <p:nvSpPr>
+          <p:cNvPr id="4" name="Slide Number Placeholder 3"/>
+          <p:cNvSpPr>
+            <a:spLocks noGrp="1"/>
+          </p:cNvSpPr>
+          <p:nvPr>
+            <p:ph type="sldNum" sz="quarter" idx="5"/>
+          </p:nvPr>
+        </p:nvSpPr>
+        <p:spPr/>
+        <p:txBody>
+          <a:bodyPr/>
+          <a:lstStyle/>
+          <a:p>
+            <a:fld id="{B3ADCEDA-9237-4717-84FA-DB48982FA9CE}" type="slidenum">
+              <a:rPr lang="en-US" smtClean="0"/>
+              <a:t>5</a:t>
+            </a:fld>
+            <a:endParaRPr lang="en-US"/>
+          </a:p>
+        </p:txBody>
+      </p:sp>
+    </p:spTree>
+    <p:extLst>
+      <p:ext uri="{BB962C8B-B14F-4D97-AF65-F5344CB8AC3E}">
+        <p14:creationId xmlns:p14="http://schemas.microsoft.com/office/powerpoint/2010/main" val="2343356754"/>
+      </p:ext>
+    </p:extLst>
+  </p:cSld>
+  <p:clrMapOvr>
+    <a:masterClrMapping/>
+  </p:clrMapOvr>
+</p:notes>
+</file>
+
+<file path=ppt/notesSlides/notesSlide6.xml><?xml version="1.0" encoding="utf-8"?>
+<p:notes xmlns:a="http://schemas.openxmlformats.org/drawingml/2006/main" xmlns:r="http://schemas.openxmlformats.org/officeDocument/2006/relationships" xmlns:p="http://schemas.openxmlformats.org/presentationml/2006/main">
+  <p:cSld>
+    <p:spTree>
+      <p:nvGrpSpPr>
+        <p:cNvPr id="1" name=""/>
+        <p:cNvGrpSpPr/>
+        <p:nvPr/>
+      </p:nvGrpSpPr>
+      <p:grpSpPr>
+        <a:xfrm>
+          <a:off x="0" y="0"/>
+          <a:ext cx="0" cy="0"/>
+          <a:chOff x="0" y="0"/>
+          <a:chExt cx="0" cy="0"/>
+        </a:xfrm>
+      </p:grpSpPr>
+      <p:sp>
+        <p:nvSpPr>
+          <p:cNvPr id="2" name="Slide Image Placeholder 1"/>
+          <p:cNvSpPr>
+            <a:spLocks noGrp="1" noRot="1" noChangeAspect="1"/>
+          </p:cNvSpPr>
+          <p:nvPr>
+            <p:ph type="sldImg"/>
+          </p:nvPr>
+        </p:nvSpPr>
+        <p:spPr/>
+      </p:sp>
+      <p:sp>
+        <p:nvSpPr>
+          <p:cNvPr id="3" name="Notes Placeholder 2"/>
+          <p:cNvSpPr>
+            <a:spLocks noGrp="1"/>
+          </p:cNvSpPr>
+          <p:nvPr>
+            <p:ph type="body" idx="1"/>
+          </p:nvPr>
+        </p:nvSpPr>
+        <p:spPr/>
+        <p:txBody>
+          <a:bodyPr/>
+          <a:lstStyle/>
+          <a:p>
+            <a:endParaRPr lang="en-US"/>
+          </a:p>
+        </p:txBody>
+      </p:sp>
+      <p:sp>
+        <p:nvSpPr>
+          <p:cNvPr id="4" name="Slide Number Placeholder 3"/>
+          <p:cNvSpPr>
+            <a:spLocks noGrp="1"/>
+          </p:cNvSpPr>
+          <p:nvPr>
+            <p:ph type="sldNum" sz="quarter" idx="5"/>
+          </p:nvPr>
+        </p:nvSpPr>
+        <p:spPr/>
+        <p:txBody>
+          <a:bodyPr/>
+          <a:lstStyle/>
+          <a:p>
+            <a:fld id="{B3ADCEDA-9237-4717-84FA-DB48982FA9CE}" type="slidenum">
+              <a:rPr lang="en-US" smtClean="0"/>
+              <a:t>6</a:t>
+            </a:fld>
+            <a:endParaRPr lang="en-US"/>
+          </a:p>
+        </p:txBody>
+      </p:sp>
+    </p:spTree>
+    <p:extLst>
+      <p:ext uri="{BB962C8B-B14F-4D97-AF65-F5344CB8AC3E}">
+        <p14:creationId xmlns:p14="http://schemas.microsoft.com/office/powerpoint/2010/main" val="790850206"/>
+      </p:ext>
+    </p:extLst>
+  </p:cSld>
+  <p:clrMapOvr>
+    <a:masterClrMapping/>
+  </p:clrMapOvr>
+</p:notes>
+</file>
+
+<file path=ppt/notesSlides/notesSlide7.xml><?xml version="1.0" encoding="utf-8"?>
+<p:notes xmlns:a="http://schemas.openxmlformats.org/drawingml/2006/main" xmlns:r="http://schemas.openxmlformats.org/officeDocument/2006/relationships" xmlns:p="http://schemas.openxmlformats.org/presentationml/2006/main">
+  <p:cSld>
+    <p:spTree>
+      <p:nvGrpSpPr>
+        <p:cNvPr id="1" name=""/>
+        <p:cNvGrpSpPr/>
+        <p:nvPr/>
+      </p:nvGrpSpPr>
+      <p:grpSpPr>
+        <a:xfrm>
+          <a:off x="0" y="0"/>
+          <a:ext cx="0" cy="0"/>
+          <a:chOff x="0" y="0"/>
+          <a:chExt cx="0" cy="0"/>
+        </a:xfrm>
+      </p:grpSpPr>
+      <p:sp>
+        <p:nvSpPr>
+          <p:cNvPr id="2" name="Slide Image Placeholder 1"/>
+          <p:cNvSpPr>
+            <a:spLocks noGrp="1" noRot="1" noChangeAspect="1"/>
+          </p:cNvSpPr>
+          <p:nvPr>
+            <p:ph type="sldImg"/>
+          </p:nvPr>
+        </p:nvSpPr>
+        <p:spPr/>
+      </p:sp>
+      <p:sp>
+        <p:nvSpPr>
+          <p:cNvPr id="3" name="Notes Placeholder 2"/>
+          <p:cNvSpPr>
+            <a:spLocks noGrp="1"/>
+          </p:cNvSpPr>
+          <p:nvPr>
+            <p:ph type="body" idx="1"/>
+          </p:nvPr>
+        </p:nvSpPr>
+        <p:spPr/>
+        <p:txBody>
+          <a:bodyPr/>
+          <a:lstStyle/>
+          <a:p>
+            <a:endParaRPr lang="en-US"/>
+          </a:p>
+        </p:txBody>
+      </p:sp>
+      <p:sp>
+        <p:nvSpPr>
+          <p:cNvPr id="4" name="Slide Number Placeholder 3"/>
+          <p:cNvSpPr>
+            <a:spLocks noGrp="1"/>
+          </p:cNvSpPr>
+          <p:nvPr>
+            <p:ph type="sldNum" sz="quarter" idx="5"/>
+          </p:nvPr>
+        </p:nvSpPr>
+        <p:spPr/>
+        <p:txBody>
+          <a:bodyPr/>
+          <a:lstStyle/>
+          <a:p>
+            <a:fld id="{B3ADCEDA-9237-4717-84FA-DB48982FA9CE}" type="slidenum">
+              <a:rPr lang="en-US" smtClean="0"/>
+              <a:t>7</a:t>
+            </a:fld>
+            <a:endParaRPr lang="en-US"/>
+          </a:p>
+        </p:txBody>
+      </p:sp>
+    </p:spTree>
+    <p:extLst>
+      <p:ext uri="{BB962C8B-B14F-4D97-AF65-F5344CB8AC3E}">
+        <p14:creationId xmlns:p14="http://schemas.microsoft.com/office/powerpoint/2010/main" val="2974313442"/>
+      </p:ext>
+    </p:extLst>
+  </p:cSld>
+  <p:clrMapOvr>
+    <a:masterClrMapping/>
+  </p:clrMapOvr>
+</p:notes>
+</file>
+
+<file path=ppt/notesSlides/notesSlide8.xml><?xml version="1.0" encoding="utf-8"?>
+<p:notes xmlns:a="http://schemas.openxmlformats.org/drawingml/2006/main" xmlns:r="http://schemas.openxmlformats.org/officeDocument/2006/relationships" xmlns:p="http://schemas.openxmlformats.org/presentationml/2006/main">
+  <p:cSld>
+    <p:spTree>
+      <p:nvGrpSpPr>
+        <p:cNvPr id="1" name=""/>
+        <p:cNvGrpSpPr/>
+        <p:nvPr/>
+      </p:nvGrpSpPr>
+      <p:grpSpPr>
+        <a:xfrm>
+          <a:off x="0" y="0"/>
+          <a:ext cx="0" cy="0"/>
+          <a:chOff x="0" y="0"/>
+          <a:chExt cx="0" cy="0"/>
+        </a:xfrm>
+      </p:grpSpPr>
+      <p:sp>
+        <p:nvSpPr>
+          <p:cNvPr id="2" name="Slide Image Placeholder 1"/>
+          <p:cNvSpPr>
+            <a:spLocks noGrp="1" noRot="1" noChangeAspect="1"/>
+          </p:cNvSpPr>
+          <p:nvPr>
+            <p:ph type="sldImg"/>
+          </p:nvPr>
+        </p:nvSpPr>
+        <p:spPr/>
+      </p:sp>
+      <p:sp>
+        <p:nvSpPr>
+          <p:cNvPr id="3" name="Notes Placeholder 2"/>
+          <p:cNvSpPr>
+            <a:spLocks noGrp="1"/>
+          </p:cNvSpPr>
+          <p:nvPr>
+            <p:ph type="body" idx="1"/>
+          </p:nvPr>
+        </p:nvSpPr>
+        <p:spPr/>
+        <p:txBody>
+          <a:bodyPr/>
+          <a:lstStyle/>
+          <a:p>
+            <a:endParaRPr lang="en-US"/>
+          </a:p>
+        </p:txBody>
+      </p:sp>
+      <p:sp>
+        <p:nvSpPr>
+          <p:cNvPr id="4" name="Slide Number Placeholder 3"/>
+          <p:cNvSpPr>
+            <a:spLocks noGrp="1"/>
+          </p:cNvSpPr>
+          <p:nvPr>
+            <p:ph type="sldNum" sz="quarter" idx="5"/>
+          </p:nvPr>
+        </p:nvSpPr>
+        <p:spPr/>
+        <p:txBody>
+          <a:bodyPr/>
+          <a:lstStyle/>
+          <a:p>
+            <a:fld id="{B3ADCEDA-9237-4717-84FA-DB48982FA9CE}" type="slidenum">
+              <a:rPr lang="en-US" smtClean="0"/>
+              <a:t>8</a:t>
+            </a:fld>
+            <a:endParaRPr lang="en-US"/>
+          </a:p>
+        </p:txBody>
+      </p:sp>
+    </p:spTree>
+    <p:extLst>
+      <p:ext uri="{BB962C8B-B14F-4D97-AF65-F5344CB8AC3E}">
+        <p14:creationId xmlns:p14="http://schemas.microsoft.com/office/powerpoint/2010/main" val="1125278415"/>
+      </p:ext>
+    </p:extLst>
+  </p:cSld>
+  <p:clrMapOvr>
+    <a:masterClrMapping/>
+  </p:clrMapOvr>
+</p:notes>
+</file>
+
+<file path=ppt/notesSlides/notesSlide9.xml><?xml version="1.0" encoding="utf-8"?>
+<p:notes xmlns:a="http://schemas.openxmlformats.org/drawingml/2006/main" xmlns:r="http://schemas.openxmlformats.org/officeDocument/2006/relationships" xmlns:p="http://schemas.openxmlformats.org/presentationml/2006/main">
+  <p:cSld>
+    <p:spTree>
+      <p:nvGrpSpPr>
+        <p:cNvPr id="1" name=""/>
+        <p:cNvGrpSpPr/>
+        <p:nvPr/>
+      </p:nvGrpSpPr>
+      <p:grpSpPr>
+        <a:xfrm>
+          <a:off x="0" y="0"/>
+          <a:ext cx="0" cy="0"/>
+          <a:chOff x="0" y="0"/>
+          <a:chExt cx="0" cy="0"/>
+        </a:xfrm>
+      </p:grpSpPr>
+      <p:sp>
+        <p:nvSpPr>
+          <p:cNvPr id="2" name="Slide Image Placeholder 1"/>
+          <p:cNvSpPr>
+            <a:spLocks noGrp="1" noRot="1" noChangeAspect="1"/>
+          </p:cNvSpPr>
+          <p:nvPr>
+            <p:ph type="sldImg"/>
+          </p:nvPr>
+        </p:nvSpPr>
+        <p:spPr/>
+      </p:sp>
+      <p:sp>
+        <p:nvSpPr>
+          <p:cNvPr id="3" name="Notes Placeholder 2"/>
+          <p:cNvSpPr>
+            <a:spLocks noGrp="1"/>
+          </p:cNvSpPr>
+          <p:nvPr>
+            <p:ph type="body" idx="1"/>
+          </p:nvPr>
+        </p:nvSpPr>
+        <p:spPr/>
+        <p:txBody>
+          <a:bodyPr/>
+          <a:lstStyle/>
+          <a:p>
+            <a:endParaRPr lang="en-US"/>
+          </a:p>
+        </p:txBody>
+      </p:sp>
+      <p:sp>
+        <p:nvSpPr>
+          <p:cNvPr id="4" name="Slide Number Placeholder 3"/>
+          <p:cNvSpPr>
+            <a:spLocks noGrp="1"/>
+          </p:cNvSpPr>
+          <p:nvPr>
+            <p:ph type="sldNum" sz="quarter" idx="5"/>
+          </p:nvPr>
+        </p:nvSpPr>
+        <p:spPr/>
+        <p:txBody>
+          <a:bodyPr/>
+          <a:lstStyle/>
+          <a:p>
+            <a:fld id="{B3ADCEDA-9237-4717-84FA-DB48982FA9CE}" type="slidenum">
+              <a:rPr lang="en-US" smtClean="0"/>
+              <a:t>9</a:t>
+            </a:fld>
+            <a:endParaRPr lang="en-US"/>
+          </a:p>
+        </p:txBody>
+      </p:sp>
+    </p:spTree>
+    <p:extLst>
+      <p:ext uri="{BB962C8B-B14F-4D97-AF65-F5344CB8AC3E}">
+        <p14:creationId xmlns:p14="http://schemas.microsoft.com/office/powerpoint/2010/main" val="2998527789"/>
+      </p:ext>
+    </p:extLst>
+  </p:cSld>
+  <p:clrMapOvr>
+    <a:masterClrMapping/>
+  </p:clrMapOvr>
+</p:notes>
+</file>
+
 <file path=ppt/slideLayouts/slideLayout1.xml><?xml version="1.0" encoding="utf-8"?>
 <p:sldLayout xmlns:a="http://schemas.openxmlformats.org/drawingml/2006/main" xmlns:r="http://schemas.openxmlformats.org/officeDocument/2006/relationships" xmlns:p="http://schemas.openxmlformats.org/presentationml/2006/main" type="title" preserve="1">
   <p:cSld name="Title Slide">
@@ -283,7 +1811,7 @@
             <a:fld id="{276D79ED-3FA7-4EF8-964B-EB8BCFAB02F8}" type="datetimeFigureOut">
               <a:rPr lang="en-US" smtClean="0"/>
               <a:pPr/>
-              <a:t>6/23/2021</a:t>
+              <a:t>6/24/2021</a:t>
             </a:fld>
             <a:endParaRPr lang="en-US"/>
           </a:p>
@@ -468,7 +1996,7 @@
           <a:p>
             <a:fld id="{276D79ED-3FA7-4EF8-964B-EB8BCFAB02F8}" type="datetimeFigureOut">
               <a:rPr lang="en-US" smtClean="0"/>
-              <a:t>6/23/2021</a:t>
+              <a:t>6/24/2021</a:t>
             </a:fld>
             <a:endParaRPr lang="en-US"/>
           </a:p>
@@ -714,7 +2242,7 @@
           <a:p>
             <a:fld id="{276D79ED-3FA7-4EF8-964B-EB8BCFAB02F8}" type="datetimeFigureOut">
               <a:rPr lang="en-US" smtClean="0"/>
-              <a:t>6/23/2021</a:t>
+              <a:t>6/24/2021</a:t>
             </a:fld>
             <a:endParaRPr lang="en-US"/>
           </a:p>
@@ -945,7 +2473,7 @@
           <a:p>
             <a:fld id="{276D79ED-3FA7-4EF8-964B-EB8BCFAB02F8}" type="datetimeFigureOut">
               <a:rPr lang="en-US" smtClean="0"/>
-              <a:t>6/23/2021</a:t>
+              <a:t>6/24/2021</a:t>
             </a:fld>
             <a:endParaRPr lang="en-US"/>
           </a:p>
@@ -1309,7 +2837,7 @@
           <a:p>
             <a:fld id="{276D79ED-3FA7-4EF8-964B-EB8BCFAB02F8}" type="datetimeFigureOut">
               <a:rPr lang="en-US" smtClean="0"/>
-              <a:t>6/23/2021</a:t>
+              <a:t>6/24/2021</a:t>
             </a:fld>
             <a:endParaRPr lang="en-US"/>
           </a:p>
@@ -1426,7 +2954,7 @@
           <a:p>
             <a:fld id="{276D79ED-3FA7-4EF8-964B-EB8BCFAB02F8}" type="datetimeFigureOut">
               <a:rPr lang="en-US" smtClean="0"/>
-              <a:t>6/23/2021</a:t>
+              <a:t>6/24/2021</a:t>
             </a:fld>
             <a:endParaRPr lang="en-US"/>
           </a:p>
@@ -1521,7 +3049,7 @@
           <a:p>
             <a:fld id="{276D79ED-3FA7-4EF8-964B-EB8BCFAB02F8}" type="datetimeFigureOut">
               <a:rPr lang="en-US" smtClean="0"/>
-              <a:t>6/23/2021</a:t>
+              <a:t>6/24/2021</a:t>
             </a:fld>
             <a:endParaRPr lang="en-US"/>
           </a:p>
@@ -1797,7 +3325,7 @@
           <a:p>
             <a:fld id="{276D79ED-3FA7-4EF8-964B-EB8BCFAB02F8}" type="datetimeFigureOut">
               <a:rPr lang="en-US" smtClean="0"/>
-              <a:t>6/23/2021</a:t>
+              <a:t>6/24/2021</a:t>
             </a:fld>
             <a:endParaRPr lang="en-US"/>
           </a:p>
@@ -2053,7 +3581,7 @@
           <a:p>
             <a:fld id="{276D79ED-3FA7-4EF8-964B-EB8BCFAB02F8}" type="datetimeFigureOut">
               <a:rPr lang="en-US" smtClean="0"/>
-              <a:t>6/23/2021</a:t>
+              <a:t>6/24/2021</a:t>
             </a:fld>
             <a:endParaRPr lang="en-US"/>
           </a:p>
@@ -2273,7 +3801,7 @@
           <a:p>
             <a:fld id="{276D79ED-3FA7-4EF8-964B-EB8BCFAB02F8}" type="datetimeFigureOut">
               <a:rPr lang="en-US" smtClean="0"/>
-              <a:t>6/23/2021</a:t>
+              <a:t>6/24/2021</a:t>
             </a:fld>
             <a:endParaRPr lang="en-US"/>
           </a:p>
@@ -2844,6 +4372,41 @@
           </a:p>
         </p:txBody>
       </p:sp>
+      <p:sp>
+        <p:nvSpPr>
+          <p:cNvPr id="4" name="TextBox 3">
+            <a:extLst>
+              <a:ext uri="{FF2B5EF4-FFF2-40B4-BE49-F238E27FC236}">
+                <a16:creationId xmlns:a16="http://schemas.microsoft.com/office/drawing/2014/main" id="{32022D1D-84FB-4268-A1A7-EA60DDCADB67}"/>
+              </a:ext>
+            </a:extLst>
+          </p:cNvPr>
+          <p:cNvSpPr txBox="1"/>
+          <p:nvPr/>
+        </p:nvSpPr>
+        <p:spPr>
+          <a:xfrm>
+            <a:off x="5155512" y="4216894"/>
+            <a:ext cx="5371599" cy="369332"/>
+          </a:xfrm>
+          <a:prstGeom prst="rect">
+            <a:avLst/>
+          </a:prstGeom>
+          <a:noFill/>
+        </p:spPr>
+        <p:txBody>
+          <a:bodyPr wrap="none" rtlCol="0">
+            <a:spAutoFit/>
+          </a:bodyPr>
+          <a:lstStyle/>
+          <a:p>
+            <a:r>
+              <a:rPr lang="en-US" dirty="0"/>
+              <a:t>https://www.youtube.com/watch?v=uzc_eJyoHg8</a:t>
+            </a:r>
+          </a:p>
+        </p:txBody>
+      </p:sp>
     </p:spTree>
     <p:extLst>
       <p:ext uri="{BB962C8B-B14F-4D97-AF65-F5344CB8AC3E}">
@@ -2977,7 +4540,7 @@
           <p:nvPr/>
         </p:nvPicPr>
         <p:blipFill>
-          <a:blip r:embed="rId2">
+          <a:blip r:embed="rId3">
             <a:extLst>
               <a:ext uri="{28A0092B-C50C-407E-A947-70E740481C1C}">
                 <a14:useLocalDpi xmlns:a14="http://schemas.microsoft.com/office/drawing/2010/main" val="0"/>
@@ -3070,7 +4633,7 @@
           <p:nvPr/>
         </p:nvPicPr>
         <p:blipFill>
-          <a:blip r:embed="rId2"/>
+          <a:blip r:embed="rId3"/>
           <a:stretch>
             <a:fillRect/>
           </a:stretch>
@@ -3152,7 +4715,7 @@
           <p:nvPr/>
         </p:nvPicPr>
         <p:blipFill>
-          <a:blip r:embed="rId2"/>
+          <a:blip r:embed="rId3"/>
           <a:stretch>
             <a:fillRect/>
           </a:stretch>
@@ -3182,7 +4745,7 @@
           <p:nvPr/>
         </p:nvPicPr>
         <p:blipFill>
-          <a:blip r:embed="rId3"/>
+          <a:blip r:embed="rId4"/>
           <a:stretch>
             <a:fillRect/>
           </a:stretch>
@@ -3371,7 +4934,7 @@
           <p:nvPr/>
         </p:nvPicPr>
         <p:blipFill>
-          <a:blip r:embed="rId2"/>
+          <a:blip r:embed="rId3"/>
           <a:stretch>
             <a:fillRect/>
           </a:stretch>
@@ -3401,7 +4964,7 @@
           <p:nvPr/>
         </p:nvPicPr>
         <p:blipFill>
-          <a:blip r:embed="rId3"/>
+          <a:blip r:embed="rId4"/>
           <a:stretch>
             <a:fillRect/>
           </a:stretch>
@@ -3627,7 +5190,7 @@
           <p:nvPr/>
         </p:nvPicPr>
         <p:blipFill>
-          <a:blip r:embed="rId2"/>
+          <a:blip r:embed="rId3"/>
           <a:stretch>
             <a:fillRect/>
           </a:stretch>
@@ -3657,7 +5220,7 @@
           <p:nvPr/>
         </p:nvPicPr>
         <p:blipFill>
-          <a:blip r:embed="rId3"/>
+          <a:blip r:embed="rId4"/>
           <a:stretch>
             <a:fillRect/>
           </a:stretch>
@@ -4014,7 +5577,7 @@
           <p:nvPr/>
         </p:nvPicPr>
         <p:blipFill>
-          <a:blip r:embed="rId2"/>
+          <a:blip r:embed="rId3"/>
           <a:stretch>
             <a:fillRect/>
           </a:stretch>
@@ -4069,7 +5632,7 @@
             </a:pPr>
             <a:r>
               <a:rPr lang="en-US" sz="2400" dirty="0"/>
-              <a:t>Tight range from 0.04 to 0.625</a:t>
+              <a:t>Tight range from 0.04 to 0.0625</a:t>
             </a:r>
           </a:p>
           <a:p>
@@ -4183,7 +5746,7 @@
           <p:nvPr/>
         </p:nvPicPr>
         <p:blipFill>
-          <a:blip r:embed="rId2"/>
+          <a:blip r:embed="rId3"/>
           <a:stretch>
             <a:fillRect/>
           </a:stretch>
@@ -4281,7 +5844,7 @@
             </a:pPr>
             <a:r>
               <a:rPr lang="en-US" sz="2400" dirty="0"/>
-              <a:t>IBUs and associated costs need attention when determining growth strategy</a:t>
+              <a:t>Focus sales efforts on states depending on IBU of the product</a:t>
             </a:r>
           </a:p>
           <a:p>
@@ -4534,7 +6097,7 @@
           <p:nvPr/>
         </p:nvPicPr>
         <p:blipFill>
-          <a:blip r:embed="rId2"/>
+          <a:blip r:embed="rId3"/>
           <a:stretch>
             <a:fillRect/>
           </a:stretch>
@@ -4742,7 +6305,7 @@
           <p:nvPr/>
         </p:nvPicPr>
         <p:blipFill>
-          <a:blip r:embed="rId2">
+          <a:blip r:embed="rId3">
             <a:extLst>
               <a:ext uri="{28A0092B-C50C-407E-A947-70E740481C1C}">
                 <a14:useLocalDpi xmlns:a14="http://schemas.microsoft.com/office/drawing/2010/main" val="0"/>
@@ -4783,7 +6346,7 @@
           <p:nvPr/>
         </p:nvPicPr>
         <p:blipFill>
-          <a:blip r:embed="rId3">
+          <a:blip r:embed="rId4">
             <a:extLst>
               <a:ext uri="{28A0092B-C50C-407E-A947-70E740481C1C}">
                 <a14:useLocalDpi xmlns:a14="http://schemas.microsoft.com/office/drawing/2010/main" val="0"/>
@@ -4947,7 +6510,7 @@
           <p:nvPr/>
         </p:nvPicPr>
         <p:blipFill>
-          <a:blip r:embed="rId2">
+          <a:blip r:embed="rId3">
             <a:extLst>
               <a:ext uri="{28A0092B-C50C-407E-A947-70E740481C1C}">
                 <a14:useLocalDpi xmlns:a14="http://schemas.microsoft.com/office/drawing/2010/main" val="0"/>
@@ -5245,4 +6808,299 @@
     </a:ext>
   </a:extLst>
 </a:theme>
+</file>
+
+<file path=ppt/theme/theme2.xml><?xml version="1.0" encoding="utf-8"?>
+<a:theme xmlns:a="http://schemas.openxmlformats.org/drawingml/2006/main" name="Office Theme">
+  <a:themeElements>
+    <a:clrScheme name="Office">
+      <a:dk1>
+        <a:sysClr val="windowText" lastClr="000000"/>
+      </a:dk1>
+      <a:lt1>
+        <a:sysClr val="window" lastClr="FFFFFF"/>
+      </a:lt1>
+      <a:dk2>
+        <a:srgbClr val="44546A"/>
+      </a:dk2>
+      <a:lt2>
+        <a:srgbClr val="E7E6E6"/>
+      </a:lt2>
+      <a:accent1>
+        <a:srgbClr val="4472C4"/>
+      </a:accent1>
+      <a:accent2>
+        <a:srgbClr val="ED7D31"/>
+      </a:accent2>
+      <a:accent3>
+        <a:srgbClr val="A5A5A5"/>
+      </a:accent3>
+      <a:accent4>
+        <a:srgbClr val="FFC000"/>
+      </a:accent4>
+      <a:accent5>
+        <a:srgbClr val="5B9BD5"/>
+      </a:accent5>
+      <a:accent6>
+        <a:srgbClr val="70AD47"/>
+      </a:accent6>
+      <a:hlink>
+        <a:srgbClr val="0563C1"/>
+      </a:hlink>
+      <a:folHlink>
+        <a:srgbClr val="954F72"/>
+      </a:folHlink>
+    </a:clrScheme>
+    <a:fontScheme name="Office">
+      <a:majorFont>
+        <a:latin typeface="Calibri Light" panose="020F0302020204030204"/>
+        <a:ea typeface=""/>
+        <a:cs typeface=""/>
+        <a:font script="Jpan" typeface="游ゴシック Light"/>
+        <a:font script="Hang" typeface="맑은 고딕"/>
+        <a:font script="Hans" typeface="等线 Light"/>
+        <a:font script="Hant" typeface="新細明體"/>
+        <a:font script="Arab" typeface="Times New Roman"/>
+        <a:font script="Hebr" typeface="Times New Roman"/>
+        <a:font script="Thai" typeface="Angsana New"/>
+        <a:font script="Ethi" typeface="Nyala"/>
+        <a:font script="Beng" typeface="Vrinda"/>
+        <a:font script="Gujr" typeface="Shruti"/>
+        <a:font script="Khmr" typeface="MoolBoran"/>
+        <a:font script="Knda" typeface="Tunga"/>
+        <a:font script="Guru" typeface="Raavi"/>
+        <a:font script="Cans" typeface="Euphemia"/>
+        <a:font script="Cher" typeface="Plantagenet Cherokee"/>
+        <a:font script="Yiii" typeface="Microsoft Yi Baiti"/>
+        <a:font script="Tibt" typeface="Microsoft Himalaya"/>
+        <a:font script="Thaa" typeface="MV Boli"/>
+        <a:font script="Deva" typeface="Mangal"/>
+        <a:font script="Telu" typeface="Gautami"/>
+        <a:font script="Taml" typeface="Latha"/>
+        <a:font script="Syrc" typeface="Estrangelo Edessa"/>
+        <a:font script="Orya" typeface="Kalinga"/>
+        <a:font script="Mlym" typeface="Kartika"/>
+        <a:font script="Laoo" typeface="DokChampa"/>
+        <a:font script="Sinh" typeface="Iskoola Pota"/>
+        <a:font script="Mong" typeface="Mongolian Baiti"/>
+        <a:font script="Viet" typeface="Times New Roman"/>
+        <a:font script="Uigh" typeface="Microsoft Uighur"/>
+        <a:font script="Geor" typeface="Sylfaen"/>
+        <a:font script="Armn" typeface="Arial"/>
+        <a:font script="Bugi" typeface="Leelawadee UI"/>
+        <a:font script="Bopo" typeface="Microsoft JhengHei"/>
+        <a:font script="Java" typeface="Javanese Text"/>
+        <a:font script="Lisu" typeface="Segoe UI"/>
+        <a:font script="Mymr" typeface="Myanmar Text"/>
+        <a:font script="Nkoo" typeface="Ebrima"/>
+        <a:font script="Olck" typeface="Nirmala UI"/>
+        <a:font script="Osma" typeface="Ebrima"/>
+        <a:font script="Phag" typeface="Phagspa"/>
+        <a:font script="Syrn" typeface="Estrangelo Edessa"/>
+        <a:font script="Syrj" typeface="Estrangelo Edessa"/>
+        <a:font script="Syre" typeface="Estrangelo Edessa"/>
+        <a:font script="Sora" typeface="Nirmala UI"/>
+        <a:font script="Tale" typeface="Microsoft Tai Le"/>
+        <a:font script="Talu" typeface="Microsoft New Tai Lue"/>
+        <a:font script="Tfng" typeface="Ebrima"/>
+      </a:majorFont>
+      <a:minorFont>
+        <a:latin typeface="Calibri" panose="020F0502020204030204"/>
+        <a:ea typeface=""/>
+        <a:cs typeface=""/>
+        <a:font script="Jpan" typeface="游ゴシック"/>
+        <a:font script="Hang" typeface="맑은 고딕"/>
+        <a:font script="Hans" typeface="等线"/>
+        <a:font script="Hant" typeface="新細明體"/>
+        <a:font script="Arab" typeface="Arial"/>
+        <a:font script="Hebr" typeface="Arial"/>
+        <a:font script="Thai" typeface="Cordia New"/>
+        <a:font script="Ethi" typeface="Nyala"/>
+        <a:font script="Beng" typeface="Vrinda"/>
+        <a:font script="Gujr" typeface="Shruti"/>
+        <a:font script="Khmr" typeface="DaunPenh"/>
+        <a:font script="Knda" typeface="Tunga"/>
+        <a:font script="Guru" typeface="Raavi"/>
+        <a:font script="Cans" typeface="Euphemia"/>
+        <a:font script="Cher" typeface="Plantagenet Cherokee"/>
+        <a:font script="Yiii" typeface="Microsoft Yi Baiti"/>
+        <a:font script="Tibt" typeface="Microsoft Himalaya"/>
+        <a:font script="Thaa" typeface="MV Boli"/>
+        <a:font script="Deva" typeface="Mangal"/>
+        <a:font script="Telu" typeface="Gautami"/>
+        <a:font script="Taml" typeface="Latha"/>
+        <a:font script="Syrc" typeface="Estrangelo Edessa"/>
+        <a:font script="Orya" typeface="Kalinga"/>
+        <a:font script="Mlym" typeface="Kartika"/>
+        <a:font script="Laoo" typeface="DokChampa"/>
+        <a:font script="Sinh" typeface="Iskoola Pota"/>
+        <a:font script="Mong" typeface="Mongolian Baiti"/>
+        <a:font script="Viet" typeface="Arial"/>
+        <a:font script="Uigh" typeface="Microsoft Uighur"/>
+        <a:font script="Geor" typeface="Sylfaen"/>
+        <a:font script="Armn" typeface="Arial"/>
+        <a:font script="Bugi" typeface="Leelawadee UI"/>
+        <a:font script="Bopo" typeface="Microsoft JhengHei"/>
+        <a:font script="Java" typeface="Javanese Text"/>
+        <a:font script="Lisu" typeface="Segoe UI"/>
+        <a:font script="Mymr" typeface="Myanmar Text"/>
+        <a:font script="Nkoo" typeface="Ebrima"/>
+        <a:font script="Olck" typeface="Nirmala UI"/>
+        <a:font script="Osma" typeface="Ebrima"/>
+        <a:font script="Phag" typeface="Phagspa"/>
+        <a:font script="Syrn" typeface="Estrangelo Edessa"/>
+        <a:font script="Syrj" typeface="Estrangelo Edessa"/>
+        <a:font script="Syre" typeface="Estrangelo Edessa"/>
+        <a:font script="Sora" typeface="Nirmala UI"/>
+        <a:font script="Tale" typeface="Microsoft Tai Le"/>
+        <a:font script="Talu" typeface="Microsoft New Tai Lue"/>
+        <a:font script="Tfng" typeface="Ebrima"/>
+      </a:minorFont>
+    </a:fontScheme>
+    <a:fmtScheme name="Office">
+      <a:fillStyleLst>
+        <a:solidFill>
+          <a:schemeClr val="phClr"/>
+        </a:solidFill>
+        <a:gradFill rotWithShape="1">
+          <a:gsLst>
+            <a:gs pos="0">
+              <a:schemeClr val="phClr">
+                <a:lumMod val="110000"/>
+                <a:satMod val="105000"/>
+                <a:tint val="67000"/>
+              </a:schemeClr>
+            </a:gs>
+            <a:gs pos="50000">
+              <a:schemeClr val="phClr">
+                <a:lumMod val="105000"/>
+                <a:satMod val="103000"/>
+                <a:tint val="73000"/>
+              </a:schemeClr>
+            </a:gs>
+            <a:gs pos="100000">
+              <a:schemeClr val="phClr">
+                <a:lumMod val="105000"/>
+                <a:satMod val="109000"/>
+                <a:tint val="81000"/>
+              </a:schemeClr>
+            </a:gs>
+          </a:gsLst>
+          <a:lin ang="5400000" scaled="0"/>
+        </a:gradFill>
+        <a:gradFill rotWithShape="1">
+          <a:gsLst>
+            <a:gs pos="0">
+              <a:schemeClr val="phClr">
+                <a:satMod val="103000"/>
+                <a:lumMod val="102000"/>
+                <a:tint val="94000"/>
+              </a:schemeClr>
+            </a:gs>
+            <a:gs pos="50000">
+              <a:schemeClr val="phClr">
+                <a:satMod val="110000"/>
+                <a:lumMod val="100000"/>
+                <a:shade val="100000"/>
+              </a:schemeClr>
+            </a:gs>
+            <a:gs pos="100000">
+              <a:schemeClr val="phClr">
+                <a:lumMod val="99000"/>
+                <a:satMod val="120000"/>
+                <a:shade val="78000"/>
+              </a:schemeClr>
+            </a:gs>
+          </a:gsLst>
+          <a:lin ang="5400000" scaled="0"/>
+        </a:gradFill>
+      </a:fillStyleLst>
+      <a:lnStyleLst>
+        <a:ln w="6350" cap="flat" cmpd="sng" algn="ctr">
+          <a:solidFill>
+            <a:schemeClr val="phClr"/>
+          </a:solidFill>
+          <a:prstDash val="solid"/>
+          <a:miter lim="800000"/>
+        </a:ln>
+        <a:ln w="12700" cap="flat" cmpd="sng" algn="ctr">
+          <a:solidFill>
+            <a:schemeClr val="phClr"/>
+          </a:solidFill>
+          <a:prstDash val="solid"/>
+          <a:miter lim="800000"/>
+        </a:ln>
+        <a:ln w="19050" cap="flat" cmpd="sng" algn="ctr">
+          <a:solidFill>
+            <a:schemeClr val="phClr"/>
+          </a:solidFill>
+          <a:prstDash val="solid"/>
+          <a:miter lim="800000"/>
+        </a:ln>
+      </a:lnStyleLst>
+      <a:effectStyleLst>
+        <a:effectStyle>
+          <a:effectLst/>
+        </a:effectStyle>
+        <a:effectStyle>
+          <a:effectLst/>
+        </a:effectStyle>
+        <a:effectStyle>
+          <a:effectLst>
+            <a:outerShdw blurRad="57150" dist="19050" dir="5400000" algn="ctr" rotWithShape="0">
+              <a:srgbClr val="000000">
+                <a:alpha val="63000"/>
+              </a:srgbClr>
+            </a:outerShdw>
+          </a:effectLst>
+        </a:effectStyle>
+      </a:effectStyleLst>
+      <a:bgFillStyleLst>
+        <a:solidFill>
+          <a:schemeClr val="phClr"/>
+        </a:solidFill>
+        <a:solidFill>
+          <a:schemeClr val="phClr">
+            <a:tint val="95000"/>
+            <a:satMod val="170000"/>
+          </a:schemeClr>
+        </a:solidFill>
+        <a:gradFill rotWithShape="1">
+          <a:gsLst>
+            <a:gs pos="0">
+              <a:schemeClr val="phClr">
+                <a:tint val="93000"/>
+                <a:satMod val="150000"/>
+                <a:shade val="98000"/>
+                <a:lumMod val="102000"/>
+              </a:schemeClr>
+            </a:gs>
+            <a:gs pos="50000">
+              <a:schemeClr val="phClr">
+                <a:tint val="98000"/>
+                <a:satMod val="130000"/>
+                <a:shade val="90000"/>
+                <a:lumMod val="103000"/>
+              </a:schemeClr>
+            </a:gs>
+            <a:gs pos="100000">
+              <a:schemeClr val="phClr">
+                <a:shade val="63000"/>
+                <a:satMod val="120000"/>
+              </a:schemeClr>
+            </a:gs>
+          </a:gsLst>
+          <a:lin ang="5400000" scaled="0"/>
+        </a:gradFill>
+      </a:bgFillStyleLst>
+    </a:fmtScheme>
+  </a:themeElements>
+  <a:objectDefaults/>
+  <a:extraClrSchemeLst/>
+  <a:extLst>
+    <a:ext uri="{05A4C25C-085E-4340-85A3-A5531E510DB2}">
+      <thm15:themeFamily xmlns:thm15="http://schemas.microsoft.com/office/thememl/2012/main" name="Office Theme" id="{62F939B6-93AF-4DB8-9C6B-D6C7DFDC589F}" vid="{4A3C46E8-61CC-4603-A589-7422A47A8E4A}"/>
+    </a:ext>
+  </a:extLst>
+</a:theme>
 </file>
--- a/DDS Project1 - Reed_Miller.pptx
+++ b/DDS Project1 - Reed_Miller.pptx
@@ -210,7 +210,7 @@
           <a:p>
             <a:fld id="{C6BD8EEC-5CD8-4A1D-AF27-ACAEA8BBE071}" type="datetimeFigureOut">
               <a:rPr lang="en-US" smtClean="0"/>
-              <a:t>6/24/2021</a:t>
+              <a:t>6/26/2021</a:t>
             </a:fld>
             <a:endParaRPr lang="en-US"/>
           </a:p>
@@ -1025,7 +1025,10 @@
           <a:bodyPr/>
           <a:lstStyle/>
           <a:p>
-            <a:endParaRPr lang="en-US"/>
+            <a:r>
+              <a:rPr lang="en-US" dirty="0"/>
+              <a:t>First up, we are going to look at brewery count by state. As we can see, Colorado has the most breweries at 47. 558 breweries were included in this analysis, with the top 10 states comprising over 50% of all the breweries. This table can be helpful when deciding on new brewery locations, maybe there are benefits to brewing in one of those top 10 states and there could be a reason why there aren’t more breweries in states like Arizona. All things to think about when planning a new brewery</a:t>
+            </a:r>
           </a:p>
         </p:txBody>
       </p:sp>
@@ -1109,7 +1112,10 @@
           <a:bodyPr/>
           <a:lstStyle/>
           <a:p>
-            <a:endParaRPr lang="en-US"/>
+            <a:r>
+              <a:rPr lang="en-US" dirty="0"/>
+              <a:t>There are some missing values when looking at the beers included in the dataset. The missing values occur in the ABV and IBU columns and were removed when the relevant columns were to be included in calculations. For example, we will be looking at Median ABV by state, so any beers with a missing value for ABV would not be included for that.</a:t>
+            </a:r>
           </a:p>
         </p:txBody>
       </p:sp>
@@ -1811,7 +1817,7 @@
             <a:fld id="{276D79ED-3FA7-4EF8-964B-EB8BCFAB02F8}" type="datetimeFigureOut">
               <a:rPr lang="en-US" smtClean="0"/>
               <a:pPr/>
-              <a:t>6/24/2021</a:t>
+              <a:t>6/26/2021</a:t>
             </a:fld>
             <a:endParaRPr lang="en-US"/>
           </a:p>
@@ -1996,7 +2002,7 @@
           <a:p>
             <a:fld id="{276D79ED-3FA7-4EF8-964B-EB8BCFAB02F8}" type="datetimeFigureOut">
               <a:rPr lang="en-US" smtClean="0"/>
-              <a:t>6/24/2021</a:t>
+              <a:t>6/26/2021</a:t>
             </a:fld>
             <a:endParaRPr lang="en-US"/>
           </a:p>
@@ -2242,7 +2248,7 @@
           <a:p>
             <a:fld id="{276D79ED-3FA7-4EF8-964B-EB8BCFAB02F8}" type="datetimeFigureOut">
               <a:rPr lang="en-US" smtClean="0"/>
-              <a:t>6/24/2021</a:t>
+              <a:t>6/26/2021</a:t>
             </a:fld>
             <a:endParaRPr lang="en-US"/>
           </a:p>
@@ -2473,7 +2479,7 @@
           <a:p>
             <a:fld id="{276D79ED-3FA7-4EF8-964B-EB8BCFAB02F8}" type="datetimeFigureOut">
               <a:rPr lang="en-US" smtClean="0"/>
-              <a:t>6/24/2021</a:t>
+              <a:t>6/26/2021</a:t>
             </a:fld>
             <a:endParaRPr lang="en-US"/>
           </a:p>
@@ -2837,7 +2843,7 @@
           <a:p>
             <a:fld id="{276D79ED-3FA7-4EF8-964B-EB8BCFAB02F8}" type="datetimeFigureOut">
               <a:rPr lang="en-US" smtClean="0"/>
-              <a:t>6/24/2021</a:t>
+              <a:t>6/26/2021</a:t>
             </a:fld>
             <a:endParaRPr lang="en-US"/>
           </a:p>
@@ -2954,7 +2960,7 @@
           <a:p>
             <a:fld id="{276D79ED-3FA7-4EF8-964B-EB8BCFAB02F8}" type="datetimeFigureOut">
               <a:rPr lang="en-US" smtClean="0"/>
-              <a:t>6/24/2021</a:t>
+              <a:t>6/26/2021</a:t>
             </a:fld>
             <a:endParaRPr lang="en-US"/>
           </a:p>
@@ -3049,7 +3055,7 @@
           <a:p>
             <a:fld id="{276D79ED-3FA7-4EF8-964B-EB8BCFAB02F8}" type="datetimeFigureOut">
               <a:rPr lang="en-US" smtClean="0"/>
-              <a:t>6/24/2021</a:t>
+              <a:t>6/26/2021</a:t>
             </a:fld>
             <a:endParaRPr lang="en-US"/>
           </a:p>
@@ -3325,7 +3331,7 @@
           <a:p>
             <a:fld id="{276D79ED-3FA7-4EF8-964B-EB8BCFAB02F8}" type="datetimeFigureOut">
               <a:rPr lang="en-US" smtClean="0"/>
-              <a:t>6/24/2021</a:t>
+              <a:t>6/26/2021</a:t>
             </a:fld>
             <a:endParaRPr lang="en-US"/>
           </a:p>
@@ -3581,7 +3587,7 @@
           <a:p>
             <a:fld id="{276D79ED-3FA7-4EF8-964B-EB8BCFAB02F8}" type="datetimeFigureOut">
               <a:rPr lang="en-US" smtClean="0"/>
-              <a:t>6/24/2021</a:t>
+              <a:t>6/26/2021</a:t>
             </a:fld>
             <a:endParaRPr lang="en-US"/>
           </a:p>
@@ -3801,7 +3807,7 @@
           <a:p>
             <a:fld id="{276D79ED-3FA7-4EF8-964B-EB8BCFAB02F8}" type="datetimeFigureOut">
               <a:rPr lang="en-US" smtClean="0"/>
-              <a:t>6/24/2021</a:t>
+              <a:t>6/26/2021</a:t>
             </a:fld>
             <a:endParaRPr lang="en-US"/>
           </a:p>
@@ -5607,7 +5613,7 @@
         <p:spPr>
           <a:xfrm>
             <a:off x="382516" y="1649766"/>
-            <a:ext cx="3280611" cy="4062651"/>
+            <a:ext cx="3280611" cy="3693319"/>
           </a:xfrm>
           <a:prstGeom prst="rect">
             <a:avLst/>
@@ -5665,7 +5671,7 @@
             </a:pPr>
             <a:r>
               <a:rPr lang="en-US" sz="2400" dirty="0"/>
-              <a:t>Minimal value add from this metric given tight range</a:t>
+              <a:t>Tone it down in Utah</a:t>
             </a:r>
           </a:p>
           <a:p>
@@ -5955,7 +5961,7 @@
             <a:pPr lvl="1"/>
             <a:r>
               <a:rPr lang="en-US" dirty="0"/>
-              <a:t>Based on this, it looks like our higher ABV products could do well in Colorado.</a:t>
+              <a:t>Based on this, it looks like your higher ABV products could do well in Colorado.</a:t>
             </a:r>
           </a:p>
           <a:p>
@@ -6077,7 +6083,7 @@
           <a:p>
             <a:r>
               <a:rPr lang="en-US" dirty="0"/>
-              <a:t>This also suggests that when we are creating new beers, we should try to stay relatively within the norm (about 4-10% ABV).</a:t>
+              <a:t>This also suggests that when you are creating new beers, you should try to stay relatively within the norm (about 4-10% ABV).</a:t>
             </a:r>
           </a:p>
         </p:txBody>
@@ -6490,7 +6496,7 @@
           <a:p>
             <a:r>
               <a:rPr lang="en-US" dirty="0"/>
-              <a:t>This is useful because if we want to create a more bitter beer, we know to increase the ABV as well from looking at our competitors.</a:t>
+              <a:t>This is useful because if you want to create a more bitter beer, you know to increase the ABV as well from looking at your competitors.</a:t>
             </a:r>
           </a:p>
         </p:txBody>

--- a/DDS Project1 - Reed_Miller.pptx
+++ b/DDS Project1 - Reed_Miller.pptx
@@ -4409,6 +4409,41 @@
             <a:r>
               <a:rPr lang="en-US" dirty="0"/>
               <a:t>https://www.youtube.com/watch?v=uzc_eJyoHg8</a:t>
+            </a:r>
+          </a:p>
+        </p:txBody>
+      </p:sp>
+      <p:sp>
+        <p:nvSpPr>
+          <p:cNvPr id="5" name="TextBox 4">
+            <a:extLst>
+              <a:ext uri="{FF2B5EF4-FFF2-40B4-BE49-F238E27FC236}">
+                <a16:creationId xmlns:a16="http://schemas.microsoft.com/office/drawing/2014/main" id="{5B582569-4EE7-4A16-A16D-26D84FCED5D0}"/>
+              </a:ext>
+            </a:extLst>
+          </p:cNvPr>
+          <p:cNvSpPr txBox="1"/>
+          <p:nvPr/>
+        </p:nvSpPr>
+        <p:spPr>
+          <a:xfrm>
+            <a:off x="5155512" y="4579167"/>
+            <a:ext cx="3384260" cy="369332"/>
+          </a:xfrm>
+          <a:prstGeom prst="rect">
+            <a:avLst/>
+          </a:prstGeom>
+          <a:noFill/>
+        </p:spPr>
+        <p:txBody>
+          <a:bodyPr wrap="none" rtlCol="0">
+            <a:spAutoFit/>
+          </a:bodyPr>
+          <a:lstStyle/>
+          <a:p>
+            <a:r>
+              <a:rPr lang="en-US" dirty="0"/>
+              <a:t>https://youtu.be/nk3bkaz5fKg</a:t>
             </a:r>
           </a:p>
         </p:txBody>

--- a/DDS Project1 - Reed_Miller.pptx
+++ b/DDS Project1 - Reed_Miller.pptx
@@ -4418,7 +4418,7 @@
           <p:cNvPr id="5" name="TextBox 4">
             <a:extLst>
               <a:ext uri="{FF2B5EF4-FFF2-40B4-BE49-F238E27FC236}">
-                <a16:creationId xmlns:a16="http://schemas.microsoft.com/office/drawing/2014/main" id="{5B582569-4EE7-4A16-A16D-26D84FCED5D0}"/>
+                <a16:creationId xmlns:a16="http://schemas.microsoft.com/office/drawing/2014/main" id="{C1356964-0070-4935-92D4-4AE2F9B0C2ED}"/>
               </a:ext>
             </a:extLst>
           </p:cNvPr>
